--- a/BaoCao.pptx
+++ b/BaoCao.pptx
@@ -107,6 +107,11 @@
       </a:defRPr>
     </a:lvl9pPr>
   </p:defaultTextStyle>
+  <p:extLst>
+    <p:ext uri="{EFAFB233-063F-42B5-8137-9DF3F51BA10A}">
+      <p15:sldGuideLst xmlns:p15="http://schemas.microsoft.com/office/powerpoint/2012/main"/>
+    </p:ext>
+  </p:extLst>
 </p:presentation>
 </file>
 
@@ -249,7 +254,7 @@
           <a:p>
             <a:fld id="{48A87A34-81AB-432B-8DAE-1953F412C126}" type="datetimeFigureOut">
               <a:rPr lang="en-US" dirty="0"/>
-              <a:t>12/5/2019</a:t>
+              <a:t>12/6/2019</a:t>
             </a:fld>
             <a:endParaRPr lang="en-US" dirty="0"/>
           </a:p>
@@ -424,7 +429,7 @@
           <a:p>
             <a:fld id="{48A87A34-81AB-432B-8DAE-1953F412C126}" type="datetimeFigureOut">
               <a:rPr lang="en-US" dirty="0"/>
-              <a:t>12/5/2019</a:t>
+              <a:t>12/6/2019</a:t>
             </a:fld>
             <a:endParaRPr lang="en-US" dirty="0"/>
           </a:p>
@@ -603,7 +608,7 @@
           <a:p>
             <a:fld id="{48A87A34-81AB-432B-8DAE-1953F412C126}" type="datetimeFigureOut">
               <a:rPr lang="en-US" dirty="0"/>
-              <a:t>12/5/2019</a:t>
+              <a:t>12/6/2019</a:t>
             </a:fld>
             <a:endParaRPr lang="en-US" dirty="0"/>
           </a:p>
@@ -768,7 +773,7 @@
           <a:p>
             <a:fld id="{48A87A34-81AB-432B-8DAE-1953F412C126}" type="datetimeFigureOut">
               <a:rPr lang="en-US" dirty="0"/>
-              <a:t>12/5/2019</a:t>
+              <a:t>12/6/2019</a:t>
             </a:fld>
             <a:endParaRPr lang="en-US" dirty="0"/>
           </a:p>
@@ -1011,7 +1016,7 @@
           <a:p>
             <a:fld id="{48A87A34-81AB-432B-8DAE-1953F412C126}" type="datetimeFigureOut">
               <a:rPr lang="en-US" dirty="0"/>
-              <a:t>12/5/2019</a:t>
+              <a:t>12/6/2019</a:t>
             </a:fld>
             <a:endParaRPr lang="en-US" dirty="0"/>
           </a:p>
@@ -1243,7 +1248,7 @@
           <a:p>
             <a:fld id="{48A87A34-81AB-432B-8DAE-1953F412C126}" type="datetimeFigureOut">
               <a:rPr lang="en-US" dirty="0"/>
-              <a:t>12/5/2019</a:t>
+              <a:t>12/6/2019</a:t>
             </a:fld>
             <a:endParaRPr lang="en-US" dirty="0"/>
           </a:p>
@@ -1623,7 +1628,7 @@
           <a:p>
             <a:fld id="{48A87A34-81AB-432B-8DAE-1953F412C126}" type="datetimeFigureOut">
               <a:rPr lang="en-US" dirty="0"/>
-              <a:t>12/5/2019</a:t>
+              <a:t>12/6/2019</a:t>
             </a:fld>
             <a:endParaRPr lang="en-US" dirty="0"/>
           </a:p>
@@ -1736,7 +1741,7 @@
           <a:p>
             <a:fld id="{48A87A34-81AB-432B-8DAE-1953F412C126}" type="datetimeFigureOut">
               <a:rPr lang="en-US" dirty="0"/>
-              <a:t>12/5/2019</a:t>
+              <a:t>12/6/2019</a:t>
             </a:fld>
             <a:endParaRPr lang="en-US" dirty="0"/>
           </a:p>
@@ -1826,7 +1831,7 @@
           <a:p>
             <a:fld id="{48A87A34-81AB-432B-8DAE-1953F412C126}" type="datetimeFigureOut">
               <a:rPr lang="en-US" dirty="0"/>
-              <a:t>12/5/2019</a:t>
+              <a:t>12/6/2019</a:t>
             </a:fld>
             <a:endParaRPr lang="en-US" dirty="0"/>
           </a:p>
@@ -2072,7 +2077,7 @@
           <a:p>
             <a:fld id="{48A87A34-81AB-432B-8DAE-1953F412C126}" type="datetimeFigureOut">
               <a:rPr lang="en-US" dirty="0"/>
-              <a:t>12/5/2019</a:t>
+              <a:t>12/6/2019</a:t>
             </a:fld>
             <a:endParaRPr lang="en-US" dirty="0"/>
           </a:p>
@@ -2459,7 +2464,7 @@
             <a:fld id="{48A87A34-81AB-432B-8DAE-1953F412C126}" type="datetimeFigureOut">
               <a:rPr lang="en-US" dirty="0"/>
               <a:pPr/>
-              <a:t>12/5/2019</a:t>
+              <a:t>12/6/2019</a:t>
             </a:fld>
             <a:endParaRPr lang="en-US" dirty="0"/>
           </a:p>
@@ -2672,7 +2677,7 @@
             <a:fld id="{48A87A34-81AB-432B-8DAE-1953F412C126}" type="datetimeFigureOut">
               <a:rPr lang="en-US" dirty="0"/>
               <a:pPr/>
-              <a:t>12/5/2019</a:t>
+              <a:t>12/6/2019</a:t>
             </a:fld>
             <a:endParaRPr lang="en-US" dirty="0"/>
           </a:p>
@@ -3246,7 +3251,7 @@
         </p:nvSpPr>
         <p:spPr>
           <a:xfrm>
-            <a:off x="1800549" y="1071155"/>
+            <a:off x="1784073" y="758117"/>
             <a:ext cx="8637073" cy="1907273"/>
           </a:xfrm>
         </p:spPr>
@@ -3767,12 +3772,23 @@
             <p:ph type="title"/>
           </p:nvPr>
         </p:nvSpPr>
-        <p:spPr/>
-        <p:txBody>
-          <a:bodyPr/>
-          <a:lstStyle/>
-          <a:p>
-            <a:endParaRPr lang="en-US"/>
+        <p:spPr>
+          <a:xfrm>
+            <a:off x="0" y="593125"/>
+            <a:ext cx="3113903" cy="461319"/>
+          </a:xfrm>
+        </p:spPr>
+        <p:txBody>
+          <a:bodyPr>
+            <a:normAutofit/>
+          </a:bodyPr>
+          <a:lstStyle/>
+          <a:p>
+            <a:r>
+              <a:rPr lang="vi-VN" sz="2400" dirty="0" smtClean="0"/>
+              <a:t>Nội dung</a:t>
+            </a:r>
+            <a:endParaRPr lang="en-US" sz="2400" dirty="0"/>
           </a:p>
         </p:txBody>
       </p:sp>
@@ -3786,12 +3802,35 @@
             <p:ph idx="1"/>
           </p:nvPr>
         </p:nvSpPr>
-        <p:spPr/>
-        <p:txBody>
-          <a:bodyPr/>
-          <a:lstStyle/>
-          <a:p>
-            <a:endParaRPr lang="en-US"/>
+        <p:spPr>
+          <a:xfrm>
+            <a:off x="660748" y="1373181"/>
+            <a:ext cx="7741848" cy="3450613"/>
+          </a:xfrm>
+        </p:spPr>
+        <p:txBody>
+          <a:bodyPr>
+            <a:normAutofit/>
+          </a:bodyPr>
+          <a:lstStyle/>
+          <a:p>
+            <a:r>
+              <a:rPr lang="vi-VN" sz="2400" dirty="0" smtClean="0"/>
+              <a:t>Bài toán cái balo với số nguyên</a:t>
+            </a:r>
+          </a:p>
+          <a:p>
+            <a:r>
+              <a:rPr lang="vi-VN" sz="2400" dirty="0" smtClean="0"/>
+              <a:t>Bài toán cái balo với số thực</a:t>
+            </a:r>
+          </a:p>
+          <a:p>
+            <a:r>
+              <a:rPr lang="vi-VN" sz="2400" dirty="0" smtClean="0"/>
+              <a:t>Kết luận</a:t>
+            </a:r>
+            <a:endParaRPr lang="en-US" sz="2400" dirty="0"/>
           </a:p>
         </p:txBody>
       </p:sp>
@@ -3842,31 +3881,49 @@
             <p:ph type="title"/>
           </p:nvPr>
         </p:nvSpPr>
+        <p:spPr>
+          <a:xfrm>
+            <a:off x="0" y="164758"/>
+            <a:ext cx="7537622" cy="947350"/>
+          </a:xfrm>
+        </p:spPr>
+        <p:txBody>
+          <a:bodyPr>
+            <a:normAutofit/>
+          </a:bodyPr>
+          <a:lstStyle/>
+          <a:p>
+            <a:r>
+              <a:rPr lang="vi-VN" sz="2700" dirty="0"/>
+              <a:t>Bài toán cái balo với số nguyên</a:t>
+            </a:r>
+            <a:r>
+              <a:rPr lang="vi-VN" dirty="0"/>
+              <a:t/>
+            </a:r>
+            <a:br>
+              <a:rPr lang="vi-VN" dirty="0"/>
+            </a:br>
+            <a:endParaRPr lang="en-US" dirty="0"/>
+          </a:p>
+        </p:txBody>
+      </p:sp>
+      <p:sp>
+        <p:nvSpPr>
+          <p:cNvPr id="3" name="Content Placeholder 2"/>
+          <p:cNvSpPr>
+            <a:spLocks noGrp="1"/>
+          </p:cNvSpPr>
+          <p:nvPr>
+            <p:ph idx="1"/>
+          </p:nvPr>
+        </p:nvSpPr>
         <p:spPr/>
         <p:txBody>
           <a:bodyPr/>
           <a:lstStyle/>
           <a:p>
-            <a:endParaRPr lang="en-US"/>
-          </a:p>
-        </p:txBody>
-      </p:sp>
-      <p:sp>
-        <p:nvSpPr>
-          <p:cNvPr id="3" name="Content Placeholder 2"/>
-          <p:cNvSpPr>
-            <a:spLocks noGrp="1"/>
-          </p:cNvSpPr>
-          <p:nvPr>
-            <p:ph idx="1"/>
-          </p:nvPr>
-        </p:nvSpPr>
-        <p:spPr/>
-        <p:txBody>
-          <a:bodyPr/>
-          <a:lstStyle/>
-          <a:p>
-            <a:endParaRPr lang="en-US"/>
+            <a:endParaRPr lang="en-US" dirty="0"/>
           </a:p>
         </p:txBody>
       </p:sp>
@@ -3880,6 +3937,13 @@
   <p:clrMapOvr>
     <a:masterClrMapping/>
   </p:clrMapOvr>
+  <p:timing>
+    <p:tnLst>
+      <p:par>
+        <p:cTn id="1" dur="indefinite" restart="never" nodeType="tmRoot"/>
+      </p:par>
+    </p:tnLst>
+  </p:timing>
 </p:sld>
 </file>
 

--- a/BaoCao.pptx
+++ b/BaoCao.pptx
@@ -8,7 +8,14 @@
     <p:sldId id="256" r:id="rId2"/>
     <p:sldId id="258" r:id="rId3"/>
     <p:sldId id="259" r:id="rId4"/>
-    <p:sldId id="257" r:id="rId5"/>
+    <p:sldId id="260" r:id="rId5"/>
+    <p:sldId id="261" r:id="rId6"/>
+    <p:sldId id="262" r:id="rId7"/>
+    <p:sldId id="263" r:id="rId8"/>
+    <p:sldId id="264" r:id="rId9"/>
+    <p:sldId id="265" r:id="rId10"/>
+    <p:sldId id="266" r:id="rId11"/>
+    <p:sldId id="257" r:id="rId12"/>
   </p:sldIdLst>
   <p:sldSz cx="12192000" cy="6858000"/>
   <p:notesSz cx="6858000" cy="9144000"/>
@@ -3745,6 +3752,832 @@
 </p:sld>
 </file>
 
+<file path=ppt/slides/slide10.xml><?xml version="1.0" encoding="utf-8"?>
+<p:sld xmlns:a="http://schemas.openxmlformats.org/drawingml/2006/main" xmlns:r="http://schemas.openxmlformats.org/officeDocument/2006/relationships" xmlns:p="http://schemas.openxmlformats.org/presentationml/2006/main">
+  <p:cSld>
+    <p:spTree>
+      <p:nvGrpSpPr>
+        <p:cNvPr id="1" name=""/>
+        <p:cNvGrpSpPr/>
+        <p:nvPr/>
+      </p:nvGrpSpPr>
+      <p:grpSpPr>
+        <a:xfrm>
+          <a:off x="0" y="0"/>
+          <a:ext cx="0" cy="0"/>
+          <a:chOff x="0" y="0"/>
+          <a:chExt cx="0" cy="0"/>
+        </a:xfrm>
+      </p:grpSpPr>
+      <p:sp>
+        <p:nvSpPr>
+          <p:cNvPr id="2" name="Title 1"/>
+          <p:cNvSpPr>
+            <a:spLocks noGrp="1"/>
+          </p:cNvSpPr>
+          <p:nvPr>
+            <p:ph type="title"/>
+          </p:nvPr>
+        </p:nvSpPr>
+        <p:spPr>
+          <a:xfrm>
+            <a:off x="-1242487" y="122006"/>
+            <a:ext cx="5982091" cy="947350"/>
+          </a:xfrm>
+        </p:spPr>
+        <p:txBody>
+          <a:bodyPr>
+            <a:normAutofit/>
+          </a:bodyPr>
+          <a:lstStyle/>
+          <a:p>
+            <a:r>
+              <a:rPr lang="en-US" sz="2400" dirty="0" err="1" smtClean="0">
+                <a:latin typeface="Arial" panose="020B0604020202020204" pitchFamily="34" charset="0"/>
+                <a:cs typeface="Arial" panose="020B0604020202020204" pitchFamily="34" charset="0"/>
+              </a:rPr>
+              <a:t>Kết</a:t>
+            </a:r>
+            <a:r>
+              <a:rPr lang="en-US" sz="2400" dirty="0" smtClean="0">
+                <a:latin typeface="Arial" panose="020B0604020202020204" pitchFamily="34" charset="0"/>
+                <a:cs typeface="Arial" panose="020B0604020202020204" pitchFamily="34" charset="0"/>
+              </a:rPr>
+              <a:t> </a:t>
+            </a:r>
+            <a:r>
+              <a:rPr lang="en-US" sz="2400" dirty="0" err="1" smtClean="0">
+                <a:latin typeface="Arial" panose="020B0604020202020204" pitchFamily="34" charset="0"/>
+                <a:cs typeface="Arial" panose="020B0604020202020204" pitchFamily="34" charset="0"/>
+              </a:rPr>
+              <a:t>luận</a:t>
+            </a:r>
+            <a:endParaRPr lang="en-US" sz="2400" dirty="0"/>
+          </a:p>
+        </p:txBody>
+      </p:sp>
+      <p:sp>
+        <p:nvSpPr>
+          <p:cNvPr id="3" name="Content Placeholder 2"/>
+          <p:cNvSpPr>
+            <a:spLocks noGrp="1"/>
+          </p:cNvSpPr>
+          <p:nvPr>
+            <p:ph idx="1"/>
+          </p:nvPr>
+        </p:nvSpPr>
+        <p:spPr>
+          <a:xfrm>
+            <a:off x="1124607" y="922212"/>
+            <a:ext cx="9837682" cy="5215830"/>
+          </a:xfrm>
+        </p:spPr>
+        <p:txBody>
+          <a:bodyPr>
+            <a:noAutofit/>
+          </a:bodyPr>
+          <a:lstStyle/>
+          <a:p>
+            <a:pPr marL="914400" marR="0" indent="-457200">
+              <a:lnSpc>
+                <a:spcPct val="107000"/>
+              </a:lnSpc>
+              <a:spcBef>
+                <a:spcPts val="0"/>
+              </a:spcBef>
+              <a:spcAft>
+                <a:spcPts val="800"/>
+              </a:spcAft>
+              <a:buFont typeface="Wingdings" panose="05000000000000000000" pitchFamily="2" charset="2"/>
+              <a:buChar char="ü"/>
+            </a:pPr>
+            <a:r>
+              <a:rPr lang="en-US" sz="2800" dirty="0" err="1">
+                <a:latin typeface="Arial" panose="020B0604020202020204" pitchFamily="34" charset="0"/>
+                <a:ea typeface="MS Mincho" panose="02020609040205080304" pitchFamily="49" charset="-128"/>
+                <a:cs typeface="Arial" panose="020B0604020202020204" pitchFamily="34" charset="0"/>
+              </a:rPr>
+              <a:t>V</a:t>
+            </a:r>
+            <a:r>
+              <a:rPr lang="en-US" sz="2800" dirty="0" err="1" smtClean="0">
+                <a:latin typeface="Arial" panose="020B0604020202020204" pitchFamily="34" charset="0"/>
+                <a:ea typeface="MS Mincho" panose="02020609040205080304" pitchFamily="49" charset="-128"/>
+                <a:cs typeface="Arial" panose="020B0604020202020204" pitchFamily="34" charset="0"/>
+              </a:rPr>
+              <a:t>ới</a:t>
+            </a:r>
+            <a:r>
+              <a:rPr lang="en-US" sz="2800" dirty="0" smtClean="0">
+                <a:latin typeface="Arial" panose="020B0604020202020204" pitchFamily="34" charset="0"/>
+                <a:ea typeface="MS Mincho" panose="02020609040205080304" pitchFamily="49" charset="-128"/>
+                <a:cs typeface="Arial" panose="020B0604020202020204" pitchFamily="34" charset="0"/>
+              </a:rPr>
+              <a:t> </a:t>
+            </a:r>
+            <a:r>
+              <a:rPr lang="en-US" sz="2800" dirty="0" err="1" smtClean="0">
+                <a:latin typeface="Arial" panose="020B0604020202020204" pitchFamily="34" charset="0"/>
+                <a:ea typeface="MS Mincho" panose="02020609040205080304" pitchFamily="49" charset="-128"/>
+                <a:cs typeface="Arial" panose="020B0604020202020204" pitchFamily="34" charset="0"/>
+              </a:rPr>
+              <a:t>giải</a:t>
+            </a:r>
+            <a:r>
+              <a:rPr lang="en-US" sz="2800" dirty="0" smtClean="0">
+                <a:latin typeface="Arial" panose="020B0604020202020204" pitchFamily="34" charset="0"/>
+                <a:ea typeface="MS Mincho" panose="02020609040205080304" pitchFamily="49" charset="-128"/>
+                <a:cs typeface="Arial" panose="020B0604020202020204" pitchFamily="34" charset="0"/>
+              </a:rPr>
+              <a:t> </a:t>
+            </a:r>
+            <a:r>
+              <a:rPr lang="en-US" sz="2800" dirty="0" err="1" smtClean="0">
+                <a:latin typeface="Arial" panose="020B0604020202020204" pitchFamily="34" charset="0"/>
+                <a:ea typeface="MS Mincho" panose="02020609040205080304" pitchFamily="49" charset="-128"/>
+                <a:cs typeface="Arial" panose="020B0604020202020204" pitchFamily="34" charset="0"/>
+              </a:rPr>
+              <a:t>thuật</a:t>
+            </a:r>
+            <a:r>
+              <a:rPr lang="en-US" sz="2800" dirty="0" smtClean="0">
+                <a:latin typeface="Arial" panose="020B0604020202020204" pitchFamily="34" charset="0"/>
+                <a:ea typeface="MS Mincho" panose="02020609040205080304" pitchFamily="49" charset="-128"/>
+                <a:cs typeface="Arial" panose="020B0604020202020204" pitchFamily="34" charset="0"/>
+              </a:rPr>
+              <a:t> </a:t>
+            </a:r>
+            <a:r>
+              <a:rPr lang="en-US" sz="2800" dirty="0" err="1" smtClean="0">
+                <a:latin typeface="Arial" panose="020B0604020202020204" pitchFamily="34" charset="0"/>
+                <a:ea typeface="MS Mincho" panose="02020609040205080304" pitchFamily="49" charset="-128"/>
+                <a:cs typeface="Arial" panose="020B0604020202020204" pitchFamily="34" charset="0"/>
+              </a:rPr>
+              <a:t>tham</a:t>
+            </a:r>
+            <a:r>
+              <a:rPr lang="en-US" sz="2800" dirty="0" smtClean="0">
+                <a:latin typeface="Arial" panose="020B0604020202020204" pitchFamily="34" charset="0"/>
+                <a:ea typeface="MS Mincho" panose="02020609040205080304" pitchFamily="49" charset="-128"/>
+                <a:cs typeface="Arial" panose="020B0604020202020204" pitchFamily="34" charset="0"/>
+              </a:rPr>
+              <a:t> </a:t>
+            </a:r>
+            <a:r>
+              <a:rPr lang="en-US" sz="2800" dirty="0" err="1" smtClean="0">
+                <a:latin typeface="Arial" panose="020B0604020202020204" pitchFamily="34" charset="0"/>
+                <a:ea typeface="MS Mincho" panose="02020609040205080304" pitchFamily="49" charset="-128"/>
+                <a:cs typeface="Arial" panose="020B0604020202020204" pitchFamily="34" charset="0"/>
+              </a:rPr>
+              <a:t>ăn</a:t>
+            </a:r>
+            <a:r>
+              <a:rPr lang="en-US" sz="2800" dirty="0" smtClean="0">
+                <a:latin typeface="Arial" panose="020B0604020202020204" pitchFamily="34" charset="0"/>
+                <a:ea typeface="MS Mincho" panose="02020609040205080304" pitchFamily="49" charset="-128"/>
+                <a:cs typeface="Arial" panose="020B0604020202020204" pitchFamily="34" charset="0"/>
+              </a:rPr>
+              <a:t> </a:t>
+            </a:r>
+            <a:r>
+              <a:rPr lang="en-US" sz="2800" dirty="0" err="1" smtClean="0">
+                <a:latin typeface="Arial" panose="020B0604020202020204" pitchFamily="34" charset="0"/>
+                <a:ea typeface="MS Mincho" panose="02020609040205080304" pitchFamily="49" charset="-128"/>
+                <a:cs typeface="Arial" panose="020B0604020202020204" pitchFamily="34" charset="0"/>
+              </a:rPr>
+              <a:t>thì</a:t>
+            </a:r>
+            <a:r>
+              <a:rPr lang="en-US" sz="2800" dirty="0" smtClean="0">
+                <a:latin typeface="Arial" panose="020B0604020202020204" pitchFamily="34" charset="0"/>
+                <a:ea typeface="MS Mincho" panose="02020609040205080304" pitchFamily="49" charset="-128"/>
+                <a:cs typeface="Arial" panose="020B0604020202020204" pitchFamily="34" charset="0"/>
+              </a:rPr>
+              <a:t> </a:t>
+            </a:r>
+            <a:r>
+              <a:rPr lang="en-US" sz="2800" dirty="0" err="1" smtClean="0">
+                <a:latin typeface="Arial" panose="020B0604020202020204" pitchFamily="34" charset="0"/>
+                <a:ea typeface="MS Mincho" panose="02020609040205080304" pitchFamily="49" charset="-128"/>
+                <a:cs typeface="Arial" panose="020B0604020202020204" pitchFamily="34" charset="0"/>
+              </a:rPr>
+              <a:t>bài</a:t>
+            </a:r>
+            <a:r>
+              <a:rPr lang="en-US" sz="2800" dirty="0" smtClean="0">
+                <a:latin typeface="Arial" panose="020B0604020202020204" pitchFamily="34" charset="0"/>
+                <a:ea typeface="MS Mincho" panose="02020609040205080304" pitchFamily="49" charset="-128"/>
+                <a:cs typeface="Arial" panose="020B0604020202020204" pitchFamily="34" charset="0"/>
+              </a:rPr>
+              <a:t> </a:t>
+            </a:r>
+            <a:r>
+              <a:rPr lang="en-US" sz="2800" dirty="0" err="1" smtClean="0">
+                <a:latin typeface="Arial" panose="020B0604020202020204" pitchFamily="34" charset="0"/>
+                <a:ea typeface="MS Mincho" panose="02020609040205080304" pitchFamily="49" charset="-128"/>
+                <a:cs typeface="Arial" panose="020B0604020202020204" pitchFamily="34" charset="0"/>
+              </a:rPr>
+              <a:t>toán</a:t>
+            </a:r>
+            <a:r>
+              <a:rPr lang="en-US" sz="2800" dirty="0" smtClean="0">
+                <a:latin typeface="Arial" panose="020B0604020202020204" pitchFamily="34" charset="0"/>
+                <a:ea typeface="MS Mincho" panose="02020609040205080304" pitchFamily="49" charset="-128"/>
+                <a:cs typeface="Arial" panose="020B0604020202020204" pitchFamily="34" charset="0"/>
+              </a:rPr>
+              <a:t> </a:t>
+            </a:r>
+            <a:r>
+              <a:rPr lang="en-US" sz="2800" dirty="0" err="1" smtClean="0">
+                <a:latin typeface="Arial" panose="020B0604020202020204" pitchFamily="34" charset="0"/>
+                <a:ea typeface="MS Mincho" panose="02020609040205080304" pitchFamily="49" charset="-128"/>
+                <a:cs typeface="Arial" panose="020B0604020202020204" pitchFamily="34" charset="0"/>
+              </a:rPr>
+              <a:t>trên</a:t>
+            </a:r>
+            <a:r>
+              <a:rPr lang="en-US" sz="2800" dirty="0" smtClean="0">
+                <a:latin typeface="Arial" panose="020B0604020202020204" pitchFamily="34" charset="0"/>
+                <a:ea typeface="MS Mincho" panose="02020609040205080304" pitchFamily="49" charset="-128"/>
+                <a:cs typeface="Arial" panose="020B0604020202020204" pitchFamily="34" charset="0"/>
+              </a:rPr>
+              <a:t> </a:t>
+            </a:r>
+            <a:r>
+              <a:rPr lang="en-US" sz="2800" dirty="0" err="1" smtClean="0">
+                <a:latin typeface="Arial" panose="020B0604020202020204" pitchFamily="34" charset="0"/>
+                <a:ea typeface="MS Mincho" panose="02020609040205080304" pitchFamily="49" charset="-128"/>
+                <a:cs typeface="Arial" panose="020B0604020202020204" pitchFamily="34" charset="0"/>
+              </a:rPr>
+              <a:t>số</a:t>
+            </a:r>
+            <a:r>
+              <a:rPr lang="en-US" sz="2800" dirty="0" smtClean="0">
+                <a:latin typeface="Arial" panose="020B0604020202020204" pitchFamily="34" charset="0"/>
+                <a:ea typeface="MS Mincho" panose="02020609040205080304" pitchFamily="49" charset="-128"/>
+                <a:cs typeface="Arial" panose="020B0604020202020204" pitchFamily="34" charset="0"/>
+              </a:rPr>
+              <a:t> </a:t>
+            </a:r>
+            <a:r>
+              <a:rPr lang="en-US" sz="2800" dirty="0" err="1" smtClean="0">
+                <a:latin typeface="Arial" panose="020B0604020202020204" pitchFamily="34" charset="0"/>
+                <a:ea typeface="MS Mincho" panose="02020609040205080304" pitchFamily="49" charset="-128"/>
+                <a:cs typeface="Arial" panose="020B0604020202020204" pitchFamily="34" charset="0"/>
+              </a:rPr>
+              <a:t>thực</a:t>
+            </a:r>
+            <a:r>
+              <a:rPr lang="en-US" sz="2800" dirty="0" smtClean="0">
+                <a:latin typeface="Arial" panose="020B0604020202020204" pitchFamily="34" charset="0"/>
+                <a:ea typeface="MS Mincho" panose="02020609040205080304" pitchFamily="49" charset="-128"/>
+                <a:cs typeface="Arial" panose="020B0604020202020204" pitchFamily="34" charset="0"/>
+              </a:rPr>
+              <a:t> </a:t>
+            </a:r>
+            <a:r>
+              <a:rPr lang="en-US" sz="2800" dirty="0" err="1" smtClean="0">
+                <a:latin typeface="Arial" panose="020B0604020202020204" pitchFamily="34" charset="0"/>
+                <a:ea typeface="MS Mincho" panose="02020609040205080304" pitchFamily="49" charset="-128"/>
+                <a:cs typeface="Arial" panose="020B0604020202020204" pitchFamily="34" charset="0"/>
+              </a:rPr>
+              <a:t>sẽ</a:t>
+            </a:r>
+            <a:r>
+              <a:rPr lang="en-US" sz="2800" dirty="0" smtClean="0">
+                <a:latin typeface="Arial" panose="020B0604020202020204" pitchFamily="34" charset="0"/>
+                <a:ea typeface="MS Mincho" panose="02020609040205080304" pitchFamily="49" charset="-128"/>
+                <a:cs typeface="Arial" panose="020B0604020202020204" pitchFamily="34" charset="0"/>
+              </a:rPr>
+              <a:t> </a:t>
+            </a:r>
+            <a:r>
+              <a:rPr lang="en-US" sz="2800" dirty="0" err="1" smtClean="0">
+                <a:latin typeface="Arial" panose="020B0604020202020204" pitchFamily="34" charset="0"/>
+                <a:ea typeface="MS Mincho" panose="02020609040205080304" pitchFamily="49" charset="-128"/>
+                <a:cs typeface="Arial" panose="020B0604020202020204" pitchFamily="34" charset="0"/>
+              </a:rPr>
+              <a:t>đạt</a:t>
+            </a:r>
+            <a:r>
+              <a:rPr lang="en-US" sz="2800" dirty="0" smtClean="0">
+                <a:latin typeface="Arial" panose="020B0604020202020204" pitchFamily="34" charset="0"/>
+                <a:ea typeface="MS Mincho" panose="02020609040205080304" pitchFamily="49" charset="-128"/>
+                <a:cs typeface="Arial" panose="020B0604020202020204" pitchFamily="34" charset="0"/>
+              </a:rPr>
+              <a:t> </a:t>
+            </a:r>
+            <a:r>
+              <a:rPr lang="en-US" sz="2800" dirty="0" err="1" smtClean="0">
+                <a:latin typeface="Arial" panose="020B0604020202020204" pitchFamily="34" charset="0"/>
+                <a:ea typeface="MS Mincho" panose="02020609040205080304" pitchFamily="49" charset="-128"/>
+                <a:cs typeface="Arial" panose="020B0604020202020204" pitchFamily="34" charset="0"/>
+              </a:rPr>
+              <a:t>được</a:t>
+            </a:r>
+            <a:r>
+              <a:rPr lang="en-US" sz="2800" dirty="0" smtClean="0">
+                <a:latin typeface="Arial" panose="020B0604020202020204" pitchFamily="34" charset="0"/>
+                <a:ea typeface="MS Mincho" panose="02020609040205080304" pitchFamily="49" charset="-128"/>
+                <a:cs typeface="Arial" panose="020B0604020202020204" pitchFamily="34" charset="0"/>
+              </a:rPr>
+              <a:t> </a:t>
+            </a:r>
+            <a:r>
+              <a:rPr lang="en-US" sz="2800" dirty="0" err="1" smtClean="0">
+                <a:latin typeface="Arial" panose="020B0604020202020204" pitchFamily="34" charset="0"/>
+                <a:ea typeface="MS Mincho" panose="02020609040205080304" pitchFamily="49" charset="-128"/>
+                <a:cs typeface="Arial" panose="020B0604020202020204" pitchFamily="34" charset="0"/>
+              </a:rPr>
+              <a:t>giá</a:t>
+            </a:r>
+            <a:r>
+              <a:rPr lang="en-US" sz="2800" dirty="0" smtClean="0">
+                <a:latin typeface="Arial" panose="020B0604020202020204" pitchFamily="34" charset="0"/>
+                <a:ea typeface="MS Mincho" panose="02020609040205080304" pitchFamily="49" charset="-128"/>
+                <a:cs typeface="Arial" panose="020B0604020202020204" pitchFamily="34" charset="0"/>
+              </a:rPr>
+              <a:t> </a:t>
+            </a:r>
+            <a:r>
+              <a:rPr lang="en-US" sz="2800" dirty="0" err="1" smtClean="0">
+                <a:latin typeface="Arial" panose="020B0604020202020204" pitchFamily="34" charset="0"/>
+                <a:ea typeface="MS Mincho" panose="02020609040205080304" pitchFamily="49" charset="-128"/>
+                <a:cs typeface="Arial" panose="020B0604020202020204" pitchFamily="34" charset="0"/>
+              </a:rPr>
+              <a:t>trị</a:t>
+            </a:r>
+            <a:r>
+              <a:rPr lang="en-US" sz="2800" dirty="0" smtClean="0">
+                <a:latin typeface="Arial" panose="020B0604020202020204" pitchFamily="34" charset="0"/>
+                <a:ea typeface="MS Mincho" panose="02020609040205080304" pitchFamily="49" charset="-128"/>
+                <a:cs typeface="Arial" panose="020B0604020202020204" pitchFamily="34" charset="0"/>
+              </a:rPr>
+              <a:t> </a:t>
+            </a:r>
+            <a:r>
+              <a:rPr lang="en-US" sz="2800" dirty="0" err="1" smtClean="0">
+                <a:latin typeface="Arial" panose="020B0604020202020204" pitchFamily="34" charset="0"/>
+                <a:ea typeface="MS Mincho" panose="02020609040205080304" pitchFamily="49" charset="-128"/>
+                <a:cs typeface="Arial" panose="020B0604020202020204" pitchFamily="34" charset="0"/>
+              </a:rPr>
+              <a:t>tối</a:t>
+            </a:r>
+            <a:r>
+              <a:rPr lang="en-US" sz="2800" dirty="0" err="1">
+                <a:latin typeface="Arial" panose="020B0604020202020204" pitchFamily="34" charset="0"/>
+                <a:ea typeface="MS Mincho" panose="02020609040205080304" pitchFamily="49" charset="-128"/>
+                <a:cs typeface="Arial" panose="020B0604020202020204" pitchFamily="34" charset="0"/>
+              </a:rPr>
+              <a:t>.</a:t>
+            </a:r>
+            <a:r>
+              <a:rPr lang="en-US" sz="2800" dirty="0" err="1" smtClean="0">
+                <a:latin typeface="Arial" panose="020B0604020202020204" pitchFamily="34" charset="0"/>
+                <a:ea typeface="MS Mincho" panose="02020609040205080304" pitchFamily="49" charset="-128"/>
+                <a:cs typeface="Arial" panose="020B0604020202020204" pitchFamily="34" charset="0"/>
+              </a:rPr>
+              <a:t>ưu</a:t>
+            </a:r>
+            <a:r>
+              <a:rPr lang="en-US" sz="2800" dirty="0" smtClean="0">
+                <a:latin typeface="Arial" panose="020B0604020202020204" pitchFamily="34" charset="0"/>
+                <a:ea typeface="MS Mincho" panose="02020609040205080304" pitchFamily="49" charset="-128"/>
+                <a:cs typeface="Arial" panose="020B0604020202020204" pitchFamily="34" charset="0"/>
+              </a:rPr>
+              <a:t> </a:t>
+            </a:r>
+            <a:r>
+              <a:rPr lang="en-US" sz="2800" dirty="0" err="1" smtClean="0">
+                <a:latin typeface="Arial" panose="020B0604020202020204" pitchFamily="34" charset="0"/>
+                <a:ea typeface="MS Mincho" panose="02020609040205080304" pitchFamily="49" charset="-128"/>
+                <a:cs typeface="Arial" panose="020B0604020202020204" pitchFamily="34" charset="0"/>
+              </a:rPr>
+              <a:t>hơn</a:t>
+            </a:r>
+            <a:r>
+              <a:rPr lang="en-US" sz="2800" dirty="0" smtClean="0">
+                <a:latin typeface="Arial" panose="020B0604020202020204" pitchFamily="34" charset="0"/>
+                <a:ea typeface="MS Mincho" panose="02020609040205080304" pitchFamily="49" charset="-128"/>
+                <a:cs typeface="Arial" panose="020B0604020202020204" pitchFamily="34" charset="0"/>
+              </a:rPr>
+              <a:t> </a:t>
+            </a:r>
+            <a:r>
+              <a:rPr lang="en-US" sz="2800" dirty="0" err="1" smtClean="0">
+                <a:latin typeface="Arial" panose="020B0604020202020204" pitchFamily="34" charset="0"/>
+                <a:ea typeface="MS Mincho" panose="02020609040205080304" pitchFamily="49" charset="-128"/>
+                <a:cs typeface="Arial" panose="020B0604020202020204" pitchFamily="34" charset="0"/>
+              </a:rPr>
+              <a:t>số</a:t>
+            </a:r>
+            <a:r>
+              <a:rPr lang="en-US" sz="2800" dirty="0" smtClean="0">
+                <a:latin typeface="Arial" panose="020B0604020202020204" pitchFamily="34" charset="0"/>
+                <a:ea typeface="MS Mincho" panose="02020609040205080304" pitchFamily="49" charset="-128"/>
+                <a:cs typeface="Arial" panose="020B0604020202020204" pitchFamily="34" charset="0"/>
+              </a:rPr>
+              <a:t> </a:t>
+            </a:r>
+            <a:r>
+              <a:rPr lang="en-US" sz="2800" dirty="0" err="1" smtClean="0">
+                <a:latin typeface="Arial" panose="020B0604020202020204" pitchFamily="34" charset="0"/>
+                <a:ea typeface="MS Mincho" panose="02020609040205080304" pitchFamily="49" charset="-128"/>
+                <a:cs typeface="Arial" panose="020B0604020202020204" pitchFamily="34" charset="0"/>
+              </a:rPr>
+              <a:t>nguyên</a:t>
+            </a:r>
+            <a:r>
+              <a:rPr lang="en-US" sz="2800" dirty="0" smtClean="0">
+                <a:latin typeface="Arial" panose="020B0604020202020204" pitchFamily="34" charset="0"/>
+                <a:ea typeface="MS Mincho" panose="02020609040205080304" pitchFamily="49" charset="-128"/>
+                <a:cs typeface="Arial" panose="020B0604020202020204" pitchFamily="34" charset="0"/>
+              </a:rPr>
+              <a:t>.</a:t>
+            </a:r>
+          </a:p>
+          <a:p>
+            <a:pPr marL="914400" marR="0" indent="-457200">
+              <a:lnSpc>
+                <a:spcPct val="107000"/>
+              </a:lnSpc>
+              <a:spcBef>
+                <a:spcPts val="0"/>
+              </a:spcBef>
+              <a:spcAft>
+                <a:spcPts val="800"/>
+              </a:spcAft>
+              <a:buFont typeface="Wingdings" panose="05000000000000000000" pitchFamily="2" charset="2"/>
+              <a:buChar char="ü"/>
+            </a:pPr>
+            <a:r>
+              <a:rPr lang="en-US" sz="2800" dirty="0" err="1" smtClean="0">
+                <a:latin typeface="Arial" panose="020B0604020202020204" pitchFamily="34" charset="0"/>
+                <a:ea typeface="MS Mincho" panose="02020609040205080304" pitchFamily="49" charset="-128"/>
+                <a:cs typeface="Arial" panose="020B0604020202020204" pitchFamily="34" charset="0"/>
+              </a:rPr>
+              <a:t>Giải</a:t>
+            </a:r>
+            <a:r>
+              <a:rPr lang="en-US" sz="2800" dirty="0" smtClean="0">
+                <a:latin typeface="Arial" panose="020B0604020202020204" pitchFamily="34" charset="0"/>
+                <a:ea typeface="MS Mincho" panose="02020609040205080304" pitchFamily="49" charset="-128"/>
+                <a:cs typeface="Arial" panose="020B0604020202020204" pitchFamily="34" charset="0"/>
+              </a:rPr>
+              <a:t> </a:t>
+            </a:r>
+            <a:r>
+              <a:rPr lang="en-US" sz="2800" dirty="0" err="1" smtClean="0">
+                <a:latin typeface="Arial" panose="020B0604020202020204" pitchFamily="34" charset="0"/>
+                <a:ea typeface="MS Mincho" panose="02020609040205080304" pitchFamily="49" charset="-128"/>
+                <a:cs typeface="Arial" panose="020B0604020202020204" pitchFamily="34" charset="0"/>
+              </a:rPr>
+              <a:t>thuật</a:t>
+            </a:r>
+            <a:r>
+              <a:rPr lang="en-US" sz="2800" dirty="0" smtClean="0">
+                <a:latin typeface="Arial" panose="020B0604020202020204" pitchFamily="34" charset="0"/>
+                <a:ea typeface="MS Mincho" panose="02020609040205080304" pitchFamily="49" charset="-128"/>
+                <a:cs typeface="Arial" panose="020B0604020202020204" pitchFamily="34" charset="0"/>
+              </a:rPr>
+              <a:t> </a:t>
+            </a:r>
+            <a:r>
+              <a:rPr lang="en-US" sz="2800" dirty="0" err="1" smtClean="0">
+                <a:latin typeface="Arial" panose="020B0604020202020204" pitchFamily="34" charset="0"/>
+                <a:ea typeface="MS Mincho" panose="02020609040205080304" pitchFamily="49" charset="-128"/>
+                <a:cs typeface="Arial" panose="020B0604020202020204" pitchFamily="34" charset="0"/>
+              </a:rPr>
+              <a:t>tham</a:t>
+            </a:r>
+            <a:r>
+              <a:rPr lang="en-US" sz="2800" dirty="0" smtClean="0">
+                <a:latin typeface="Arial" panose="020B0604020202020204" pitchFamily="34" charset="0"/>
+                <a:ea typeface="MS Mincho" panose="02020609040205080304" pitchFamily="49" charset="-128"/>
+                <a:cs typeface="Arial" panose="020B0604020202020204" pitchFamily="34" charset="0"/>
+              </a:rPr>
+              <a:t> </a:t>
+            </a:r>
+            <a:r>
+              <a:rPr lang="en-US" sz="2800" dirty="0" err="1" smtClean="0">
+                <a:latin typeface="Arial" panose="020B0604020202020204" pitchFamily="34" charset="0"/>
+                <a:ea typeface="MS Mincho" panose="02020609040205080304" pitchFamily="49" charset="-128"/>
+                <a:cs typeface="Arial" panose="020B0604020202020204" pitchFamily="34" charset="0"/>
+              </a:rPr>
+              <a:t>ăn</a:t>
+            </a:r>
+            <a:r>
+              <a:rPr lang="en-US" sz="2800" dirty="0" smtClean="0">
+                <a:latin typeface="Arial" panose="020B0604020202020204" pitchFamily="34" charset="0"/>
+                <a:ea typeface="MS Mincho" panose="02020609040205080304" pitchFamily="49" charset="-128"/>
+                <a:cs typeface="Arial" panose="020B0604020202020204" pitchFamily="34" charset="0"/>
+              </a:rPr>
+              <a:t> </a:t>
+            </a:r>
+            <a:r>
+              <a:rPr lang="en-US" sz="2800" dirty="0" err="1" smtClean="0">
+                <a:latin typeface="Arial" panose="020B0604020202020204" pitchFamily="34" charset="0"/>
+                <a:ea typeface="MS Mincho" panose="02020609040205080304" pitchFamily="49" charset="-128"/>
+                <a:cs typeface="Arial" panose="020B0604020202020204" pitchFamily="34" charset="0"/>
+              </a:rPr>
+              <a:t>thường</a:t>
+            </a:r>
+            <a:r>
+              <a:rPr lang="en-US" sz="2800" dirty="0" smtClean="0">
+                <a:latin typeface="Arial" panose="020B0604020202020204" pitchFamily="34" charset="0"/>
+                <a:ea typeface="MS Mincho" panose="02020609040205080304" pitchFamily="49" charset="-128"/>
+                <a:cs typeface="Arial" panose="020B0604020202020204" pitchFamily="34" charset="0"/>
+              </a:rPr>
+              <a:t> </a:t>
+            </a:r>
+            <a:r>
+              <a:rPr lang="en-US" sz="2800" dirty="0" err="1" smtClean="0">
+                <a:latin typeface="Arial" panose="020B0604020202020204" pitchFamily="34" charset="0"/>
+                <a:ea typeface="MS Mincho" panose="02020609040205080304" pitchFamily="49" charset="-128"/>
+                <a:cs typeface="Arial" panose="020B0604020202020204" pitchFamily="34" charset="0"/>
+              </a:rPr>
+              <a:t>được</a:t>
+            </a:r>
+            <a:r>
+              <a:rPr lang="en-US" sz="2800" dirty="0" smtClean="0">
+                <a:latin typeface="Arial" panose="020B0604020202020204" pitchFamily="34" charset="0"/>
+                <a:ea typeface="MS Mincho" panose="02020609040205080304" pitchFamily="49" charset="-128"/>
+                <a:cs typeface="Arial" panose="020B0604020202020204" pitchFamily="34" charset="0"/>
+              </a:rPr>
+              <a:t> </a:t>
+            </a:r>
+            <a:r>
+              <a:rPr lang="en-US" sz="2800" dirty="0" err="1" smtClean="0">
+                <a:latin typeface="Arial" panose="020B0604020202020204" pitchFamily="34" charset="0"/>
+                <a:ea typeface="MS Mincho" panose="02020609040205080304" pitchFamily="49" charset="-128"/>
+                <a:cs typeface="Arial" panose="020B0604020202020204" pitchFamily="34" charset="0"/>
+              </a:rPr>
+              <a:t>sử</a:t>
+            </a:r>
+            <a:r>
+              <a:rPr lang="en-US" sz="2800" dirty="0" smtClean="0">
+                <a:latin typeface="Arial" panose="020B0604020202020204" pitchFamily="34" charset="0"/>
+                <a:ea typeface="MS Mincho" panose="02020609040205080304" pitchFamily="49" charset="-128"/>
+                <a:cs typeface="Arial" panose="020B0604020202020204" pitchFamily="34" charset="0"/>
+              </a:rPr>
+              <a:t> </a:t>
+            </a:r>
+            <a:r>
+              <a:rPr lang="en-US" sz="2800" dirty="0" err="1" smtClean="0">
+                <a:latin typeface="Arial" panose="020B0604020202020204" pitchFamily="34" charset="0"/>
+                <a:ea typeface="MS Mincho" panose="02020609040205080304" pitchFamily="49" charset="-128"/>
+                <a:cs typeface="Arial" panose="020B0604020202020204" pitchFamily="34" charset="0"/>
+              </a:rPr>
+              <a:t>dụng</a:t>
+            </a:r>
+            <a:r>
+              <a:rPr lang="en-US" sz="2800" dirty="0" smtClean="0">
+                <a:latin typeface="Arial" panose="020B0604020202020204" pitchFamily="34" charset="0"/>
+                <a:ea typeface="MS Mincho" panose="02020609040205080304" pitchFamily="49" charset="-128"/>
+                <a:cs typeface="Arial" panose="020B0604020202020204" pitchFamily="34" charset="0"/>
+              </a:rPr>
+              <a:t> </a:t>
+            </a:r>
+            <a:r>
+              <a:rPr lang="en-US" sz="2800" dirty="0" err="1" smtClean="0">
+                <a:latin typeface="Arial" panose="020B0604020202020204" pitchFamily="34" charset="0"/>
+                <a:ea typeface="MS Mincho" panose="02020609040205080304" pitchFamily="49" charset="-128"/>
+                <a:cs typeface="Arial" panose="020B0604020202020204" pitchFamily="34" charset="0"/>
+              </a:rPr>
+              <a:t>trong</a:t>
+            </a:r>
+            <a:r>
+              <a:rPr lang="en-US" sz="2800" dirty="0" smtClean="0">
+                <a:latin typeface="Arial" panose="020B0604020202020204" pitchFamily="34" charset="0"/>
+                <a:ea typeface="MS Mincho" panose="02020609040205080304" pitchFamily="49" charset="-128"/>
+                <a:cs typeface="Arial" panose="020B0604020202020204" pitchFamily="34" charset="0"/>
+              </a:rPr>
+              <a:t> </a:t>
+            </a:r>
+            <a:r>
+              <a:rPr lang="vi-VN" sz="2800" dirty="0" smtClean="0">
+                <a:latin typeface="Arial" panose="020B0604020202020204" pitchFamily="34" charset="0"/>
+                <a:cs typeface="Arial" panose="020B0604020202020204" pitchFamily="34" charset="0"/>
+              </a:rPr>
+              <a:t>kinh </a:t>
+            </a:r>
+            <a:r>
+              <a:rPr lang="vi-VN" sz="2800" dirty="0">
+                <a:latin typeface="Arial" panose="020B0604020202020204" pitchFamily="34" charset="0"/>
+                <a:cs typeface="Arial" panose="020B0604020202020204" pitchFamily="34" charset="0"/>
+              </a:rPr>
+              <a:t>doanh, toán tổ hợp, lý thuyết độ phức tạp tính toán, mật mã học và toán ứng dụng.</a:t>
+            </a:r>
+            <a:endParaRPr lang="en-US" sz="2800" dirty="0" smtClean="0">
+              <a:latin typeface="Arial" panose="020B0604020202020204" pitchFamily="34" charset="0"/>
+              <a:ea typeface="MS Mincho" panose="02020609040205080304" pitchFamily="49" charset="-128"/>
+              <a:cs typeface="Arial" panose="020B0604020202020204" pitchFamily="34" charset="0"/>
+            </a:endParaRPr>
+          </a:p>
+          <a:p>
+            <a:pPr marL="457200" marR="0" indent="0">
+              <a:lnSpc>
+                <a:spcPct val="107000"/>
+              </a:lnSpc>
+              <a:spcBef>
+                <a:spcPts val="0"/>
+              </a:spcBef>
+              <a:spcAft>
+                <a:spcPts val="800"/>
+              </a:spcAft>
+              <a:buNone/>
+            </a:pPr>
+            <a:endParaRPr lang="en-US" sz="2800" dirty="0">
+              <a:latin typeface="Arial" panose="020B0604020202020204" pitchFamily="34" charset="0"/>
+              <a:ea typeface="MS Mincho" panose="02020609040205080304" pitchFamily="49" charset="-128"/>
+              <a:cs typeface="Arial" panose="020B0604020202020204" pitchFamily="34" charset="0"/>
+            </a:endParaRPr>
+          </a:p>
+        </p:txBody>
+      </p:sp>
+    </p:spTree>
+    <p:extLst>
+      <p:ext uri="{BB962C8B-B14F-4D97-AF65-F5344CB8AC3E}">
+        <p14:creationId xmlns:p14="http://schemas.microsoft.com/office/powerpoint/2010/main" val="1164557934"/>
+      </p:ext>
+    </p:extLst>
+  </p:cSld>
+  <p:clrMapOvr>
+    <a:masterClrMapping/>
+  </p:clrMapOvr>
+  <p:timing>
+    <p:tnLst>
+      <p:par>
+        <p:cTn id="1" dur="indefinite" restart="never" nodeType="tmRoot"/>
+      </p:par>
+    </p:tnLst>
+  </p:timing>
+</p:sld>
+</file>
+
+<file path=ppt/slides/slide11.xml><?xml version="1.0" encoding="utf-8"?>
+<p:sld xmlns:a="http://schemas.openxmlformats.org/drawingml/2006/main" xmlns:r="http://schemas.openxmlformats.org/officeDocument/2006/relationships" xmlns:p="http://schemas.openxmlformats.org/presentationml/2006/main">
+  <p:cSld>
+    <p:spTree>
+      <p:nvGrpSpPr>
+        <p:cNvPr id="1" name=""/>
+        <p:cNvGrpSpPr/>
+        <p:nvPr/>
+      </p:nvGrpSpPr>
+      <p:grpSpPr>
+        <a:xfrm>
+          <a:off x="0" y="0"/>
+          <a:ext cx="0" cy="0"/>
+          <a:chOff x="0" y="0"/>
+          <a:chExt cx="0" cy="0"/>
+        </a:xfrm>
+      </p:grpSpPr>
+      <p:sp>
+        <p:nvSpPr>
+          <p:cNvPr id="2" name="Title 1"/>
+          <p:cNvSpPr>
+            <a:spLocks noGrp="1"/>
+          </p:cNvSpPr>
+          <p:nvPr>
+            <p:ph type="title"/>
+          </p:nvPr>
+        </p:nvSpPr>
+        <p:spPr>
+          <a:xfrm>
+            <a:off x="1451579" y="804519"/>
+            <a:ext cx="9291215" cy="1812557"/>
+          </a:xfrm>
+        </p:spPr>
+        <p:txBody>
+          <a:bodyPr/>
+          <a:lstStyle/>
+          <a:p>
+            <a:r>
+              <a:rPr lang="en-US" dirty="0" err="1" smtClean="0"/>
+              <a:t>Cảm</a:t>
+            </a:r>
+            <a:r>
+              <a:rPr lang="en-US" dirty="0" smtClean="0"/>
+              <a:t> </a:t>
+            </a:r>
+            <a:r>
+              <a:rPr lang="en-US" dirty="0" err="1" smtClean="0"/>
+              <a:t>ơn</a:t>
+            </a:r>
+            <a:r>
+              <a:rPr lang="en-US" dirty="0" smtClean="0"/>
+              <a:t> </a:t>
+            </a:r>
+            <a:r>
+              <a:rPr lang="en-US" dirty="0" err="1" smtClean="0"/>
+              <a:t>thầy</a:t>
+            </a:r>
+            <a:r>
+              <a:rPr lang="en-US" dirty="0" smtClean="0"/>
+              <a:t> </a:t>
+            </a:r>
+            <a:r>
+              <a:rPr lang="en-US" dirty="0" err="1" smtClean="0"/>
+              <a:t>và</a:t>
+            </a:r>
+            <a:r>
+              <a:rPr lang="en-US" dirty="0" smtClean="0"/>
+              <a:t> </a:t>
+            </a:r>
+            <a:r>
+              <a:rPr lang="en-US" dirty="0" err="1" smtClean="0"/>
+              <a:t>các</a:t>
+            </a:r>
+            <a:r>
+              <a:rPr lang="en-US" dirty="0" smtClean="0"/>
+              <a:t> </a:t>
+            </a:r>
+            <a:r>
+              <a:rPr lang="en-US" dirty="0" err="1" smtClean="0"/>
+              <a:t>bạn</a:t>
+            </a:r>
+            <a:r>
+              <a:rPr lang="en-US" dirty="0" smtClean="0"/>
+              <a:t> </a:t>
+            </a:r>
+            <a:r>
+              <a:rPr lang="en-US" dirty="0" err="1" smtClean="0"/>
+              <a:t>đã</a:t>
+            </a:r>
+            <a:r>
+              <a:rPr lang="en-US" dirty="0" smtClean="0"/>
+              <a:t> </a:t>
+            </a:r>
+            <a:r>
+              <a:rPr lang="en-US" dirty="0" err="1" smtClean="0"/>
+              <a:t>lắng</a:t>
+            </a:r>
+            <a:r>
+              <a:rPr lang="en-US" dirty="0" smtClean="0"/>
+              <a:t> </a:t>
+            </a:r>
+            <a:r>
+              <a:rPr lang="en-US" dirty="0" err="1" smtClean="0"/>
+              <a:t>nghe</a:t>
+            </a:r>
+            <a:r>
+              <a:rPr lang="en-US" dirty="0" smtClean="0"/>
+              <a:t> !!!!</a:t>
+            </a:r>
+            <a:endParaRPr lang="en-US" dirty="0"/>
+          </a:p>
+        </p:txBody>
+      </p:sp>
+      <p:pic>
+        <p:nvPicPr>
+          <p:cNvPr id="5" name="Picture 4"/>
+          <p:cNvPicPr>
+            <a:picLocks noChangeAspect="1"/>
+          </p:cNvPicPr>
+          <p:nvPr/>
+        </p:nvPicPr>
+        <p:blipFill>
+          <a:blip r:embed="rId2">
+            <a:extLst>
+              <a:ext uri="{28A0092B-C50C-407E-A947-70E740481C1C}">
+                <a14:useLocalDpi xmlns:a14="http://schemas.microsoft.com/office/drawing/2010/main" val="0"/>
+              </a:ext>
+            </a:extLst>
+          </a:blip>
+          <a:stretch>
+            <a:fillRect/>
+          </a:stretch>
+        </p:blipFill>
+        <p:spPr>
+          <a:xfrm>
+            <a:off x="4456387" y="2321607"/>
+            <a:ext cx="2958111" cy="2648647"/>
+          </a:xfrm>
+          <a:prstGeom prst="rect">
+            <a:avLst/>
+          </a:prstGeom>
+        </p:spPr>
+      </p:pic>
+    </p:spTree>
+    <p:extLst>
+      <p:ext uri="{BB962C8B-B14F-4D97-AF65-F5344CB8AC3E}">
+        <p14:creationId xmlns:p14="http://schemas.microsoft.com/office/powerpoint/2010/main" val="645440056"/>
+      </p:ext>
+    </p:extLst>
+  </p:cSld>
+  <p:clrMapOvr>
+    <a:masterClrMapping/>
+  </p:clrMapOvr>
+  <p:timing>
+    <p:tnLst>
+      <p:par>
+        <p:cTn id="1" dur="indefinite" restart="never" nodeType="tmRoot"/>
+      </p:par>
+    </p:tnLst>
+  </p:timing>
+</p:sld>
+</file>
+
 <file path=ppt/slides/slide2.xml><?xml version="1.0" encoding="utf-8"?>
 <p:sld xmlns:a="http://schemas.openxmlformats.org/drawingml/2006/main" xmlns:r="http://schemas.openxmlformats.org/officeDocument/2006/relationships" xmlns:p="http://schemas.openxmlformats.org/presentationml/2006/main">
   <p:cSld>
@@ -3815,22 +4648,259 @@
           <a:lstStyle/>
           <a:p>
             <a:r>
-              <a:rPr lang="vi-VN" sz="2400" dirty="0" smtClean="0"/>
-              <a:t>Bài toán cái balo với số nguyên</a:t>
-            </a:r>
-          </a:p>
-          <a:p>
-            <a:r>
-              <a:rPr lang="vi-VN" sz="2400" dirty="0" smtClean="0"/>
-              <a:t>Bài toán cái balo với số thực</a:t>
-            </a:r>
-          </a:p>
-          <a:p>
-            <a:r>
-              <a:rPr lang="vi-VN" sz="2400" dirty="0" smtClean="0"/>
-              <a:t>Kết luận</a:t>
-            </a:r>
-            <a:endParaRPr lang="en-US" sz="2400" dirty="0"/>
+              <a:rPr lang="en-US" sz="2400" dirty="0" err="1" smtClean="0">
+                <a:latin typeface="Arial" panose="020B0604020202020204" pitchFamily="34" charset="0"/>
+                <a:cs typeface="Arial" panose="020B0604020202020204" pitchFamily="34" charset="0"/>
+              </a:rPr>
+              <a:t>Giải</a:t>
+            </a:r>
+            <a:r>
+              <a:rPr lang="en-US" sz="2400" dirty="0" smtClean="0">
+                <a:latin typeface="Arial" panose="020B0604020202020204" pitchFamily="34" charset="0"/>
+                <a:cs typeface="Arial" panose="020B0604020202020204" pitchFamily="34" charset="0"/>
+              </a:rPr>
+              <a:t> </a:t>
+            </a:r>
+            <a:r>
+              <a:rPr lang="en-US" sz="2400" dirty="0" err="1" smtClean="0">
+                <a:latin typeface="Arial" panose="020B0604020202020204" pitchFamily="34" charset="0"/>
+                <a:cs typeface="Arial" panose="020B0604020202020204" pitchFamily="34" charset="0"/>
+              </a:rPr>
+              <a:t>thuật</a:t>
+            </a:r>
+            <a:r>
+              <a:rPr lang="en-US" sz="2400" dirty="0" smtClean="0">
+                <a:latin typeface="Arial" panose="020B0604020202020204" pitchFamily="34" charset="0"/>
+                <a:cs typeface="Arial" panose="020B0604020202020204" pitchFamily="34" charset="0"/>
+              </a:rPr>
+              <a:t> </a:t>
+            </a:r>
+            <a:r>
+              <a:rPr lang="en-US" sz="2400" dirty="0" err="1" smtClean="0">
+                <a:latin typeface="Arial" panose="020B0604020202020204" pitchFamily="34" charset="0"/>
+                <a:cs typeface="Arial" panose="020B0604020202020204" pitchFamily="34" charset="0"/>
+              </a:rPr>
+              <a:t>tham</a:t>
+            </a:r>
+            <a:r>
+              <a:rPr lang="en-US" sz="2400" dirty="0" smtClean="0">
+                <a:latin typeface="Arial" panose="020B0604020202020204" pitchFamily="34" charset="0"/>
+                <a:cs typeface="Arial" panose="020B0604020202020204" pitchFamily="34" charset="0"/>
+              </a:rPr>
+              <a:t> </a:t>
+            </a:r>
+            <a:r>
+              <a:rPr lang="en-US" sz="2400" dirty="0" err="1" smtClean="0">
+                <a:latin typeface="Arial" panose="020B0604020202020204" pitchFamily="34" charset="0"/>
+                <a:cs typeface="Arial" panose="020B0604020202020204" pitchFamily="34" charset="0"/>
+              </a:rPr>
+              <a:t>ăn</a:t>
+            </a:r>
+            <a:r>
+              <a:rPr lang="en-US" sz="2400" dirty="0" smtClean="0">
+                <a:latin typeface="Arial" panose="020B0604020202020204" pitchFamily="34" charset="0"/>
+                <a:cs typeface="Arial" panose="020B0604020202020204" pitchFamily="34" charset="0"/>
+              </a:rPr>
+              <a:t>:</a:t>
+            </a:r>
+          </a:p>
+          <a:p>
+            <a:pPr lvl="1"/>
+            <a:r>
+              <a:rPr lang="en-US" sz="2200" dirty="0" err="1" smtClean="0">
+                <a:latin typeface="Arial" panose="020B0604020202020204" pitchFamily="34" charset="0"/>
+                <a:cs typeface="Arial" panose="020B0604020202020204" pitchFamily="34" charset="0"/>
+              </a:rPr>
+              <a:t>Bài</a:t>
+            </a:r>
+            <a:r>
+              <a:rPr lang="en-US" sz="2200" dirty="0" smtClean="0">
+                <a:latin typeface="Arial" panose="020B0604020202020204" pitchFamily="34" charset="0"/>
+                <a:cs typeface="Arial" panose="020B0604020202020204" pitchFamily="34" charset="0"/>
+              </a:rPr>
+              <a:t> </a:t>
+            </a:r>
+            <a:r>
+              <a:rPr lang="en-US" sz="2200" dirty="0" err="1">
+                <a:latin typeface="Arial" panose="020B0604020202020204" pitchFamily="34" charset="0"/>
+                <a:cs typeface="Arial" panose="020B0604020202020204" pitchFamily="34" charset="0"/>
+              </a:rPr>
+              <a:t>toán</a:t>
+            </a:r>
+            <a:r>
+              <a:rPr lang="en-US" sz="2200" dirty="0">
+                <a:latin typeface="Arial" panose="020B0604020202020204" pitchFamily="34" charset="0"/>
+                <a:cs typeface="Arial" panose="020B0604020202020204" pitchFamily="34" charset="0"/>
+              </a:rPr>
+              <a:t> </a:t>
+            </a:r>
+            <a:r>
+              <a:rPr lang="en-US" sz="2200" dirty="0" err="1">
+                <a:latin typeface="Arial" panose="020B0604020202020204" pitchFamily="34" charset="0"/>
+                <a:cs typeface="Arial" panose="020B0604020202020204" pitchFamily="34" charset="0"/>
+              </a:rPr>
+              <a:t>xếp</a:t>
+            </a:r>
+            <a:r>
+              <a:rPr lang="en-US" sz="2200" dirty="0">
+                <a:latin typeface="Arial" panose="020B0604020202020204" pitchFamily="34" charset="0"/>
+                <a:cs typeface="Arial" panose="020B0604020202020204" pitchFamily="34" charset="0"/>
+              </a:rPr>
+              <a:t> </a:t>
+            </a:r>
+            <a:r>
+              <a:rPr lang="en-US" sz="2200" dirty="0" err="1">
+                <a:latin typeface="Arial" panose="020B0604020202020204" pitchFamily="34" charset="0"/>
+                <a:cs typeface="Arial" panose="020B0604020202020204" pitchFamily="34" charset="0"/>
+              </a:rPr>
+              <a:t>balo</a:t>
+            </a:r>
+            <a:r>
+              <a:rPr lang="en-US" sz="2200" dirty="0">
+                <a:latin typeface="Arial" panose="020B0604020202020204" pitchFamily="34" charset="0"/>
+                <a:cs typeface="Arial" panose="020B0604020202020204" pitchFamily="34" charset="0"/>
+              </a:rPr>
+              <a:t> </a:t>
+            </a:r>
+            <a:r>
+              <a:rPr lang="en-US" sz="2200" dirty="0" err="1">
+                <a:latin typeface="Arial" panose="020B0604020202020204" pitchFamily="34" charset="0"/>
+                <a:cs typeface="Arial" panose="020B0604020202020204" pitchFamily="34" charset="0"/>
+              </a:rPr>
+              <a:t>đạng</a:t>
+            </a:r>
+            <a:r>
+              <a:rPr lang="en-US" sz="2200" dirty="0">
+                <a:latin typeface="Arial" panose="020B0604020202020204" pitchFamily="34" charset="0"/>
+                <a:cs typeface="Arial" panose="020B0604020202020204" pitchFamily="34" charset="0"/>
+              </a:rPr>
+              <a:t> 0 -1 </a:t>
+            </a:r>
+          </a:p>
+          <a:p>
+            <a:pPr lvl="1"/>
+            <a:r>
+              <a:rPr lang="en-US" sz="2200" dirty="0" err="1">
+                <a:latin typeface="Arial" panose="020B0604020202020204" pitchFamily="34" charset="0"/>
+                <a:cs typeface="Arial" panose="020B0604020202020204" pitchFamily="34" charset="0"/>
+              </a:rPr>
+              <a:t>Bài</a:t>
+            </a:r>
+            <a:r>
+              <a:rPr lang="en-US" sz="2200" dirty="0">
+                <a:latin typeface="Arial" panose="020B0604020202020204" pitchFamily="34" charset="0"/>
+                <a:cs typeface="Arial" panose="020B0604020202020204" pitchFamily="34" charset="0"/>
+              </a:rPr>
+              <a:t> </a:t>
+            </a:r>
+            <a:r>
+              <a:rPr lang="en-US" sz="2200" dirty="0" err="1">
+                <a:latin typeface="Arial" panose="020B0604020202020204" pitchFamily="34" charset="0"/>
+                <a:cs typeface="Arial" panose="020B0604020202020204" pitchFamily="34" charset="0"/>
+              </a:rPr>
+              <a:t>toán</a:t>
+            </a:r>
+            <a:r>
+              <a:rPr lang="en-US" sz="2200" dirty="0">
+                <a:latin typeface="Arial" panose="020B0604020202020204" pitchFamily="34" charset="0"/>
+                <a:cs typeface="Arial" panose="020B0604020202020204" pitchFamily="34" charset="0"/>
+              </a:rPr>
+              <a:t> </a:t>
+            </a:r>
+            <a:r>
+              <a:rPr lang="en-US" sz="2200" dirty="0" err="1">
+                <a:latin typeface="Arial" panose="020B0604020202020204" pitchFamily="34" charset="0"/>
+                <a:cs typeface="Arial" panose="020B0604020202020204" pitchFamily="34" charset="0"/>
+              </a:rPr>
+              <a:t>xếp</a:t>
+            </a:r>
+            <a:r>
+              <a:rPr lang="en-US" sz="2200" dirty="0">
+                <a:latin typeface="Arial" panose="020B0604020202020204" pitchFamily="34" charset="0"/>
+                <a:cs typeface="Arial" panose="020B0604020202020204" pitchFamily="34" charset="0"/>
+              </a:rPr>
+              <a:t> </a:t>
+            </a:r>
+            <a:r>
+              <a:rPr lang="en-US" sz="2200" dirty="0" err="1">
+                <a:latin typeface="Arial" panose="020B0604020202020204" pitchFamily="34" charset="0"/>
+                <a:cs typeface="Arial" panose="020B0604020202020204" pitchFamily="34" charset="0"/>
+              </a:rPr>
+              <a:t>balo</a:t>
+            </a:r>
+            <a:r>
+              <a:rPr lang="en-US" sz="2200" dirty="0">
+                <a:latin typeface="Arial" panose="020B0604020202020204" pitchFamily="34" charset="0"/>
+                <a:cs typeface="Arial" panose="020B0604020202020204" pitchFamily="34" charset="0"/>
+              </a:rPr>
+              <a:t> </a:t>
+            </a:r>
+            <a:r>
+              <a:rPr lang="en-US" sz="2200" dirty="0" err="1" smtClean="0">
+                <a:latin typeface="Arial" panose="020B0604020202020204" pitchFamily="34" charset="0"/>
+                <a:cs typeface="Arial" panose="020B0604020202020204" pitchFamily="34" charset="0"/>
+              </a:rPr>
+              <a:t>với</a:t>
+            </a:r>
+            <a:r>
+              <a:rPr lang="en-US" sz="2200" dirty="0" smtClean="0">
+                <a:latin typeface="Arial" panose="020B0604020202020204" pitchFamily="34" charset="0"/>
+                <a:cs typeface="Arial" panose="020B0604020202020204" pitchFamily="34" charset="0"/>
+              </a:rPr>
+              <a:t> </a:t>
+            </a:r>
+            <a:r>
+              <a:rPr lang="en-US" sz="2200" dirty="0" err="1">
+                <a:latin typeface="Arial" panose="020B0604020202020204" pitchFamily="34" charset="0"/>
+                <a:cs typeface="Arial" panose="020B0604020202020204" pitchFamily="34" charset="0"/>
+              </a:rPr>
+              <a:t>số</a:t>
+            </a:r>
+            <a:r>
+              <a:rPr lang="en-US" sz="2200" dirty="0">
+                <a:latin typeface="Arial" panose="020B0604020202020204" pitchFamily="34" charset="0"/>
+                <a:cs typeface="Arial" panose="020B0604020202020204" pitchFamily="34" charset="0"/>
+              </a:rPr>
+              <a:t> </a:t>
+            </a:r>
+            <a:r>
+              <a:rPr lang="en-US" sz="2200" dirty="0" err="1">
+                <a:latin typeface="Arial" panose="020B0604020202020204" pitchFamily="34" charset="0"/>
+                <a:cs typeface="Arial" panose="020B0604020202020204" pitchFamily="34" charset="0"/>
+              </a:rPr>
+              <a:t>thực</a:t>
+            </a:r>
+            <a:endParaRPr lang="en-US" sz="2200" dirty="0">
+              <a:latin typeface="Arial" panose="020B0604020202020204" pitchFamily="34" charset="0"/>
+              <a:cs typeface="Arial" panose="020B0604020202020204" pitchFamily="34" charset="0"/>
+            </a:endParaRPr>
+          </a:p>
+          <a:p>
+            <a:r>
+              <a:rPr lang="en-US" sz="2400" dirty="0" err="1">
+                <a:latin typeface="Arial" panose="020B0604020202020204" pitchFamily="34" charset="0"/>
+                <a:cs typeface="Arial" panose="020B0604020202020204" pitchFamily="34" charset="0"/>
+              </a:rPr>
+              <a:t>Kết</a:t>
+            </a:r>
+            <a:r>
+              <a:rPr lang="en-US" sz="2400" dirty="0">
+                <a:latin typeface="Arial" panose="020B0604020202020204" pitchFamily="34" charset="0"/>
+                <a:cs typeface="Arial" panose="020B0604020202020204" pitchFamily="34" charset="0"/>
+              </a:rPr>
+              <a:t> </a:t>
+            </a:r>
+            <a:r>
+              <a:rPr lang="en-US" sz="2400" dirty="0" err="1" smtClean="0">
+                <a:latin typeface="Arial" panose="020B0604020202020204" pitchFamily="34" charset="0"/>
+                <a:cs typeface="Arial" panose="020B0604020202020204" pitchFamily="34" charset="0"/>
+              </a:rPr>
+              <a:t>luận</a:t>
+            </a:r>
+            <a:endParaRPr lang="en-US" sz="2400" dirty="0">
+              <a:latin typeface="Arial" panose="020B0604020202020204" pitchFamily="34" charset="0"/>
+              <a:cs typeface="Arial" panose="020B0604020202020204" pitchFamily="34" charset="0"/>
+            </a:endParaRPr>
           </a:p>
         </p:txBody>
       </p:sp>
@@ -3883,8 +4953,8 @@
         </p:nvSpPr>
         <p:spPr>
           <a:xfrm>
-            <a:off x="0" y="164758"/>
-            <a:ext cx="7537622" cy="947350"/>
+            <a:off x="-630621" y="90475"/>
+            <a:ext cx="5982091" cy="947350"/>
           </a:xfrm>
         </p:spPr>
         <p:txBody>
@@ -3894,17 +4964,55 @@
           <a:lstStyle/>
           <a:p>
             <a:r>
-              <a:rPr lang="vi-VN" sz="2700" dirty="0"/>
-              <a:t>Bài toán cái balo với số nguyên</a:t>
-            </a:r>
-            <a:r>
-              <a:rPr lang="vi-VN" dirty="0"/>
-              <a:t/>
-            </a:r>
-            <a:br>
-              <a:rPr lang="vi-VN" dirty="0"/>
-            </a:br>
-            <a:endParaRPr lang="en-US" dirty="0"/>
+              <a:rPr lang="en-US" sz="2400" dirty="0" err="1">
+                <a:latin typeface="Arial" panose="020B0604020202020204" pitchFamily="34" charset="0"/>
+                <a:cs typeface="Arial" panose="020B0604020202020204" pitchFamily="34" charset="0"/>
+              </a:rPr>
+              <a:t>Giải</a:t>
+            </a:r>
+            <a:r>
+              <a:rPr lang="en-US" sz="2400" dirty="0">
+                <a:latin typeface="Arial" panose="020B0604020202020204" pitchFamily="34" charset="0"/>
+                <a:cs typeface="Arial" panose="020B0604020202020204" pitchFamily="34" charset="0"/>
+              </a:rPr>
+              <a:t> </a:t>
+            </a:r>
+            <a:r>
+              <a:rPr lang="en-US" sz="2400" dirty="0" err="1">
+                <a:latin typeface="Arial" panose="020B0604020202020204" pitchFamily="34" charset="0"/>
+                <a:cs typeface="Arial" panose="020B0604020202020204" pitchFamily="34" charset="0"/>
+              </a:rPr>
+              <a:t>thuật</a:t>
+            </a:r>
+            <a:r>
+              <a:rPr lang="en-US" sz="2400" dirty="0">
+                <a:latin typeface="Arial" panose="020B0604020202020204" pitchFamily="34" charset="0"/>
+                <a:cs typeface="Arial" panose="020B0604020202020204" pitchFamily="34" charset="0"/>
+              </a:rPr>
+              <a:t> </a:t>
+            </a:r>
+            <a:r>
+              <a:rPr lang="en-US" sz="2400" dirty="0" err="1">
+                <a:latin typeface="Arial" panose="020B0604020202020204" pitchFamily="34" charset="0"/>
+                <a:cs typeface="Arial" panose="020B0604020202020204" pitchFamily="34" charset="0"/>
+              </a:rPr>
+              <a:t>tham</a:t>
+            </a:r>
+            <a:r>
+              <a:rPr lang="en-US" sz="2400" dirty="0">
+                <a:latin typeface="Arial" panose="020B0604020202020204" pitchFamily="34" charset="0"/>
+                <a:cs typeface="Arial" panose="020B0604020202020204" pitchFamily="34" charset="0"/>
+              </a:rPr>
+              <a:t> </a:t>
+            </a:r>
+            <a:r>
+              <a:rPr lang="en-US" sz="2400" dirty="0" err="1">
+                <a:latin typeface="Arial" panose="020B0604020202020204" pitchFamily="34" charset="0"/>
+                <a:cs typeface="Arial" panose="020B0604020202020204" pitchFamily="34" charset="0"/>
+              </a:rPr>
+              <a:t>ăn</a:t>
+            </a:r>
+            <a:endParaRPr lang="en-US" sz="2400" dirty="0"/>
           </a:p>
         </p:txBody>
       </p:sp>
@@ -3918,11 +5026,103 @@
             <p:ph idx="1"/>
           </p:nvPr>
         </p:nvSpPr>
-        <p:spPr/>
+        <p:spPr>
+          <a:xfrm>
+            <a:off x="1124607" y="922212"/>
+            <a:ext cx="9837682" cy="5215830"/>
+          </a:xfrm>
+        </p:spPr>
         <p:txBody>
           <a:bodyPr/>
           <a:lstStyle/>
           <a:p>
+            <a:pPr marL="228600" lvl="1">
+              <a:lnSpc>
+                <a:spcPct val="150000"/>
+              </a:lnSpc>
+              <a:spcBef>
+                <a:spcPts val="1000"/>
+              </a:spcBef>
+            </a:pPr>
+            <a:r>
+              <a:rPr lang="vi-VN" sz="2800" dirty="0">
+                <a:cs typeface="Arial" panose="020B0604020202020204" pitchFamily="34" charset="0"/>
+              </a:rPr>
+              <a:t>Định nghĩa: Giải thuật tham ăn là một thuật toán giải quyết một bài toán nhằm tìm </a:t>
+            </a:r>
+            <a:r>
+              <a:rPr lang="vi-VN" sz="2800" dirty="0" smtClean="0">
+                <a:cs typeface="Arial" panose="020B0604020202020204" pitchFamily="34" charset="0"/>
+              </a:rPr>
+              <a:t>kiếm</a:t>
+            </a:r>
+            <a:r>
+              <a:rPr lang="en-US" sz="2800" dirty="0" smtClean="0">
+                <a:cs typeface="Arial" panose="020B0604020202020204" pitchFamily="34" charset="0"/>
+              </a:rPr>
+              <a:t>,</a:t>
+            </a:r>
+            <a:r>
+              <a:rPr lang="vi-VN" sz="2800" dirty="0" smtClean="0">
+                <a:cs typeface="Arial" panose="020B0604020202020204" pitchFamily="34" charset="0"/>
+              </a:rPr>
+              <a:t> </a:t>
+            </a:r>
+            <a:r>
+              <a:rPr lang="vi-VN" sz="2800" dirty="0">
+                <a:cs typeface="Arial" panose="020B0604020202020204" pitchFamily="34" charset="0"/>
+              </a:rPr>
+              <a:t>lựa chọn giá trị tối ưu ở mỗi bước đi với hy vọng tìm được tối ưu cao nhất</a:t>
+            </a:r>
+            <a:r>
+              <a:rPr lang="vi-VN" sz="2800" dirty="0" smtClean="0">
+                <a:cs typeface="Arial" panose="020B0604020202020204" pitchFamily="34" charset="0"/>
+              </a:rPr>
+              <a:t>.</a:t>
+            </a:r>
+            <a:endParaRPr lang="en-US" sz="2800" dirty="0" smtClean="0">
+              <a:cs typeface="Arial" panose="020B0604020202020204" pitchFamily="34" charset="0"/>
+            </a:endParaRPr>
+          </a:p>
+          <a:p>
+            <a:pPr>
+              <a:lnSpc>
+                <a:spcPct val="150000"/>
+              </a:lnSpc>
+            </a:pPr>
+            <a:r>
+              <a:rPr lang="vi-VN" sz="2800" dirty="0"/>
+              <a:t>VD: </a:t>
+            </a:r>
+            <a:r>
+              <a:rPr lang="en-US" sz="2800" dirty="0" smtClean="0"/>
+              <a:t>M</a:t>
+            </a:r>
+            <a:r>
+              <a:rPr lang="vi-VN" sz="2800" dirty="0" smtClean="0"/>
+              <a:t>ẹ </a:t>
+            </a:r>
+            <a:r>
+              <a:rPr lang="vi-VN" sz="2800" dirty="0"/>
+              <a:t>bạn cho bạn 2 tờ tiền với mệnh giá là 100.000 vnđ và 500.000 vnđ, bạn chỉ được chọn 1 trong 2 tờ tiền  =&gt;  đương nhiên bạn sẽ chọn tờ 500.000 </a:t>
+            </a:r>
+            <a:r>
+              <a:rPr lang="en-US" sz="2800" dirty="0" err="1" smtClean="0"/>
+              <a:t>vn</a:t>
+            </a:r>
+            <a:r>
+              <a:rPr lang="vi-VN" sz="2800" dirty="0" smtClean="0"/>
+              <a:t>đ </a:t>
+            </a:r>
+            <a:r>
+              <a:rPr lang="vi-VN" sz="2800" dirty="0"/>
+              <a:t>vì nó giá trị hơn mặc dù số lượng và kích thước của 2 tờ đều như nhau.</a:t>
+            </a:r>
+          </a:p>
+          <a:p>
+            <a:pPr marL="0" indent="0">
+              <a:buNone/>
+            </a:pPr>
             <a:endParaRPr lang="en-US" dirty="0"/>
           </a:p>
         </p:txBody>
@@ -3974,19 +5174,4058 @@
             <p:ph type="title"/>
           </p:nvPr>
         </p:nvSpPr>
-        <p:spPr/>
+        <p:spPr>
+          <a:xfrm>
+            <a:off x="-630621" y="90475"/>
+            <a:ext cx="5982091" cy="947350"/>
+          </a:xfrm>
+        </p:spPr>
         <p:txBody>
-          <a:bodyPr/>
+          <a:bodyPr>
+            <a:normAutofit/>
+          </a:bodyPr>
           <a:lstStyle/>
           <a:p>
-            <a:endParaRPr lang="en-US"/>
+            <a:r>
+              <a:rPr lang="en-US" sz="2400" dirty="0" err="1">
+                <a:latin typeface="Arial" panose="020B0604020202020204" pitchFamily="34" charset="0"/>
+                <a:cs typeface="Arial" panose="020B0604020202020204" pitchFamily="34" charset="0"/>
+              </a:rPr>
+              <a:t>Giải</a:t>
+            </a:r>
+            <a:r>
+              <a:rPr lang="en-US" sz="2400" dirty="0">
+                <a:latin typeface="Arial" panose="020B0604020202020204" pitchFamily="34" charset="0"/>
+                <a:cs typeface="Arial" panose="020B0604020202020204" pitchFamily="34" charset="0"/>
+              </a:rPr>
+              <a:t> </a:t>
+            </a:r>
+            <a:r>
+              <a:rPr lang="en-US" sz="2400" dirty="0" err="1">
+                <a:latin typeface="Arial" panose="020B0604020202020204" pitchFamily="34" charset="0"/>
+                <a:cs typeface="Arial" panose="020B0604020202020204" pitchFamily="34" charset="0"/>
+              </a:rPr>
+              <a:t>thuật</a:t>
+            </a:r>
+            <a:r>
+              <a:rPr lang="en-US" sz="2400" dirty="0">
+                <a:latin typeface="Arial" panose="020B0604020202020204" pitchFamily="34" charset="0"/>
+                <a:cs typeface="Arial" panose="020B0604020202020204" pitchFamily="34" charset="0"/>
+              </a:rPr>
+              <a:t> </a:t>
+            </a:r>
+            <a:r>
+              <a:rPr lang="en-US" sz="2400" dirty="0" err="1">
+                <a:latin typeface="Arial" panose="020B0604020202020204" pitchFamily="34" charset="0"/>
+                <a:cs typeface="Arial" panose="020B0604020202020204" pitchFamily="34" charset="0"/>
+              </a:rPr>
+              <a:t>tham</a:t>
+            </a:r>
+            <a:r>
+              <a:rPr lang="en-US" sz="2400" dirty="0">
+                <a:latin typeface="Arial" panose="020B0604020202020204" pitchFamily="34" charset="0"/>
+                <a:cs typeface="Arial" panose="020B0604020202020204" pitchFamily="34" charset="0"/>
+              </a:rPr>
+              <a:t> </a:t>
+            </a:r>
+            <a:r>
+              <a:rPr lang="en-US" sz="2400" dirty="0" err="1">
+                <a:latin typeface="Arial" panose="020B0604020202020204" pitchFamily="34" charset="0"/>
+                <a:cs typeface="Arial" panose="020B0604020202020204" pitchFamily="34" charset="0"/>
+              </a:rPr>
+              <a:t>ăn</a:t>
+            </a:r>
+            <a:endParaRPr lang="en-US" sz="2400" dirty="0"/>
+          </a:p>
+        </p:txBody>
+      </p:sp>
+      <p:sp>
+        <p:nvSpPr>
+          <p:cNvPr id="3" name="Content Placeholder 2"/>
+          <p:cNvSpPr>
+            <a:spLocks noGrp="1"/>
+          </p:cNvSpPr>
+          <p:nvPr>
+            <p:ph idx="1"/>
+          </p:nvPr>
+        </p:nvSpPr>
+        <p:spPr>
+          <a:xfrm>
+            <a:off x="1124607" y="922212"/>
+            <a:ext cx="9837682" cy="5215830"/>
+          </a:xfrm>
+        </p:spPr>
+        <p:txBody>
+          <a:bodyPr>
+            <a:noAutofit/>
+          </a:bodyPr>
+          <a:lstStyle/>
+          <a:p>
+            <a:pPr marL="342900" lvl="1" indent="-342900">
+              <a:spcBef>
+                <a:spcPts val="1000"/>
+              </a:spcBef>
+              <a:buFont typeface="Wingdings" panose="05000000000000000000" pitchFamily="2" charset="2"/>
+              <a:buChar char="Ø"/>
+            </a:pPr>
+            <a:r>
+              <a:rPr lang="en-US" sz="2800" dirty="0" err="1" smtClean="0">
+                <a:latin typeface="Arial" panose="020B0604020202020204" pitchFamily="34" charset="0"/>
+                <a:cs typeface="Arial" panose="020B0604020202020204" pitchFamily="34" charset="0"/>
+              </a:rPr>
+              <a:t>Bài</a:t>
+            </a:r>
+            <a:r>
+              <a:rPr lang="en-US" sz="2800" dirty="0" smtClean="0">
+                <a:latin typeface="Arial" panose="020B0604020202020204" pitchFamily="34" charset="0"/>
+                <a:cs typeface="Arial" panose="020B0604020202020204" pitchFamily="34" charset="0"/>
+              </a:rPr>
+              <a:t> </a:t>
+            </a:r>
+            <a:r>
+              <a:rPr lang="en-US" sz="2800" dirty="0" err="1">
+                <a:latin typeface="Arial" panose="020B0604020202020204" pitchFamily="34" charset="0"/>
+                <a:cs typeface="Arial" panose="020B0604020202020204" pitchFamily="34" charset="0"/>
+              </a:rPr>
+              <a:t>toán</a:t>
+            </a:r>
+            <a:r>
+              <a:rPr lang="en-US" sz="2800" dirty="0">
+                <a:latin typeface="Arial" panose="020B0604020202020204" pitchFamily="34" charset="0"/>
+                <a:cs typeface="Arial" panose="020B0604020202020204" pitchFamily="34" charset="0"/>
+              </a:rPr>
+              <a:t> </a:t>
+            </a:r>
+            <a:r>
+              <a:rPr lang="en-US" sz="2800" dirty="0" err="1">
+                <a:latin typeface="Arial" panose="020B0604020202020204" pitchFamily="34" charset="0"/>
+                <a:cs typeface="Arial" panose="020B0604020202020204" pitchFamily="34" charset="0"/>
+              </a:rPr>
+              <a:t>xếp</a:t>
+            </a:r>
+            <a:r>
+              <a:rPr lang="en-US" sz="2800" dirty="0">
+                <a:latin typeface="Arial" panose="020B0604020202020204" pitchFamily="34" charset="0"/>
+                <a:cs typeface="Arial" panose="020B0604020202020204" pitchFamily="34" charset="0"/>
+              </a:rPr>
+              <a:t> </a:t>
+            </a:r>
+            <a:r>
+              <a:rPr lang="en-US" sz="2800" dirty="0" err="1">
+                <a:latin typeface="Arial" panose="020B0604020202020204" pitchFamily="34" charset="0"/>
+                <a:cs typeface="Arial" panose="020B0604020202020204" pitchFamily="34" charset="0"/>
+              </a:rPr>
+              <a:t>balo</a:t>
+            </a:r>
+            <a:r>
+              <a:rPr lang="en-US" sz="2800" dirty="0">
+                <a:latin typeface="Arial" panose="020B0604020202020204" pitchFamily="34" charset="0"/>
+                <a:cs typeface="Arial" panose="020B0604020202020204" pitchFamily="34" charset="0"/>
+              </a:rPr>
+              <a:t> </a:t>
+            </a:r>
+            <a:r>
+              <a:rPr lang="en-US" sz="2800" dirty="0" err="1">
+                <a:latin typeface="Arial" panose="020B0604020202020204" pitchFamily="34" charset="0"/>
+                <a:cs typeface="Arial" panose="020B0604020202020204" pitchFamily="34" charset="0"/>
+              </a:rPr>
+              <a:t>đạng</a:t>
+            </a:r>
+            <a:r>
+              <a:rPr lang="en-US" sz="2800" dirty="0">
+                <a:latin typeface="Arial" panose="020B0604020202020204" pitchFamily="34" charset="0"/>
+                <a:cs typeface="Arial" panose="020B0604020202020204" pitchFamily="34" charset="0"/>
+              </a:rPr>
+              <a:t> 0 -1 </a:t>
+            </a:r>
+          </a:p>
+          <a:p>
+            <a:pPr marL="800100" lvl="2" indent="-342900">
+              <a:spcBef>
+                <a:spcPts val="1000"/>
+              </a:spcBef>
+              <a:buFont typeface="Wingdings" panose="05000000000000000000" pitchFamily="2" charset="2"/>
+              <a:buChar char="§"/>
+            </a:pPr>
+            <a:r>
+              <a:rPr lang="vi-VN" sz="2800" dirty="0" smtClean="0">
+                <a:latin typeface="Arial" panose="020B0604020202020204" pitchFamily="34" charset="0"/>
+                <a:cs typeface="Arial" panose="020B0604020202020204" pitchFamily="34" charset="0"/>
+              </a:rPr>
+              <a:t>Hạn </a:t>
+            </a:r>
+            <a:r>
+              <a:rPr lang="vi-VN" sz="2800" dirty="0">
+                <a:latin typeface="Arial" panose="020B0604020202020204" pitchFamily="34" charset="0"/>
+                <a:cs typeface="Arial" panose="020B0604020202020204" pitchFamily="34" charset="0"/>
+              </a:rPr>
+              <a:t>chế số đồ vật thuộc </a:t>
+            </a:r>
+            <a:r>
+              <a:rPr lang="vi-VN" sz="2800" dirty="0" smtClean="0">
+                <a:latin typeface="Arial" panose="020B0604020202020204" pitchFamily="34" charset="0"/>
+                <a:cs typeface="Arial" panose="020B0604020202020204" pitchFamily="34" charset="0"/>
+              </a:rPr>
+              <a:t>mỗi </a:t>
+            </a:r>
+            <a:r>
+              <a:rPr lang="vi-VN" sz="2800" dirty="0">
+                <a:latin typeface="Arial" panose="020B0604020202020204" pitchFamily="34" charset="0"/>
+                <a:cs typeface="Arial" panose="020B0604020202020204" pitchFamily="34" charset="0"/>
+              </a:rPr>
+              <a:t>loại là 0 </a:t>
+            </a:r>
+            <a:r>
+              <a:rPr lang="vi-VN" sz="2800" dirty="0" smtClean="0">
+                <a:latin typeface="Arial" panose="020B0604020202020204" pitchFamily="34" charset="0"/>
+                <a:cs typeface="Arial" panose="020B0604020202020204" pitchFamily="34" charset="0"/>
+              </a:rPr>
+              <a:t>và 1</a:t>
+            </a:r>
+            <a:r>
+              <a:rPr lang="en-US" sz="2800" dirty="0" smtClean="0">
+                <a:latin typeface="Arial" panose="020B0604020202020204" pitchFamily="34" charset="0"/>
+                <a:cs typeface="Arial" panose="020B0604020202020204" pitchFamily="34" charset="0"/>
+              </a:rPr>
+              <a:t> (</a:t>
+            </a:r>
+            <a:r>
+              <a:rPr lang="en-US" sz="2800" dirty="0" err="1" smtClean="0">
+                <a:latin typeface="Arial" panose="020B0604020202020204" pitchFamily="34" charset="0"/>
+                <a:cs typeface="Arial" panose="020B0604020202020204" pitchFamily="34" charset="0"/>
+              </a:rPr>
+              <a:t>không</a:t>
+            </a:r>
+            <a:r>
+              <a:rPr lang="en-US" sz="2800" dirty="0" smtClean="0">
+                <a:latin typeface="Arial" panose="020B0604020202020204" pitchFamily="34" charset="0"/>
+                <a:cs typeface="Arial" panose="020B0604020202020204" pitchFamily="34" charset="0"/>
+              </a:rPr>
+              <a:t> </a:t>
+            </a:r>
+            <a:r>
+              <a:rPr lang="en-US" sz="2800" dirty="0" err="1" smtClean="0">
+                <a:latin typeface="Arial" panose="020B0604020202020204" pitchFamily="34" charset="0"/>
+                <a:cs typeface="Arial" panose="020B0604020202020204" pitchFamily="34" charset="0"/>
+              </a:rPr>
+              <a:t>chọn</a:t>
+            </a:r>
+            <a:r>
+              <a:rPr lang="en-US" sz="2800" dirty="0" smtClean="0">
+                <a:latin typeface="Arial" panose="020B0604020202020204" pitchFamily="34" charset="0"/>
+                <a:cs typeface="Arial" panose="020B0604020202020204" pitchFamily="34" charset="0"/>
+              </a:rPr>
+              <a:t> </a:t>
+            </a:r>
+            <a:r>
+              <a:rPr lang="en-US" sz="2800" dirty="0" err="1" smtClean="0">
+                <a:latin typeface="Arial" panose="020B0604020202020204" pitchFamily="34" charset="0"/>
+                <a:cs typeface="Arial" panose="020B0604020202020204" pitchFamily="34" charset="0"/>
+              </a:rPr>
+              <a:t>hoặc</a:t>
+            </a:r>
+            <a:r>
+              <a:rPr lang="en-US" sz="2800" dirty="0" smtClean="0">
+                <a:latin typeface="Arial" panose="020B0604020202020204" pitchFamily="34" charset="0"/>
+                <a:cs typeface="Arial" panose="020B0604020202020204" pitchFamily="34" charset="0"/>
+              </a:rPr>
+              <a:t> </a:t>
+            </a:r>
+            <a:r>
+              <a:rPr lang="en-US" sz="2800" dirty="0" err="1" smtClean="0">
+                <a:latin typeface="Arial" panose="020B0604020202020204" pitchFamily="34" charset="0"/>
+                <a:cs typeface="Arial" panose="020B0604020202020204" pitchFamily="34" charset="0"/>
+              </a:rPr>
+              <a:t>chọn</a:t>
+            </a:r>
+            <a:r>
+              <a:rPr lang="en-US" sz="2800" dirty="0" smtClean="0">
+                <a:latin typeface="Arial" panose="020B0604020202020204" pitchFamily="34" charset="0"/>
+                <a:cs typeface="Arial" panose="020B0604020202020204" pitchFamily="34" charset="0"/>
+              </a:rPr>
+              <a:t>) </a:t>
+            </a:r>
+            <a:r>
+              <a:rPr lang="en-US" sz="2800" dirty="0" err="1" smtClean="0">
+                <a:latin typeface="Arial" panose="020B0604020202020204" pitchFamily="34" charset="0"/>
+                <a:cs typeface="Arial" panose="020B0604020202020204" pitchFamily="34" charset="0"/>
+              </a:rPr>
+              <a:t>sau</a:t>
+            </a:r>
+            <a:r>
+              <a:rPr lang="en-US" sz="2800" dirty="0" smtClean="0">
+                <a:latin typeface="Arial" panose="020B0604020202020204" pitchFamily="34" charset="0"/>
+                <a:cs typeface="Arial" panose="020B0604020202020204" pitchFamily="34" charset="0"/>
+              </a:rPr>
+              <a:t> </a:t>
+            </a:r>
+            <a:r>
+              <a:rPr lang="en-US" sz="2800" dirty="0" err="1" smtClean="0">
+                <a:latin typeface="Arial" panose="020B0604020202020204" pitchFamily="34" charset="0"/>
+                <a:cs typeface="Arial" panose="020B0604020202020204" pitchFamily="34" charset="0"/>
+              </a:rPr>
+              <a:t>cho</a:t>
+            </a:r>
+            <a:r>
+              <a:rPr lang="en-US" sz="2800" dirty="0" smtClean="0">
+                <a:latin typeface="Arial" panose="020B0604020202020204" pitchFamily="34" charset="0"/>
+                <a:cs typeface="Arial" panose="020B0604020202020204" pitchFamily="34" charset="0"/>
+              </a:rPr>
+              <a:t> </a:t>
+            </a:r>
+            <a:r>
+              <a:rPr lang="en-US" sz="2800" dirty="0" err="1" smtClean="0">
+                <a:latin typeface="Arial" panose="020B0604020202020204" pitchFamily="34" charset="0"/>
+                <a:cs typeface="Arial" panose="020B0604020202020204" pitchFamily="34" charset="0"/>
+              </a:rPr>
+              <a:t>giá</a:t>
+            </a:r>
+            <a:r>
+              <a:rPr lang="en-US" sz="2800" dirty="0" smtClean="0">
+                <a:latin typeface="Arial" panose="020B0604020202020204" pitchFamily="34" charset="0"/>
+                <a:cs typeface="Arial" panose="020B0604020202020204" pitchFamily="34" charset="0"/>
+              </a:rPr>
+              <a:t> </a:t>
+            </a:r>
+            <a:r>
+              <a:rPr lang="en-US" sz="2800" dirty="0" err="1" smtClean="0">
+                <a:latin typeface="Arial" panose="020B0604020202020204" pitchFamily="34" charset="0"/>
+                <a:cs typeface="Arial" panose="020B0604020202020204" pitchFamily="34" charset="0"/>
+              </a:rPr>
+              <a:t>trị</a:t>
+            </a:r>
+            <a:r>
+              <a:rPr lang="en-US" sz="2800" dirty="0" smtClean="0">
+                <a:latin typeface="Arial" panose="020B0604020202020204" pitchFamily="34" charset="0"/>
+                <a:cs typeface="Arial" panose="020B0604020202020204" pitchFamily="34" charset="0"/>
+              </a:rPr>
+              <a:t> </a:t>
+            </a:r>
+            <a:r>
+              <a:rPr lang="en-US" sz="2800" dirty="0" err="1" smtClean="0">
+                <a:latin typeface="Arial" panose="020B0604020202020204" pitchFamily="34" charset="0"/>
+                <a:cs typeface="Arial" panose="020B0604020202020204" pitchFamily="34" charset="0"/>
+              </a:rPr>
+              <a:t>đạt</a:t>
+            </a:r>
+            <a:r>
+              <a:rPr lang="en-US" sz="2800" dirty="0" smtClean="0">
+                <a:latin typeface="Arial" panose="020B0604020202020204" pitchFamily="34" charset="0"/>
+                <a:cs typeface="Arial" panose="020B0604020202020204" pitchFamily="34" charset="0"/>
+              </a:rPr>
+              <a:t> </a:t>
+            </a:r>
+            <a:r>
+              <a:rPr lang="en-US" sz="2800" dirty="0" err="1" smtClean="0">
+                <a:latin typeface="Arial" panose="020B0604020202020204" pitchFamily="34" charset="0"/>
+                <a:cs typeface="Arial" panose="020B0604020202020204" pitchFamily="34" charset="0"/>
+              </a:rPr>
+              <a:t>được</a:t>
+            </a:r>
+            <a:r>
+              <a:rPr lang="en-US" sz="2800" dirty="0" smtClean="0">
+                <a:latin typeface="Arial" panose="020B0604020202020204" pitchFamily="34" charset="0"/>
+                <a:cs typeface="Arial" panose="020B0604020202020204" pitchFamily="34" charset="0"/>
+              </a:rPr>
+              <a:t> </a:t>
+            </a:r>
+            <a:r>
+              <a:rPr lang="en-US" sz="2800" dirty="0" err="1" smtClean="0">
+                <a:latin typeface="Arial" panose="020B0604020202020204" pitchFamily="34" charset="0"/>
+                <a:cs typeface="Arial" panose="020B0604020202020204" pitchFamily="34" charset="0"/>
+              </a:rPr>
+              <a:t>là</a:t>
+            </a:r>
+            <a:r>
+              <a:rPr lang="en-US" sz="2800" dirty="0" smtClean="0">
+                <a:latin typeface="Arial" panose="020B0604020202020204" pitchFamily="34" charset="0"/>
+                <a:cs typeface="Arial" panose="020B0604020202020204" pitchFamily="34" charset="0"/>
+              </a:rPr>
+              <a:t> </a:t>
+            </a:r>
+            <a:r>
+              <a:rPr lang="en-US" sz="2800" dirty="0" err="1" smtClean="0">
+                <a:latin typeface="Arial" panose="020B0604020202020204" pitchFamily="34" charset="0"/>
+                <a:cs typeface="Arial" panose="020B0604020202020204" pitchFamily="34" charset="0"/>
+              </a:rPr>
+              <a:t>cao</a:t>
+            </a:r>
+            <a:r>
+              <a:rPr lang="en-US" sz="2800" dirty="0" smtClean="0">
+                <a:latin typeface="Arial" panose="020B0604020202020204" pitchFamily="34" charset="0"/>
+                <a:cs typeface="Arial" panose="020B0604020202020204" pitchFamily="34" charset="0"/>
+              </a:rPr>
+              <a:t> </a:t>
+            </a:r>
+            <a:r>
+              <a:rPr lang="en-US" sz="2800" dirty="0" err="1" smtClean="0">
+                <a:latin typeface="Arial" panose="020B0604020202020204" pitchFamily="34" charset="0"/>
+                <a:cs typeface="Arial" panose="020B0604020202020204" pitchFamily="34" charset="0"/>
+              </a:rPr>
+              <a:t>nhất</a:t>
+            </a:r>
+            <a:endParaRPr lang="en-US" sz="2800" dirty="0" smtClean="0">
+              <a:latin typeface="Arial" panose="020B0604020202020204" pitchFamily="34" charset="0"/>
+              <a:cs typeface="Arial" panose="020B0604020202020204" pitchFamily="34" charset="0"/>
+            </a:endParaRPr>
+          </a:p>
+          <a:p>
+            <a:pPr marL="800100" lvl="2" indent="-342900">
+              <a:spcBef>
+                <a:spcPts val="1000"/>
+              </a:spcBef>
+              <a:buFont typeface="Wingdings" panose="05000000000000000000" pitchFamily="2" charset="2"/>
+              <a:buChar char="§"/>
+            </a:pPr>
+            <a:r>
+              <a:rPr lang="en-US" sz="2800" dirty="0" err="1" smtClean="0">
+                <a:latin typeface="Arial" panose="020B0604020202020204" pitchFamily="34" charset="0"/>
+                <a:cs typeface="Arial" panose="020B0604020202020204" pitchFamily="34" charset="0"/>
+              </a:rPr>
+              <a:t>Với</a:t>
+            </a:r>
+            <a:r>
+              <a:rPr lang="en-US" sz="2800" dirty="0" smtClean="0">
+                <a:latin typeface="Arial" panose="020B0604020202020204" pitchFamily="34" charset="0"/>
+                <a:cs typeface="Arial" panose="020B0604020202020204" pitchFamily="34" charset="0"/>
+              </a:rPr>
+              <a:t> </a:t>
+            </a:r>
+            <a:r>
+              <a:rPr lang="en-US" sz="2800" dirty="0" err="1" smtClean="0">
+                <a:latin typeface="Arial" panose="020B0604020202020204" pitchFamily="34" charset="0"/>
+                <a:cs typeface="Arial" panose="020B0604020202020204" pitchFamily="34" charset="0"/>
+              </a:rPr>
+              <a:t>bài</a:t>
+            </a:r>
+            <a:r>
+              <a:rPr lang="en-US" sz="2800" dirty="0" smtClean="0">
+                <a:latin typeface="Arial" panose="020B0604020202020204" pitchFamily="34" charset="0"/>
+                <a:cs typeface="Arial" panose="020B0604020202020204" pitchFamily="34" charset="0"/>
+              </a:rPr>
+              <a:t> </a:t>
+            </a:r>
+            <a:r>
+              <a:rPr lang="en-US" sz="2800" dirty="0" err="1" smtClean="0">
+                <a:latin typeface="Arial" panose="020B0604020202020204" pitchFamily="34" charset="0"/>
+                <a:cs typeface="Arial" panose="020B0604020202020204" pitchFamily="34" charset="0"/>
+              </a:rPr>
+              <a:t>tóa</a:t>
+            </a:r>
+            <a:r>
+              <a:rPr lang="en-US" sz="2800" dirty="0" err="1" smtClean="0">
+                <a:latin typeface="Arial" panose="020B0604020202020204" pitchFamily="34" charset="0"/>
+                <a:cs typeface="Arial" panose="020B0604020202020204" pitchFamily="34" charset="0"/>
+              </a:rPr>
+              <a:t>n</a:t>
+            </a:r>
+            <a:r>
+              <a:rPr lang="en-US" sz="2800" dirty="0">
+                <a:latin typeface="Arial" panose="020B0604020202020204" pitchFamily="34" charset="0"/>
+                <a:cs typeface="Arial" panose="020B0604020202020204" pitchFamily="34" charset="0"/>
+              </a:rPr>
+              <a:t> </a:t>
+            </a:r>
+            <a:r>
+              <a:rPr lang="vi-VN" sz="2800" dirty="0" smtClean="0">
+                <a:latin typeface="Arial" panose="020B0604020202020204" pitchFamily="34" charset="0"/>
+                <a:cs typeface="Arial" panose="020B0604020202020204" pitchFamily="34" charset="0"/>
+              </a:rPr>
+              <a:t>xếp </a:t>
+            </a:r>
+            <a:r>
+              <a:rPr lang="vi-VN" sz="2800" dirty="0">
+                <a:latin typeface="Arial" panose="020B0604020202020204" pitchFamily="34" charset="0"/>
+                <a:cs typeface="Arial" panose="020B0604020202020204" pitchFamily="34" charset="0"/>
+              </a:rPr>
+              <a:t>ba lô </a:t>
+            </a:r>
+            <a:r>
+              <a:rPr lang="en-US" sz="2800" dirty="0" err="1" smtClean="0">
+                <a:latin typeface="Arial" panose="020B0604020202020204" pitchFamily="34" charset="0"/>
+                <a:cs typeface="Arial" panose="020B0604020202020204" pitchFamily="34" charset="0"/>
+              </a:rPr>
+              <a:t>không</a:t>
+            </a:r>
+            <a:r>
+              <a:rPr lang="en-US" sz="2800" dirty="0" smtClean="0">
+                <a:latin typeface="Arial" panose="020B0604020202020204" pitchFamily="34" charset="0"/>
+                <a:cs typeface="Arial" panose="020B0604020202020204" pitchFamily="34" charset="0"/>
+              </a:rPr>
+              <a:t> </a:t>
+            </a:r>
+            <a:r>
+              <a:rPr lang="vi-VN" sz="2800" dirty="0" smtClean="0">
+                <a:latin typeface="Arial" panose="020B0604020202020204" pitchFamily="34" charset="0"/>
+                <a:cs typeface="Arial" panose="020B0604020202020204" pitchFamily="34" charset="0"/>
+              </a:rPr>
+              <a:t>chế </a:t>
+            </a:r>
+            <a:r>
+              <a:rPr lang="en-US" sz="2800" dirty="0" err="1" smtClean="0">
+                <a:latin typeface="Arial" panose="020B0604020202020204" pitchFamily="34" charset="0"/>
+                <a:cs typeface="Arial" panose="020B0604020202020204" pitchFamily="34" charset="0"/>
+              </a:rPr>
+              <a:t>về</a:t>
+            </a:r>
+            <a:r>
+              <a:rPr lang="en-US" sz="2800" dirty="0" smtClean="0">
+                <a:latin typeface="Arial" panose="020B0604020202020204" pitchFamily="34" charset="0"/>
+                <a:cs typeface="Arial" panose="020B0604020202020204" pitchFamily="34" charset="0"/>
+              </a:rPr>
+              <a:t> </a:t>
+            </a:r>
+            <a:r>
+              <a:rPr lang="vi-VN" sz="2800" dirty="0" smtClean="0">
+                <a:latin typeface="Arial" panose="020B0604020202020204" pitchFamily="34" charset="0"/>
+                <a:cs typeface="Arial" panose="020B0604020202020204" pitchFamily="34" charset="0"/>
+              </a:rPr>
+              <a:t> </a:t>
+            </a:r>
+            <a:r>
+              <a:rPr lang="vi-VN" sz="2800" dirty="0">
+                <a:latin typeface="Arial" panose="020B0604020202020204" pitchFamily="34" charset="0"/>
+                <a:cs typeface="Arial" panose="020B0604020202020204" pitchFamily="34" charset="0"/>
+              </a:rPr>
+              <a:t>đồ vật thuộc mỗi loại </a:t>
+            </a:r>
+            <a:r>
+              <a:rPr lang="en-US" sz="2800" dirty="0" err="1" smtClean="0">
+                <a:latin typeface="Arial" panose="020B0604020202020204" pitchFamily="34" charset="0"/>
+                <a:cs typeface="Arial" panose="020B0604020202020204" pitchFamily="34" charset="0"/>
+              </a:rPr>
+              <a:t>nhưng</a:t>
+            </a:r>
+            <a:r>
+              <a:rPr lang="en-US" sz="2800" dirty="0" smtClean="0">
+                <a:latin typeface="Arial" panose="020B0604020202020204" pitchFamily="34" charset="0"/>
+                <a:cs typeface="Arial" panose="020B0604020202020204" pitchFamily="34" charset="0"/>
+              </a:rPr>
+              <a:t> </a:t>
+            </a:r>
+            <a:r>
+              <a:rPr lang="vi-VN" sz="2800" dirty="0" smtClean="0">
+                <a:latin typeface="Arial" panose="020B0604020202020204" pitchFamily="34" charset="0"/>
+                <a:cs typeface="Arial" panose="020B0604020202020204" pitchFamily="34" charset="0"/>
+              </a:rPr>
+              <a:t>không </a:t>
+            </a:r>
+            <a:r>
+              <a:rPr lang="vi-VN" sz="2800" dirty="0">
+                <a:latin typeface="Arial" panose="020B0604020202020204" pitchFamily="34" charset="0"/>
+                <a:cs typeface="Arial" panose="020B0604020202020204" pitchFamily="34" charset="0"/>
+              </a:rPr>
+              <a:t>được vượt quá một lượng nào đó</a:t>
+            </a:r>
+            <a:r>
+              <a:rPr lang="vi-VN" sz="2800" dirty="0" smtClean="0">
+                <a:latin typeface="Arial" panose="020B0604020202020204" pitchFamily="34" charset="0"/>
+                <a:cs typeface="Arial" panose="020B0604020202020204" pitchFamily="34" charset="0"/>
+              </a:rPr>
+              <a:t>.</a:t>
+            </a:r>
+            <a:endParaRPr lang="en-US" sz="2800" dirty="0" smtClean="0">
+              <a:latin typeface="Arial" panose="020B0604020202020204" pitchFamily="34" charset="0"/>
+              <a:cs typeface="Arial" panose="020B0604020202020204" pitchFamily="34" charset="0"/>
+            </a:endParaRPr>
           </a:p>
         </p:txBody>
       </p:sp>
     </p:spTree>
     <p:extLst>
       <p:ext uri="{BB962C8B-B14F-4D97-AF65-F5344CB8AC3E}">
-        <p14:creationId xmlns:p14="http://schemas.microsoft.com/office/powerpoint/2010/main" val="645440056"/>
+        <p14:creationId xmlns:p14="http://schemas.microsoft.com/office/powerpoint/2010/main" val="3258478548"/>
+      </p:ext>
+    </p:extLst>
+  </p:cSld>
+  <p:clrMapOvr>
+    <a:masterClrMapping/>
+  </p:clrMapOvr>
+  <p:timing>
+    <p:tnLst>
+      <p:par>
+        <p:cTn id="1" dur="indefinite" restart="never" nodeType="tmRoot"/>
+      </p:par>
+    </p:tnLst>
+  </p:timing>
+</p:sld>
+</file>
+
+<file path=ppt/slides/slide5.xml><?xml version="1.0" encoding="utf-8"?>
+<p:sld xmlns:a="http://schemas.openxmlformats.org/drawingml/2006/main" xmlns:r="http://schemas.openxmlformats.org/officeDocument/2006/relationships" xmlns:p="http://schemas.openxmlformats.org/presentationml/2006/main">
+  <p:cSld>
+    <p:spTree>
+      <p:nvGrpSpPr>
+        <p:cNvPr id="1" name=""/>
+        <p:cNvGrpSpPr/>
+        <p:nvPr/>
+      </p:nvGrpSpPr>
+      <p:grpSpPr>
+        <a:xfrm>
+          <a:off x="0" y="0"/>
+          <a:ext cx="0" cy="0"/>
+          <a:chOff x="0" y="0"/>
+          <a:chExt cx="0" cy="0"/>
+        </a:xfrm>
+      </p:grpSpPr>
+      <p:sp>
+        <p:nvSpPr>
+          <p:cNvPr id="2" name="Title 1"/>
+          <p:cNvSpPr>
+            <a:spLocks noGrp="1"/>
+          </p:cNvSpPr>
+          <p:nvPr>
+            <p:ph type="title"/>
+          </p:nvPr>
+        </p:nvSpPr>
+        <p:spPr>
+          <a:xfrm>
+            <a:off x="-630621" y="90475"/>
+            <a:ext cx="5982091" cy="947350"/>
+          </a:xfrm>
+        </p:spPr>
+        <p:txBody>
+          <a:bodyPr>
+            <a:normAutofit/>
+          </a:bodyPr>
+          <a:lstStyle/>
+          <a:p>
+            <a:r>
+              <a:rPr lang="en-US" sz="2400" dirty="0" err="1">
+                <a:latin typeface="Arial" panose="020B0604020202020204" pitchFamily="34" charset="0"/>
+                <a:cs typeface="Arial" panose="020B0604020202020204" pitchFamily="34" charset="0"/>
+              </a:rPr>
+              <a:t>Giải</a:t>
+            </a:r>
+            <a:r>
+              <a:rPr lang="en-US" sz="2400" dirty="0">
+                <a:latin typeface="Arial" panose="020B0604020202020204" pitchFamily="34" charset="0"/>
+                <a:cs typeface="Arial" panose="020B0604020202020204" pitchFamily="34" charset="0"/>
+              </a:rPr>
+              <a:t> </a:t>
+            </a:r>
+            <a:r>
+              <a:rPr lang="en-US" sz="2400" dirty="0" err="1">
+                <a:latin typeface="Arial" panose="020B0604020202020204" pitchFamily="34" charset="0"/>
+                <a:cs typeface="Arial" panose="020B0604020202020204" pitchFamily="34" charset="0"/>
+              </a:rPr>
+              <a:t>thuật</a:t>
+            </a:r>
+            <a:r>
+              <a:rPr lang="en-US" sz="2400" dirty="0">
+                <a:latin typeface="Arial" panose="020B0604020202020204" pitchFamily="34" charset="0"/>
+                <a:cs typeface="Arial" panose="020B0604020202020204" pitchFamily="34" charset="0"/>
+              </a:rPr>
+              <a:t> </a:t>
+            </a:r>
+            <a:r>
+              <a:rPr lang="en-US" sz="2400" dirty="0" err="1">
+                <a:latin typeface="Arial" panose="020B0604020202020204" pitchFamily="34" charset="0"/>
+                <a:cs typeface="Arial" panose="020B0604020202020204" pitchFamily="34" charset="0"/>
+              </a:rPr>
+              <a:t>tham</a:t>
+            </a:r>
+            <a:r>
+              <a:rPr lang="en-US" sz="2400" dirty="0">
+                <a:latin typeface="Arial" panose="020B0604020202020204" pitchFamily="34" charset="0"/>
+                <a:cs typeface="Arial" panose="020B0604020202020204" pitchFamily="34" charset="0"/>
+              </a:rPr>
+              <a:t> </a:t>
+            </a:r>
+            <a:r>
+              <a:rPr lang="en-US" sz="2400" dirty="0" err="1">
+                <a:latin typeface="Arial" panose="020B0604020202020204" pitchFamily="34" charset="0"/>
+                <a:cs typeface="Arial" panose="020B0604020202020204" pitchFamily="34" charset="0"/>
+              </a:rPr>
+              <a:t>ăn</a:t>
+            </a:r>
+            <a:endParaRPr lang="en-US" sz="2400" dirty="0"/>
+          </a:p>
+        </p:txBody>
+      </p:sp>
+      <p:sp>
+        <p:nvSpPr>
+          <p:cNvPr id="3" name="Content Placeholder 2"/>
+          <p:cNvSpPr>
+            <a:spLocks noGrp="1"/>
+          </p:cNvSpPr>
+          <p:nvPr>
+            <p:ph idx="1"/>
+          </p:nvPr>
+        </p:nvSpPr>
+        <p:spPr>
+          <a:xfrm>
+            <a:off x="1124607" y="922212"/>
+            <a:ext cx="9837682" cy="5215830"/>
+          </a:xfrm>
+        </p:spPr>
+        <p:txBody>
+          <a:bodyPr>
+            <a:noAutofit/>
+          </a:bodyPr>
+          <a:lstStyle/>
+          <a:p>
+            <a:pPr marL="800100" lvl="2" indent="-342900">
+              <a:spcBef>
+                <a:spcPts val="1000"/>
+              </a:spcBef>
+              <a:buFont typeface="Wingdings" panose="05000000000000000000" pitchFamily="2" charset="2"/>
+              <a:buChar char="§"/>
+            </a:pPr>
+            <a:r>
+              <a:rPr lang="en-US" sz="2800" dirty="0" err="1" smtClean="0">
+                <a:latin typeface="Arial" panose="020B0604020202020204" pitchFamily="34" charset="0"/>
+                <a:cs typeface="Arial" panose="020B0604020202020204" pitchFamily="34" charset="0"/>
+              </a:rPr>
+              <a:t>Ví</a:t>
+            </a:r>
+            <a:r>
+              <a:rPr lang="en-US" sz="2800" dirty="0" smtClean="0">
+                <a:latin typeface="Arial" panose="020B0604020202020204" pitchFamily="34" charset="0"/>
+                <a:cs typeface="Arial" panose="020B0604020202020204" pitchFamily="34" charset="0"/>
+              </a:rPr>
+              <a:t> </a:t>
+            </a:r>
+            <a:r>
+              <a:rPr lang="en-US" sz="2800" dirty="0" err="1" smtClean="0">
+                <a:latin typeface="Arial" panose="020B0604020202020204" pitchFamily="34" charset="0"/>
+                <a:cs typeface="Arial" panose="020B0604020202020204" pitchFamily="34" charset="0"/>
+              </a:rPr>
+              <a:t>dụ</a:t>
+            </a:r>
+            <a:r>
+              <a:rPr lang="en-US" sz="2800" dirty="0" smtClean="0">
+                <a:latin typeface="Arial" panose="020B0604020202020204" pitchFamily="34" charset="0"/>
+                <a:cs typeface="Arial" panose="020B0604020202020204" pitchFamily="34" charset="0"/>
+              </a:rPr>
+              <a:t> (</a:t>
+            </a:r>
+            <a:r>
+              <a:rPr lang="en-US" sz="2800" dirty="0" err="1" smtClean="0">
+                <a:latin typeface="Arial" panose="020B0604020202020204" pitchFamily="34" charset="0"/>
+                <a:cs typeface="Arial" panose="020B0604020202020204" pitchFamily="34" charset="0"/>
+              </a:rPr>
+              <a:t>bài</a:t>
+            </a:r>
+            <a:r>
+              <a:rPr lang="en-US" sz="2800" dirty="0" smtClean="0">
+                <a:latin typeface="Arial" panose="020B0604020202020204" pitchFamily="34" charset="0"/>
+                <a:cs typeface="Arial" panose="020B0604020202020204" pitchFamily="34" charset="0"/>
+              </a:rPr>
+              <a:t> </a:t>
+            </a:r>
+            <a:r>
+              <a:rPr lang="en-US" sz="2800" dirty="0">
+                <a:latin typeface="Arial" panose="020B0604020202020204" pitchFamily="34" charset="0"/>
+                <a:cs typeface="Arial" panose="020B0604020202020204" pitchFamily="34" charset="0"/>
+              </a:rPr>
+              <a:t>6 </a:t>
+            </a:r>
+            <a:r>
+              <a:rPr lang="en-US" sz="2800" dirty="0" err="1">
+                <a:latin typeface="Arial" panose="020B0604020202020204" pitchFamily="34" charset="0"/>
+                <a:cs typeface="Arial" panose="020B0604020202020204" pitchFamily="34" charset="0"/>
+              </a:rPr>
+              <a:t>trong</a:t>
+            </a:r>
+            <a:r>
+              <a:rPr lang="en-US" sz="2800" dirty="0">
+                <a:latin typeface="Arial" panose="020B0604020202020204" pitchFamily="34" charset="0"/>
+                <a:cs typeface="Arial" panose="020B0604020202020204" pitchFamily="34" charset="0"/>
+              </a:rPr>
+              <a:t> </a:t>
+            </a:r>
+            <a:r>
+              <a:rPr lang="en-US" sz="2800" dirty="0" err="1">
+                <a:latin typeface="Arial" panose="020B0604020202020204" pitchFamily="34" charset="0"/>
+                <a:cs typeface="Arial" panose="020B0604020202020204" pitchFamily="34" charset="0"/>
+              </a:rPr>
+              <a:t>bài</a:t>
+            </a:r>
+            <a:r>
+              <a:rPr lang="en-US" sz="2800" dirty="0">
+                <a:latin typeface="Arial" panose="020B0604020202020204" pitchFamily="34" charset="0"/>
+                <a:cs typeface="Arial" panose="020B0604020202020204" pitchFamily="34" charset="0"/>
+              </a:rPr>
+              <a:t> </a:t>
+            </a:r>
+            <a:r>
+              <a:rPr lang="en-US" sz="2800" dirty="0" err="1" smtClean="0">
+                <a:latin typeface="Arial" panose="020B0604020202020204" pitchFamily="34" charset="0"/>
+                <a:cs typeface="Arial" panose="020B0604020202020204" pitchFamily="34" charset="0"/>
+              </a:rPr>
+              <a:t>tập</a:t>
+            </a:r>
+            <a:r>
+              <a:rPr lang="en-US" sz="2800" dirty="0" smtClean="0">
+                <a:latin typeface="Arial" panose="020B0604020202020204" pitchFamily="34" charset="0"/>
+                <a:cs typeface="Arial" panose="020B0604020202020204" pitchFamily="34" charset="0"/>
+              </a:rPr>
+              <a:t>):</a:t>
+            </a:r>
+          </a:p>
+          <a:p>
+            <a:pPr marL="457200" lvl="2" indent="0">
+              <a:spcBef>
+                <a:spcPts val="1000"/>
+              </a:spcBef>
+              <a:buNone/>
+            </a:pPr>
+            <a:r>
+              <a:rPr lang="vi-VN" sz="2800" dirty="0" smtClean="0">
+                <a:cs typeface="Arial" panose="020B0604020202020204" pitchFamily="34" charset="0"/>
+              </a:rPr>
+              <a:t>Cho </a:t>
+            </a:r>
+            <a:r>
+              <a:rPr lang="vi-VN" sz="2800" dirty="0">
+                <a:cs typeface="Arial" panose="020B0604020202020204" pitchFamily="34" charset="0"/>
+              </a:rPr>
+              <a:t>một cái ba lô có thể đựng một trọng lượng M và n loại đồ vật, mỗi đồ vật i có một trọng lượng wi và một giá trị pi. Các đồ vật có thể lấy (1) hoặc không lấy (0). Tìm một cách lựa chọn các đồ vật đựng vào ba lô, sao cho tổng trọng lượng không vượt quá M và tổng giá trị là lớn </a:t>
+            </a:r>
+            <a:r>
+              <a:rPr lang="vi-VN" sz="2800" dirty="0" smtClean="0">
+                <a:cs typeface="Arial" panose="020B0604020202020204" pitchFamily="34" charset="0"/>
+              </a:rPr>
+              <a:t>nhất. </a:t>
+            </a:r>
+            <a:endParaRPr lang="en-US" sz="2800" dirty="0">
+              <a:latin typeface="Arial" panose="020B0604020202020204" pitchFamily="34" charset="0"/>
+              <a:cs typeface="Arial" panose="020B0604020202020204" pitchFamily="34" charset="0"/>
+            </a:endParaRPr>
+          </a:p>
+        </p:txBody>
+      </p:sp>
+    </p:spTree>
+    <p:extLst>
+      <p:ext uri="{BB962C8B-B14F-4D97-AF65-F5344CB8AC3E}">
+        <p14:creationId xmlns:p14="http://schemas.microsoft.com/office/powerpoint/2010/main" val="3494636644"/>
+      </p:ext>
+    </p:extLst>
+  </p:cSld>
+  <p:clrMapOvr>
+    <a:masterClrMapping/>
+  </p:clrMapOvr>
+  <p:timing>
+    <p:tnLst>
+      <p:par>
+        <p:cTn id="1" dur="indefinite" restart="never" nodeType="tmRoot"/>
+      </p:par>
+    </p:tnLst>
+  </p:timing>
+</p:sld>
+</file>
+
+<file path=ppt/slides/slide6.xml><?xml version="1.0" encoding="utf-8"?>
+<p:sld xmlns:a="http://schemas.openxmlformats.org/drawingml/2006/main" xmlns:r="http://schemas.openxmlformats.org/officeDocument/2006/relationships" xmlns:p="http://schemas.openxmlformats.org/presentationml/2006/main">
+  <p:cSld>
+    <p:spTree>
+      <p:nvGrpSpPr>
+        <p:cNvPr id="1" name=""/>
+        <p:cNvGrpSpPr/>
+        <p:nvPr/>
+      </p:nvGrpSpPr>
+      <p:grpSpPr>
+        <a:xfrm>
+          <a:off x="0" y="0"/>
+          <a:ext cx="0" cy="0"/>
+          <a:chOff x="0" y="0"/>
+          <a:chExt cx="0" cy="0"/>
+        </a:xfrm>
+      </p:grpSpPr>
+      <p:sp>
+        <p:nvSpPr>
+          <p:cNvPr id="2" name="Title 1"/>
+          <p:cNvSpPr>
+            <a:spLocks noGrp="1"/>
+          </p:cNvSpPr>
+          <p:nvPr>
+            <p:ph type="title"/>
+          </p:nvPr>
+        </p:nvSpPr>
+        <p:spPr>
+          <a:xfrm>
+            <a:off x="-630621" y="90475"/>
+            <a:ext cx="5982091" cy="947350"/>
+          </a:xfrm>
+        </p:spPr>
+        <p:txBody>
+          <a:bodyPr>
+            <a:normAutofit/>
+          </a:bodyPr>
+          <a:lstStyle/>
+          <a:p>
+            <a:r>
+              <a:rPr lang="en-US" sz="2400" dirty="0" err="1">
+                <a:latin typeface="Arial" panose="020B0604020202020204" pitchFamily="34" charset="0"/>
+                <a:cs typeface="Arial" panose="020B0604020202020204" pitchFamily="34" charset="0"/>
+              </a:rPr>
+              <a:t>Giải</a:t>
+            </a:r>
+            <a:r>
+              <a:rPr lang="en-US" sz="2400" dirty="0">
+                <a:latin typeface="Arial" panose="020B0604020202020204" pitchFamily="34" charset="0"/>
+                <a:cs typeface="Arial" panose="020B0604020202020204" pitchFamily="34" charset="0"/>
+              </a:rPr>
+              <a:t> </a:t>
+            </a:r>
+            <a:r>
+              <a:rPr lang="en-US" sz="2400" dirty="0" err="1">
+                <a:latin typeface="Arial" panose="020B0604020202020204" pitchFamily="34" charset="0"/>
+                <a:cs typeface="Arial" panose="020B0604020202020204" pitchFamily="34" charset="0"/>
+              </a:rPr>
+              <a:t>thuật</a:t>
+            </a:r>
+            <a:r>
+              <a:rPr lang="en-US" sz="2400" dirty="0">
+                <a:latin typeface="Arial" panose="020B0604020202020204" pitchFamily="34" charset="0"/>
+                <a:cs typeface="Arial" panose="020B0604020202020204" pitchFamily="34" charset="0"/>
+              </a:rPr>
+              <a:t> </a:t>
+            </a:r>
+            <a:r>
+              <a:rPr lang="en-US" sz="2400" dirty="0" err="1">
+                <a:latin typeface="Arial" panose="020B0604020202020204" pitchFamily="34" charset="0"/>
+                <a:cs typeface="Arial" panose="020B0604020202020204" pitchFamily="34" charset="0"/>
+              </a:rPr>
+              <a:t>tham</a:t>
+            </a:r>
+            <a:r>
+              <a:rPr lang="en-US" sz="2400" dirty="0">
+                <a:latin typeface="Arial" panose="020B0604020202020204" pitchFamily="34" charset="0"/>
+                <a:cs typeface="Arial" panose="020B0604020202020204" pitchFamily="34" charset="0"/>
+              </a:rPr>
+              <a:t> </a:t>
+            </a:r>
+            <a:r>
+              <a:rPr lang="en-US" sz="2400" dirty="0" err="1">
+                <a:latin typeface="Arial" panose="020B0604020202020204" pitchFamily="34" charset="0"/>
+                <a:cs typeface="Arial" panose="020B0604020202020204" pitchFamily="34" charset="0"/>
+              </a:rPr>
+              <a:t>ăn</a:t>
+            </a:r>
+            <a:endParaRPr lang="en-US" sz="2400" dirty="0"/>
+          </a:p>
+        </p:txBody>
+      </p:sp>
+      <p:sp>
+        <p:nvSpPr>
+          <p:cNvPr id="3" name="Content Placeholder 2"/>
+          <p:cNvSpPr>
+            <a:spLocks noGrp="1"/>
+          </p:cNvSpPr>
+          <p:nvPr>
+            <p:ph idx="1"/>
+          </p:nvPr>
+        </p:nvSpPr>
+        <p:spPr>
+          <a:xfrm>
+            <a:off x="1124607" y="922212"/>
+            <a:ext cx="9837682" cy="5215830"/>
+          </a:xfrm>
+        </p:spPr>
+        <p:txBody>
+          <a:bodyPr>
+            <a:noAutofit/>
+          </a:bodyPr>
+          <a:lstStyle/>
+          <a:p>
+            <a:pPr marL="800100" lvl="2" indent="-342900">
+              <a:spcBef>
+                <a:spcPts val="1000"/>
+              </a:spcBef>
+              <a:buFont typeface="Wingdings" panose="05000000000000000000" pitchFamily="2" charset="2"/>
+              <a:buChar char="§"/>
+            </a:pPr>
+            <a:r>
+              <a:rPr lang="en-US" sz="2800" dirty="0" err="1" smtClean="0">
+                <a:latin typeface="Arial" panose="020B0604020202020204" pitchFamily="34" charset="0"/>
+                <a:cs typeface="Arial" panose="020B0604020202020204" pitchFamily="34" charset="0"/>
+              </a:rPr>
+              <a:t>Ví</a:t>
+            </a:r>
+            <a:r>
+              <a:rPr lang="en-US" sz="2800" dirty="0" smtClean="0">
+                <a:latin typeface="Arial" panose="020B0604020202020204" pitchFamily="34" charset="0"/>
+                <a:cs typeface="Arial" panose="020B0604020202020204" pitchFamily="34" charset="0"/>
+              </a:rPr>
+              <a:t> </a:t>
+            </a:r>
+            <a:r>
+              <a:rPr lang="en-US" sz="2800" dirty="0" err="1" smtClean="0">
+                <a:latin typeface="Arial" panose="020B0604020202020204" pitchFamily="34" charset="0"/>
+                <a:cs typeface="Arial" panose="020B0604020202020204" pitchFamily="34" charset="0"/>
+              </a:rPr>
+              <a:t>dụ</a:t>
+            </a:r>
+            <a:r>
+              <a:rPr lang="en-US" sz="2800" dirty="0" smtClean="0">
+                <a:latin typeface="Arial" panose="020B0604020202020204" pitchFamily="34" charset="0"/>
+                <a:cs typeface="Arial" panose="020B0604020202020204" pitchFamily="34" charset="0"/>
+              </a:rPr>
+              <a:t> (</a:t>
+            </a:r>
+            <a:r>
+              <a:rPr lang="en-US" sz="2800" dirty="0" err="1" smtClean="0">
+                <a:latin typeface="Arial" panose="020B0604020202020204" pitchFamily="34" charset="0"/>
+                <a:cs typeface="Arial" panose="020B0604020202020204" pitchFamily="34" charset="0"/>
+              </a:rPr>
+              <a:t>bài</a:t>
+            </a:r>
+            <a:r>
+              <a:rPr lang="en-US" sz="2800" dirty="0" smtClean="0">
+                <a:latin typeface="Arial" panose="020B0604020202020204" pitchFamily="34" charset="0"/>
+                <a:cs typeface="Arial" panose="020B0604020202020204" pitchFamily="34" charset="0"/>
+              </a:rPr>
+              <a:t> </a:t>
+            </a:r>
+            <a:r>
+              <a:rPr lang="en-US" sz="2800" dirty="0">
+                <a:latin typeface="Arial" panose="020B0604020202020204" pitchFamily="34" charset="0"/>
+                <a:cs typeface="Arial" panose="020B0604020202020204" pitchFamily="34" charset="0"/>
+              </a:rPr>
+              <a:t>6 </a:t>
+            </a:r>
+            <a:r>
+              <a:rPr lang="en-US" sz="2800" dirty="0" err="1">
+                <a:latin typeface="Arial" panose="020B0604020202020204" pitchFamily="34" charset="0"/>
+                <a:cs typeface="Arial" panose="020B0604020202020204" pitchFamily="34" charset="0"/>
+              </a:rPr>
+              <a:t>trong</a:t>
+            </a:r>
+            <a:r>
+              <a:rPr lang="en-US" sz="2800" dirty="0">
+                <a:latin typeface="Arial" panose="020B0604020202020204" pitchFamily="34" charset="0"/>
+                <a:cs typeface="Arial" panose="020B0604020202020204" pitchFamily="34" charset="0"/>
+              </a:rPr>
+              <a:t> </a:t>
+            </a:r>
+            <a:r>
+              <a:rPr lang="en-US" sz="2800" dirty="0" err="1">
+                <a:latin typeface="Arial" panose="020B0604020202020204" pitchFamily="34" charset="0"/>
+                <a:cs typeface="Arial" panose="020B0604020202020204" pitchFamily="34" charset="0"/>
+              </a:rPr>
+              <a:t>bài</a:t>
+            </a:r>
+            <a:r>
+              <a:rPr lang="en-US" sz="2800" dirty="0">
+                <a:latin typeface="Arial" panose="020B0604020202020204" pitchFamily="34" charset="0"/>
+                <a:cs typeface="Arial" panose="020B0604020202020204" pitchFamily="34" charset="0"/>
+              </a:rPr>
+              <a:t> </a:t>
+            </a:r>
+            <a:r>
+              <a:rPr lang="en-US" sz="2800" dirty="0" err="1" smtClean="0">
+                <a:latin typeface="Arial" panose="020B0604020202020204" pitchFamily="34" charset="0"/>
+                <a:cs typeface="Arial" panose="020B0604020202020204" pitchFamily="34" charset="0"/>
+              </a:rPr>
+              <a:t>tập</a:t>
+            </a:r>
+            <a:r>
+              <a:rPr lang="en-US" sz="2800" dirty="0" smtClean="0">
+                <a:latin typeface="Arial" panose="020B0604020202020204" pitchFamily="34" charset="0"/>
+                <a:cs typeface="Arial" panose="020B0604020202020204" pitchFamily="34" charset="0"/>
+              </a:rPr>
+              <a:t>):</a:t>
+            </a:r>
+          </a:p>
+          <a:p>
+            <a:pPr marL="457200" lvl="2" indent="0">
+              <a:spcBef>
+                <a:spcPts val="1000"/>
+              </a:spcBef>
+              <a:buNone/>
+            </a:pPr>
+            <a:r>
+              <a:rPr lang="vi-VN" sz="2800" dirty="0" smtClean="0">
+                <a:cs typeface="Arial" panose="020B0604020202020204" pitchFamily="34" charset="0"/>
+              </a:rPr>
+              <a:t>Cho </a:t>
+            </a:r>
+            <a:r>
+              <a:rPr lang="vi-VN" sz="2800" dirty="0">
+                <a:cs typeface="Arial" panose="020B0604020202020204" pitchFamily="34" charset="0"/>
+              </a:rPr>
+              <a:t>một cái ba lô có thể đựng một trọng lượng M và n loại đồ vật, mỗi đồ vật i có một trọng lượng wi và một giá trị pi. Các đồ vật có thể lấy (1) hoặc không lấy (0). Tìm một cách lựa chọn các đồ vật đựng vào ba lô, sao cho tổng trọng lượng không vượt quá M và tổng giá trị là lớn </a:t>
+            </a:r>
+            <a:r>
+              <a:rPr lang="vi-VN" sz="2800" dirty="0" smtClean="0">
+                <a:cs typeface="Arial" panose="020B0604020202020204" pitchFamily="34" charset="0"/>
+              </a:rPr>
+              <a:t>nhất. </a:t>
+            </a:r>
+            <a:endParaRPr lang="en-US" sz="2800" dirty="0">
+              <a:latin typeface="Arial" panose="020B0604020202020204" pitchFamily="34" charset="0"/>
+              <a:cs typeface="Arial" panose="020B0604020202020204" pitchFamily="34" charset="0"/>
+            </a:endParaRPr>
+          </a:p>
+        </p:txBody>
+      </p:sp>
+      <p:pic>
+        <p:nvPicPr>
+          <p:cNvPr id="4" name="Picture 3"/>
+          <p:cNvPicPr>
+            <a:picLocks noChangeAspect="1"/>
+          </p:cNvPicPr>
+          <p:nvPr/>
+        </p:nvPicPr>
+        <p:blipFill>
+          <a:blip r:embed="rId2"/>
+          <a:stretch>
+            <a:fillRect/>
+          </a:stretch>
+        </p:blipFill>
+        <p:spPr>
+          <a:xfrm>
+            <a:off x="2731528" y="4785985"/>
+            <a:ext cx="6623839" cy="1352057"/>
+          </a:xfrm>
+          <a:prstGeom prst="rect">
+            <a:avLst/>
+          </a:prstGeom>
+        </p:spPr>
+      </p:pic>
+    </p:spTree>
+    <p:extLst>
+      <p:ext uri="{BB962C8B-B14F-4D97-AF65-F5344CB8AC3E}">
+        <p14:creationId xmlns:p14="http://schemas.microsoft.com/office/powerpoint/2010/main" val="504927489"/>
+      </p:ext>
+    </p:extLst>
+  </p:cSld>
+  <p:clrMapOvr>
+    <a:masterClrMapping/>
+  </p:clrMapOvr>
+  <p:timing>
+    <p:tnLst>
+      <p:par>
+        <p:cTn id="1" dur="indefinite" restart="never" nodeType="tmRoot"/>
+      </p:par>
+    </p:tnLst>
+  </p:timing>
+</p:sld>
+</file>
+
+<file path=ppt/slides/slide7.xml><?xml version="1.0" encoding="utf-8"?>
+<p:sld xmlns:a="http://schemas.openxmlformats.org/drawingml/2006/main" xmlns:r="http://schemas.openxmlformats.org/officeDocument/2006/relationships" xmlns:p="http://schemas.openxmlformats.org/presentationml/2006/main">
+  <p:cSld>
+    <p:spTree>
+      <p:nvGrpSpPr>
+        <p:cNvPr id="1" name=""/>
+        <p:cNvGrpSpPr/>
+        <p:nvPr/>
+      </p:nvGrpSpPr>
+      <p:grpSpPr>
+        <a:xfrm>
+          <a:off x="0" y="0"/>
+          <a:ext cx="0" cy="0"/>
+          <a:chOff x="0" y="0"/>
+          <a:chExt cx="0" cy="0"/>
+        </a:xfrm>
+      </p:grpSpPr>
+      <p:sp>
+        <p:nvSpPr>
+          <p:cNvPr id="2" name="Title 1"/>
+          <p:cNvSpPr>
+            <a:spLocks noGrp="1"/>
+          </p:cNvSpPr>
+          <p:nvPr>
+            <p:ph type="title"/>
+          </p:nvPr>
+        </p:nvSpPr>
+        <p:spPr>
+          <a:xfrm>
+            <a:off x="-630621" y="90475"/>
+            <a:ext cx="5982091" cy="947350"/>
+          </a:xfrm>
+        </p:spPr>
+        <p:txBody>
+          <a:bodyPr>
+            <a:normAutofit/>
+          </a:bodyPr>
+          <a:lstStyle/>
+          <a:p>
+            <a:r>
+              <a:rPr lang="en-US" sz="2400" dirty="0" err="1">
+                <a:latin typeface="Arial" panose="020B0604020202020204" pitchFamily="34" charset="0"/>
+                <a:cs typeface="Arial" panose="020B0604020202020204" pitchFamily="34" charset="0"/>
+              </a:rPr>
+              <a:t>Giải</a:t>
+            </a:r>
+            <a:r>
+              <a:rPr lang="en-US" sz="2400" dirty="0">
+                <a:latin typeface="Arial" panose="020B0604020202020204" pitchFamily="34" charset="0"/>
+                <a:cs typeface="Arial" panose="020B0604020202020204" pitchFamily="34" charset="0"/>
+              </a:rPr>
+              <a:t> </a:t>
+            </a:r>
+            <a:r>
+              <a:rPr lang="en-US" sz="2400" dirty="0" err="1">
+                <a:latin typeface="Arial" panose="020B0604020202020204" pitchFamily="34" charset="0"/>
+                <a:cs typeface="Arial" panose="020B0604020202020204" pitchFamily="34" charset="0"/>
+              </a:rPr>
+              <a:t>thuật</a:t>
+            </a:r>
+            <a:r>
+              <a:rPr lang="en-US" sz="2400" dirty="0">
+                <a:latin typeface="Arial" panose="020B0604020202020204" pitchFamily="34" charset="0"/>
+                <a:cs typeface="Arial" panose="020B0604020202020204" pitchFamily="34" charset="0"/>
+              </a:rPr>
+              <a:t> </a:t>
+            </a:r>
+            <a:r>
+              <a:rPr lang="en-US" sz="2400" dirty="0" err="1">
+                <a:latin typeface="Arial" panose="020B0604020202020204" pitchFamily="34" charset="0"/>
+                <a:cs typeface="Arial" panose="020B0604020202020204" pitchFamily="34" charset="0"/>
+              </a:rPr>
+              <a:t>tham</a:t>
+            </a:r>
+            <a:r>
+              <a:rPr lang="en-US" sz="2400" dirty="0">
+                <a:latin typeface="Arial" panose="020B0604020202020204" pitchFamily="34" charset="0"/>
+                <a:cs typeface="Arial" panose="020B0604020202020204" pitchFamily="34" charset="0"/>
+              </a:rPr>
+              <a:t> </a:t>
+            </a:r>
+            <a:r>
+              <a:rPr lang="en-US" sz="2400" dirty="0" err="1">
+                <a:latin typeface="Arial" panose="020B0604020202020204" pitchFamily="34" charset="0"/>
+                <a:cs typeface="Arial" panose="020B0604020202020204" pitchFamily="34" charset="0"/>
+              </a:rPr>
+              <a:t>ăn</a:t>
+            </a:r>
+            <a:endParaRPr lang="en-US" sz="2400" dirty="0"/>
+          </a:p>
+        </p:txBody>
+      </p:sp>
+      <p:sp>
+        <p:nvSpPr>
+          <p:cNvPr id="3" name="Content Placeholder 2"/>
+          <p:cNvSpPr>
+            <a:spLocks noGrp="1"/>
+          </p:cNvSpPr>
+          <p:nvPr>
+            <p:ph idx="1"/>
+          </p:nvPr>
+        </p:nvSpPr>
+        <p:spPr>
+          <a:xfrm>
+            <a:off x="987972" y="1311094"/>
+            <a:ext cx="9837682" cy="5215830"/>
+          </a:xfrm>
+        </p:spPr>
+        <p:txBody>
+          <a:bodyPr>
+            <a:noAutofit/>
+          </a:bodyPr>
+          <a:lstStyle/>
+          <a:p>
+            <a:pPr marL="800100" lvl="2" indent="-342900">
+              <a:spcBef>
+                <a:spcPts val="1000"/>
+              </a:spcBef>
+              <a:buFont typeface="Wingdings" panose="05000000000000000000" pitchFamily="2" charset="2"/>
+              <a:buChar char="§"/>
+            </a:pPr>
+            <a:r>
+              <a:rPr lang="vi-VN" altLang="en-US" sz="2800" dirty="0" smtClean="0">
+                <a:latin typeface="Times New Roman" panose="02020603050405020304" pitchFamily="18" charset="0"/>
+                <a:ea typeface="MS Mincho" panose="02020609040205080304" pitchFamily="49" charset="-128"/>
+                <a:cs typeface="Times New Roman" panose="02020603050405020304" pitchFamily="18" charset="0"/>
+              </a:rPr>
+              <a:t>Khởi </a:t>
+            </a:r>
+            <a:r>
+              <a:rPr lang="vi-VN" altLang="en-US" sz="2800" dirty="0">
+                <a:latin typeface="Times New Roman" panose="02020603050405020304" pitchFamily="18" charset="0"/>
+                <a:ea typeface="MS Mincho" panose="02020609040205080304" pitchFamily="49" charset="-128"/>
+                <a:cs typeface="Times New Roman" panose="02020603050405020304" pitchFamily="18" charset="0"/>
+              </a:rPr>
+              <a:t>tạo mảng grid c</a:t>
+            </a:r>
+            <a:r>
+              <a:rPr lang="vi-VN" altLang="en-US" sz="2800" dirty="0">
+                <a:latin typeface="Calibri" panose="020F0502020204030204" pitchFamily="34" charset="0"/>
+                <a:ea typeface="MS Mincho" panose="02020609040205080304" pitchFamily="49" charset="-128"/>
+                <a:cs typeface="Times New Roman" panose="02020603050405020304" pitchFamily="18" charset="0"/>
+              </a:rPr>
+              <a:t>ó</a:t>
+            </a:r>
+            <a:r>
+              <a:rPr lang="vi-VN" altLang="en-US" sz="2800" dirty="0">
+                <a:latin typeface="Times New Roman" panose="02020603050405020304" pitchFamily="18" charset="0"/>
+                <a:ea typeface="MS Mincho" panose="02020609040205080304" pitchFamily="49" charset="-128"/>
+                <a:cs typeface="Times New Roman" panose="02020603050405020304" pitchFamily="18" charset="0"/>
+              </a:rPr>
+              <a:t> M+1 gi</a:t>
+            </a:r>
+            <a:r>
+              <a:rPr lang="vi-VN" altLang="en-US" sz="2800" dirty="0">
+                <a:latin typeface="Calibri" panose="020F0502020204030204" pitchFamily="34" charset="0"/>
+                <a:ea typeface="MS Mincho" panose="02020609040205080304" pitchFamily="49" charset="-128"/>
+                <a:cs typeface="Times New Roman" panose="02020603050405020304" pitchFamily="18" charset="0"/>
+              </a:rPr>
+              <a:t>á</a:t>
+            </a:r>
+            <a:r>
+              <a:rPr lang="vi-VN" altLang="en-US" sz="2800" dirty="0">
+                <a:latin typeface="Times New Roman" panose="02020603050405020304" pitchFamily="18" charset="0"/>
+                <a:ea typeface="MS Mincho" panose="02020609040205080304" pitchFamily="49" charset="-128"/>
+                <a:cs typeface="Times New Roman" panose="02020603050405020304" pitchFamily="18" charset="0"/>
+              </a:rPr>
+              <a:t> </a:t>
+            </a:r>
+            <a:r>
+              <a:rPr lang="vi-VN" altLang="en-US" sz="2800" dirty="0" smtClean="0">
+                <a:latin typeface="Times New Roman" panose="02020603050405020304" pitchFamily="18" charset="0"/>
+                <a:ea typeface="MS Mincho" panose="02020609040205080304" pitchFamily="49" charset="-128"/>
+                <a:cs typeface="Times New Roman" panose="02020603050405020304" pitchFamily="18" charset="0"/>
+              </a:rPr>
+              <a:t>trị</a:t>
+            </a:r>
+            <a:endParaRPr lang="en-US" altLang="en-US" sz="2800" dirty="0" smtClean="0">
+              <a:latin typeface="Times New Roman" panose="02020603050405020304" pitchFamily="18" charset="0"/>
+              <a:ea typeface="MS Mincho" panose="02020609040205080304" pitchFamily="49" charset="-128"/>
+              <a:cs typeface="Times New Roman" panose="02020603050405020304" pitchFamily="18" charset="0"/>
+            </a:endParaRPr>
+          </a:p>
+          <a:p>
+            <a:pPr marL="800100" lvl="2" indent="-342900">
+              <a:spcBef>
+                <a:spcPts val="1000"/>
+              </a:spcBef>
+              <a:buFont typeface="Wingdings" panose="05000000000000000000" pitchFamily="2" charset="2"/>
+              <a:buChar char="§"/>
+            </a:pPr>
+            <a:endParaRPr lang="en-US" altLang="en-US" sz="2800" dirty="0">
+              <a:latin typeface="Times New Roman" panose="02020603050405020304" pitchFamily="18" charset="0"/>
+              <a:ea typeface="MS Mincho" panose="02020609040205080304" pitchFamily="49" charset="-128"/>
+              <a:cs typeface="Times New Roman" panose="02020603050405020304" pitchFamily="18" charset="0"/>
+            </a:endParaRPr>
+          </a:p>
+          <a:p>
+            <a:pPr marL="800100" marR="0" lvl="2" indent="-342900">
+              <a:spcBef>
+                <a:spcPts val="1000"/>
+              </a:spcBef>
+              <a:spcAft>
+                <a:spcPts val="0"/>
+              </a:spcAft>
+              <a:buFont typeface="Wingdings" panose="05000000000000000000" pitchFamily="2" charset="2"/>
+              <a:buChar char="§"/>
+            </a:pPr>
+            <a:r>
+              <a:rPr lang="vi-VN" sz="2800" dirty="0">
+                <a:latin typeface="Times New Roman" panose="02020603050405020304" pitchFamily="18" charset="0"/>
+                <a:ea typeface="MS Mincho" panose="02020609040205080304" pitchFamily="49" charset="-128"/>
+                <a:cs typeface="Times New Roman" panose="02020603050405020304" pitchFamily="18" charset="0"/>
+              </a:rPr>
+              <a:t>Chạy vòng lặp for trên số n đồ vật</a:t>
+            </a:r>
+            <a:endParaRPr lang="en-US" sz="2800" dirty="0">
+              <a:latin typeface="Times New Roman" panose="02020603050405020304" pitchFamily="18" charset="0"/>
+              <a:ea typeface="MS Mincho" panose="02020609040205080304" pitchFamily="49" charset="-128"/>
+              <a:cs typeface="Times New Roman" panose="02020603050405020304" pitchFamily="18" charset="0"/>
+            </a:endParaRPr>
+          </a:p>
+          <a:p>
+            <a:pPr marL="1257300" lvl="3" indent="-342900">
+              <a:spcBef>
+                <a:spcPts val="1000"/>
+              </a:spcBef>
+              <a:spcAft>
+                <a:spcPts val="800"/>
+              </a:spcAft>
+              <a:buFont typeface="Wingdings" panose="05000000000000000000" pitchFamily="2" charset="2"/>
+              <a:buChar char="§"/>
+            </a:pPr>
+            <a:r>
+              <a:rPr lang="en-US" sz="2600" dirty="0" err="1">
+                <a:latin typeface="Times New Roman" panose="02020603050405020304" pitchFamily="18" charset="0"/>
+                <a:ea typeface="MS Mincho" panose="02020609040205080304" pitchFamily="49" charset="-128"/>
+                <a:cs typeface="Times New Roman" panose="02020603050405020304" pitchFamily="18" charset="0"/>
+              </a:rPr>
+              <a:t>Tính</a:t>
+            </a:r>
+            <a:r>
+              <a:rPr lang="en-US" sz="2600" dirty="0">
+                <a:latin typeface="Times New Roman" panose="02020603050405020304" pitchFamily="18" charset="0"/>
+                <a:ea typeface="MS Mincho" panose="02020609040205080304" pitchFamily="49" charset="-128"/>
+                <a:cs typeface="Times New Roman" panose="02020603050405020304" pitchFamily="18" charset="0"/>
+              </a:rPr>
+              <a:t> Max(V[i-1,w], V[i-1, </a:t>
+            </a:r>
+            <a:r>
+              <a:rPr lang="en-US" sz="2600" dirty="0" err="1">
+                <a:latin typeface="Times New Roman" panose="02020603050405020304" pitchFamily="18" charset="0"/>
+                <a:ea typeface="MS Mincho" panose="02020609040205080304" pitchFamily="49" charset="-128"/>
+                <a:cs typeface="Times New Roman" panose="02020603050405020304" pitchFamily="18" charset="0"/>
+              </a:rPr>
+              <a:t>wi</a:t>
+            </a:r>
+            <a:r>
+              <a:rPr lang="en-US" sz="2600" dirty="0">
+                <a:latin typeface="Times New Roman" panose="02020603050405020304" pitchFamily="18" charset="0"/>
+                <a:ea typeface="MS Mincho" panose="02020609040205080304" pitchFamily="49" charset="-128"/>
+                <a:cs typeface="Times New Roman" panose="02020603050405020304" pitchFamily="18" charset="0"/>
+              </a:rPr>
+              <a:t>]+Pi) </a:t>
+            </a:r>
+            <a:r>
+              <a:rPr lang="en-US" sz="2600" dirty="0" err="1">
+                <a:latin typeface="Times New Roman" panose="02020603050405020304" pitchFamily="18" charset="0"/>
+                <a:ea typeface="MS Mincho" panose="02020609040205080304" pitchFamily="49" charset="-128"/>
+                <a:cs typeface="Times New Roman" panose="02020603050405020304" pitchFamily="18" charset="0"/>
+              </a:rPr>
+              <a:t>thêm</a:t>
+            </a:r>
+            <a:r>
+              <a:rPr lang="en-US" sz="2600" dirty="0">
+                <a:latin typeface="Times New Roman" panose="02020603050405020304" pitchFamily="18" charset="0"/>
+                <a:ea typeface="MS Mincho" panose="02020609040205080304" pitchFamily="49" charset="-128"/>
+                <a:cs typeface="Times New Roman" panose="02020603050405020304" pitchFamily="18" charset="0"/>
+              </a:rPr>
+              <a:t> </a:t>
+            </a:r>
+            <a:r>
+              <a:rPr lang="en-US" sz="2600" dirty="0" err="1">
+                <a:latin typeface="Times New Roman" panose="02020603050405020304" pitchFamily="18" charset="0"/>
+                <a:ea typeface="MS Mincho" panose="02020609040205080304" pitchFamily="49" charset="-128"/>
+                <a:cs typeface="Times New Roman" panose="02020603050405020304" pitchFamily="18" charset="0"/>
+              </a:rPr>
+              <a:t>vào</a:t>
+            </a:r>
+            <a:r>
+              <a:rPr lang="en-US" sz="2600" dirty="0">
+                <a:latin typeface="Times New Roman" panose="02020603050405020304" pitchFamily="18" charset="0"/>
+                <a:ea typeface="MS Mincho" panose="02020609040205080304" pitchFamily="49" charset="-128"/>
+                <a:cs typeface="Times New Roman" panose="02020603050405020304" pitchFamily="18" charset="0"/>
+              </a:rPr>
+              <a:t> </a:t>
+            </a:r>
+            <a:r>
+              <a:rPr lang="en-US" sz="2600" dirty="0" smtClean="0">
+                <a:latin typeface="Times New Roman" panose="02020603050405020304" pitchFamily="18" charset="0"/>
+                <a:ea typeface="MS Mincho" panose="02020609040205080304" pitchFamily="49" charset="-128"/>
+                <a:cs typeface="Times New Roman" panose="02020603050405020304" pitchFamily="18" charset="0"/>
+              </a:rPr>
+              <a:t>grid</a:t>
+            </a:r>
+          </a:p>
+          <a:p>
+            <a:pPr marL="1257300" lvl="3" indent="-342900">
+              <a:spcBef>
+                <a:spcPts val="1000"/>
+              </a:spcBef>
+              <a:spcAft>
+                <a:spcPts val="800"/>
+              </a:spcAft>
+              <a:buFont typeface="Wingdings" panose="05000000000000000000" pitchFamily="2" charset="2"/>
+              <a:buChar char="§"/>
+            </a:pPr>
+            <a:endParaRPr lang="en-US" sz="2600" dirty="0">
+              <a:latin typeface="Times New Roman" panose="02020603050405020304" pitchFamily="18" charset="0"/>
+              <a:ea typeface="MS Mincho" panose="02020609040205080304" pitchFamily="49" charset="-128"/>
+              <a:cs typeface="Times New Roman" panose="02020603050405020304" pitchFamily="18" charset="0"/>
+            </a:endParaRPr>
+          </a:p>
+          <a:p>
+            <a:pPr marL="1257300" lvl="3" indent="-342900">
+              <a:spcBef>
+                <a:spcPts val="1000"/>
+              </a:spcBef>
+              <a:spcAft>
+                <a:spcPts val="800"/>
+              </a:spcAft>
+              <a:buFont typeface="Wingdings" panose="05000000000000000000" pitchFamily="2" charset="2"/>
+              <a:buChar char="§"/>
+            </a:pPr>
+            <a:r>
+              <a:rPr lang="en-US" sz="2800" dirty="0" err="1">
+                <a:latin typeface="Times New Roman" panose="02020603050405020304" pitchFamily="18" charset="0"/>
+                <a:ea typeface="MS Mincho" panose="02020609040205080304" pitchFamily="49" charset="-128"/>
+                <a:cs typeface="Times New Roman" panose="02020603050405020304" pitchFamily="18" charset="0"/>
+              </a:rPr>
+              <a:t>Lựa</a:t>
+            </a:r>
+            <a:r>
+              <a:rPr lang="en-US" sz="2800" dirty="0">
+                <a:latin typeface="Times New Roman" panose="02020603050405020304" pitchFamily="18" charset="0"/>
+                <a:ea typeface="MS Mincho" panose="02020609040205080304" pitchFamily="49" charset="-128"/>
+                <a:cs typeface="Times New Roman" panose="02020603050405020304" pitchFamily="18" charset="0"/>
+              </a:rPr>
+              <a:t> </a:t>
+            </a:r>
+            <a:r>
+              <a:rPr lang="en-US" sz="2800" dirty="0" err="1">
+                <a:latin typeface="Times New Roman" panose="02020603050405020304" pitchFamily="18" charset="0"/>
+                <a:ea typeface="MS Mincho" panose="02020609040205080304" pitchFamily="49" charset="-128"/>
+                <a:cs typeface="Times New Roman" panose="02020603050405020304" pitchFamily="18" charset="0"/>
+              </a:rPr>
+              <a:t>chọn</a:t>
+            </a:r>
+            <a:r>
+              <a:rPr lang="en-US" sz="2800" dirty="0">
+                <a:latin typeface="Times New Roman" panose="02020603050405020304" pitchFamily="18" charset="0"/>
+                <a:ea typeface="MS Mincho" panose="02020609040205080304" pitchFamily="49" charset="-128"/>
+                <a:cs typeface="Times New Roman" panose="02020603050405020304" pitchFamily="18" charset="0"/>
+              </a:rPr>
+              <a:t> </a:t>
+            </a:r>
+            <a:r>
+              <a:rPr lang="en-US" sz="2800" dirty="0" err="1">
+                <a:latin typeface="Times New Roman" panose="02020603050405020304" pitchFamily="18" charset="0"/>
+                <a:ea typeface="MS Mincho" panose="02020609040205080304" pitchFamily="49" charset="-128"/>
+                <a:cs typeface="Times New Roman" panose="02020603050405020304" pitchFamily="18" charset="0"/>
+              </a:rPr>
+              <a:t>đồ</a:t>
+            </a:r>
+            <a:r>
+              <a:rPr lang="en-US" sz="2800" dirty="0">
+                <a:latin typeface="Times New Roman" panose="02020603050405020304" pitchFamily="18" charset="0"/>
+                <a:ea typeface="MS Mincho" panose="02020609040205080304" pitchFamily="49" charset="-128"/>
+                <a:cs typeface="Times New Roman" panose="02020603050405020304" pitchFamily="18" charset="0"/>
+              </a:rPr>
+              <a:t> </a:t>
+            </a:r>
+            <a:r>
+              <a:rPr lang="en-US" sz="2800" dirty="0" err="1">
+                <a:latin typeface="Times New Roman" panose="02020603050405020304" pitchFamily="18" charset="0"/>
+                <a:ea typeface="MS Mincho" panose="02020609040205080304" pitchFamily="49" charset="-128"/>
+                <a:cs typeface="Times New Roman" panose="02020603050405020304" pitchFamily="18" charset="0"/>
+              </a:rPr>
+              <a:t>vật</a:t>
+            </a:r>
+            <a:r>
+              <a:rPr lang="en-US" sz="2800" dirty="0">
+                <a:latin typeface="Times New Roman" panose="02020603050405020304" pitchFamily="18" charset="0"/>
+                <a:ea typeface="MS Mincho" panose="02020609040205080304" pitchFamily="49" charset="-128"/>
+                <a:cs typeface="Times New Roman" panose="02020603050405020304" pitchFamily="18" charset="0"/>
+              </a:rPr>
+              <a:t> </a:t>
+            </a:r>
+            <a:r>
+              <a:rPr lang="en-US" sz="2800" dirty="0" err="1">
+                <a:latin typeface="Times New Roman" panose="02020603050405020304" pitchFamily="18" charset="0"/>
+                <a:ea typeface="MS Mincho" panose="02020609040205080304" pitchFamily="49" charset="-128"/>
+                <a:cs typeface="Times New Roman" panose="02020603050405020304" pitchFamily="18" charset="0"/>
+              </a:rPr>
+              <a:t>để</a:t>
+            </a:r>
+            <a:r>
+              <a:rPr lang="en-US" sz="2800" dirty="0">
+                <a:latin typeface="Times New Roman" panose="02020603050405020304" pitchFamily="18" charset="0"/>
+                <a:ea typeface="MS Mincho" panose="02020609040205080304" pitchFamily="49" charset="-128"/>
+                <a:cs typeface="Times New Roman" panose="02020603050405020304" pitchFamily="18" charset="0"/>
+              </a:rPr>
+              <a:t> </a:t>
+            </a:r>
+            <a:r>
+              <a:rPr lang="en-US" sz="2800" dirty="0" err="1">
+                <a:latin typeface="Times New Roman" panose="02020603050405020304" pitchFamily="18" charset="0"/>
+                <a:ea typeface="MS Mincho" panose="02020609040205080304" pitchFamily="49" charset="-128"/>
+                <a:cs typeface="Times New Roman" panose="02020603050405020304" pitchFamily="18" charset="0"/>
+              </a:rPr>
+              <a:t>tổng</a:t>
+            </a:r>
+            <a:r>
+              <a:rPr lang="en-US" sz="2800" dirty="0">
+                <a:latin typeface="Times New Roman" panose="02020603050405020304" pitchFamily="18" charset="0"/>
+                <a:ea typeface="MS Mincho" panose="02020609040205080304" pitchFamily="49" charset="-128"/>
+                <a:cs typeface="Times New Roman" panose="02020603050405020304" pitchFamily="18" charset="0"/>
+              </a:rPr>
+              <a:t> </a:t>
+            </a:r>
+            <a:r>
+              <a:rPr lang="en-US" sz="2800" dirty="0" err="1">
+                <a:latin typeface="Times New Roman" panose="02020603050405020304" pitchFamily="18" charset="0"/>
+                <a:ea typeface="MS Mincho" panose="02020609040205080304" pitchFamily="49" charset="-128"/>
+                <a:cs typeface="Times New Roman" panose="02020603050405020304" pitchFamily="18" charset="0"/>
+              </a:rPr>
+              <a:t>khối</a:t>
+            </a:r>
+            <a:r>
+              <a:rPr lang="en-US" sz="2800" dirty="0">
+                <a:latin typeface="Times New Roman" panose="02020603050405020304" pitchFamily="18" charset="0"/>
+                <a:ea typeface="MS Mincho" panose="02020609040205080304" pitchFamily="49" charset="-128"/>
+                <a:cs typeface="Times New Roman" panose="02020603050405020304" pitchFamily="18" charset="0"/>
+              </a:rPr>
+              <a:t> </a:t>
+            </a:r>
+            <a:r>
+              <a:rPr lang="en-US" sz="2800" dirty="0" err="1">
+                <a:latin typeface="Times New Roman" panose="02020603050405020304" pitchFamily="18" charset="0"/>
+                <a:ea typeface="MS Mincho" panose="02020609040205080304" pitchFamily="49" charset="-128"/>
+                <a:cs typeface="Times New Roman" panose="02020603050405020304" pitchFamily="18" charset="0"/>
+              </a:rPr>
+              <a:t>lượng</a:t>
+            </a:r>
+            <a:r>
+              <a:rPr lang="en-US" sz="2800" dirty="0">
+                <a:latin typeface="Times New Roman" panose="02020603050405020304" pitchFamily="18" charset="0"/>
+                <a:ea typeface="MS Mincho" panose="02020609040205080304" pitchFamily="49" charset="-128"/>
+                <a:cs typeface="Times New Roman" panose="02020603050405020304" pitchFamily="18" charset="0"/>
+              </a:rPr>
+              <a:t> </a:t>
+            </a:r>
+            <a:r>
+              <a:rPr lang="en-US" sz="2800" dirty="0" err="1">
+                <a:latin typeface="Times New Roman" panose="02020603050405020304" pitchFamily="18" charset="0"/>
+                <a:ea typeface="MS Mincho" panose="02020609040205080304" pitchFamily="49" charset="-128"/>
+                <a:cs typeface="Times New Roman" panose="02020603050405020304" pitchFamily="18" charset="0"/>
+              </a:rPr>
+              <a:t>đạt</a:t>
+            </a:r>
+            <a:r>
+              <a:rPr lang="en-US" sz="2800" dirty="0">
+                <a:latin typeface="Times New Roman" panose="02020603050405020304" pitchFamily="18" charset="0"/>
+                <a:ea typeface="MS Mincho" panose="02020609040205080304" pitchFamily="49" charset="-128"/>
+                <a:cs typeface="Times New Roman" panose="02020603050405020304" pitchFamily="18" charset="0"/>
+              </a:rPr>
+              <a:t> </a:t>
+            </a:r>
+            <a:r>
+              <a:rPr lang="en-US" sz="2800" dirty="0" err="1">
+                <a:latin typeface="Times New Roman" panose="02020603050405020304" pitchFamily="18" charset="0"/>
+                <a:ea typeface="MS Mincho" panose="02020609040205080304" pitchFamily="49" charset="-128"/>
+                <a:cs typeface="Times New Roman" panose="02020603050405020304" pitchFamily="18" charset="0"/>
+              </a:rPr>
+              <a:t>kết</a:t>
+            </a:r>
+            <a:r>
+              <a:rPr lang="en-US" sz="2800" dirty="0">
+                <a:latin typeface="Times New Roman" panose="02020603050405020304" pitchFamily="18" charset="0"/>
+                <a:ea typeface="MS Mincho" panose="02020609040205080304" pitchFamily="49" charset="-128"/>
+                <a:cs typeface="Times New Roman" panose="02020603050405020304" pitchFamily="18" charset="0"/>
+              </a:rPr>
+              <a:t> </a:t>
+            </a:r>
+            <a:r>
+              <a:rPr lang="en-US" sz="2800" dirty="0" err="1">
+                <a:latin typeface="Times New Roman" panose="02020603050405020304" pitchFamily="18" charset="0"/>
+                <a:ea typeface="MS Mincho" panose="02020609040205080304" pitchFamily="49" charset="-128"/>
+                <a:cs typeface="Times New Roman" panose="02020603050405020304" pitchFamily="18" charset="0"/>
+              </a:rPr>
+              <a:t>quả</a:t>
+            </a:r>
+            <a:r>
+              <a:rPr lang="en-US" sz="2800" dirty="0">
+                <a:latin typeface="Times New Roman" panose="02020603050405020304" pitchFamily="18" charset="0"/>
+                <a:ea typeface="MS Mincho" panose="02020609040205080304" pitchFamily="49" charset="-128"/>
+                <a:cs typeface="Times New Roman" panose="02020603050405020304" pitchFamily="18" charset="0"/>
+              </a:rPr>
+              <a:t> </a:t>
+            </a:r>
+            <a:r>
+              <a:rPr lang="en-US" sz="2800" dirty="0" err="1">
+                <a:latin typeface="Times New Roman" panose="02020603050405020304" pitchFamily="18" charset="0"/>
+                <a:ea typeface="MS Mincho" panose="02020609040205080304" pitchFamily="49" charset="-128"/>
+                <a:cs typeface="Times New Roman" panose="02020603050405020304" pitchFamily="18" charset="0"/>
+              </a:rPr>
+              <a:t>cao</a:t>
+            </a:r>
+            <a:r>
+              <a:rPr lang="en-US" sz="2800" dirty="0">
+                <a:latin typeface="Times New Roman" panose="02020603050405020304" pitchFamily="18" charset="0"/>
+                <a:ea typeface="MS Mincho" panose="02020609040205080304" pitchFamily="49" charset="-128"/>
+                <a:cs typeface="Times New Roman" panose="02020603050405020304" pitchFamily="18" charset="0"/>
+              </a:rPr>
+              <a:t> </a:t>
+            </a:r>
+            <a:r>
+              <a:rPr lang="en-US" sz="2800" dirty="0" err="1">
+                <a:latin typeface="Times New Roman" panose="02020603050405020304" pitchFamily="18" charset="0"/>
+                <a:ea typeface="MS Mincho" panose="02020609040205080304" pitchFamily="49" charset="-128"/>
+                <a:cs typeface="Times New Roman" panose="02020603050405020304" pitchFamily="18" charset="0"/>
+              </a:rPr>
+              <a:t>nhất</a:t>
+            </a:r>
+            <a:r>
+              <a:rPr lang="en-US" sz="2800" dirty="0">
+                <a:latin typeface="Times New Roman" panose="02020603050405020304" pitchFamily="18" charset="0"/>
+                <a:ea typeface="MS Mincho" panose="02020609040205080304" pitchFamily="49" charset="-128"/>
+                <a:cs typeface="Times New Roman" panose="02020603050405020304" pitchFamily="18" charset="0"/>
+              </a:rPr>
+              <a:t>, </a:t>
+            </a:r>
+            <a:r>
+              <a:rPr lang="en-US" sz="2800" dirty="0" err="1">
+                <a:latin typeface="Times New Roman" panose="02020603050405020304" pitchFamily="18" charset="0"/>
+                <a:ea typeface="MS Mincho" panose="02020609040205080304" pitchFamily="49" charset="-128"/>
+                <a:cs typeface="Times New Roman" panose="02020603050405020304" pitchFamily="18" charset="0"/>
+              </a:rPr>
+              <a:t>trả</a:t>
+            </a:r>
+            <a:r>
+              <a:rPr lang="en-US" sz="2800" dirty="0">
+                <a:latin typeface="Times New Roman" panose="02020603050405020304" pitchFamily="18" charset="0"/>
+                <a:ea typeface="MS Mincho" panose="02020609040205080304" pitchFamily="49" charset="-128"/>
+                <a:cs typeface="Times New Roman" panose="02020603050405020304" pitchFamily="18" charset="0"/>
+              </a:rPr>
+              <a:t> </a:t>
+            </a:r>
+            <a:r>
+              <a:rPr lang="en-US" sz="2800" dirty="0" err="1">
+                <a:latin typeface="Times New Roman" panose="02020603050405020304" pitchFamily="18" charset="0"/>
+                <a:ea typeface="MS Mincho" panose="02020609040205080304" pitchFamily="49" charset="-128"/>
+                <a:cs typeface="Times New Roman" panose="02020603050405020304" pitchFamily="18" charset="0"/>
+              </a:rPr>
+              <a:t>về</a:t>
+            </a:r>
+            <a:r>
+              <a:rPr lang="en-US" sz="2800" dirty="0">
+                <a:latin typeface="Times New Roman" panose="02020603050405020304" pitchFamily="18" charset="0"/>
+                <a:ea typeface="MS Mincho" panose="02020609040205080304" pitchFamily="49" charset="-128"/>
+                <a:cs typeface="Times New Roman" panose="02020603050405020304" pitchFamily="18" charset="0"/>
+              </a:rPr>
+              <a:t> </a:t>
+            </a:r>
+            <a:r>
+              <a:rPr lang="en-US" sz="2800" dirty="0" err="1">
+                <a:latin typeface="Times New Roman" panose="02020603050405020304" pitchFamily="18" charset="0"/>
+                <a:ea typeface="MS Mincho" panose="02020609040205080304" pitchFamily="49" charset="-128"/>
+                <a:cs typeface="Times New Roman" panose="02020603050405020304" pitchFamily="18" charset="0"/>
+              </a:rPr>
+              <a:t>tổng</a:t>
+            </a:r>
+            <a:r>
+              <a:rPr lang="en-US" sz="2800" dirty="0">
+                <a:latin typeface="Times New Roman" panose="02020603050405020304" pitchFamily="18" charset="0"/>
+                <a:ea typeface="MS Mincho" panose="02020609040205080304" pitchFamily="49" charset="-128"/>
+                <a:cs typeface="Times New Roman" panose="02020603050405020304" pitchFamily="18" charset="0"/>
+              </a:rPr>
+              <a:t> </a:t>
+            </a:r>
+            <a:r>
+              <a:rPr lang="en-US" sz="2800" dirty="0" err="1">
+                <a:latin typeface="Times New Roman" panose="02020603050405020304" pitchFamily="18" charset="0"/>
+                <a:ea typeface="MS Mincho" panose="02020609040205080304" pitchFamily="49" charset="-128"/>
+                <a:cs typeface="Times New Roman" panose="02020603050405020304" pitchFamily="18" charset="0"/>
+              </a:rPr>
+              <a:t>khối</a:t>
+            </a:r>
+            <a:r>
+              <a:rPr lang="en-US" sz="2800" dirty="0">
+                <a:latin typeface="Times New Roman" panose="02020603050405020304" pitchFamily="18" charset="0"/>
+                <a:ea typeface="MS Mincho" panose="02020609040205080304" pitchFamily="49" charset="-128"/>
+                <a:cs typeface="Times New Roman" panose="02020603050405020304" pitchFamily="18" charset="0"/>
+              </a:rPr>
+              <a:t> </a:t>
+            </a:r>
+            <a:r>
+              <a:rPr lang="en-US" sz="2800" dirty="0" err="1">
+                <a:latin typeface="Times New Roman" panose="02020603050405020304" pitchFamily="18" charset="0"/>
+                <a:ea typeface="MS Mincho" panose="02020609040205080304" pitchFamily="49" charset="-128"/>
+                <a:cs typeface="Times New Roman" panose="02020603050405020304" pitchFamily="18" charset="0"/>
+              </a:rPr>
+              <a:t>lượng</a:t>
+            </a:r>
+            <a:r>
+              <a:rPr lang="en-US" sz="2800" dirty="0">
+                <a:latin typeface="Times New Roman" panose="02020603050405020304" pitchFamily="18" charset="0"/>
+                <a:ea typeface="MS Mincho" panose="02020609040205080304" pitchFamily="49" charset="-128"/>
+                <a:cs typeface="Times New Roman" panose="02020603050405020304" pitchFamily="18" charset="0"/>
+              </a:rPr>
+              <a:t> </a:t>
+            </a:r>
+            <a:r>
+              <a:rPr lang="en-US" sz="2800" dirty="0" err="1">
+                <a:latin typeface="Times New Roman" panose="02020603050405020304" pitchFamily="18" charset="0"/>
+                <a:ea typeface="MS Mincho" panose="02020609040205080304" pitchFamily="49" charset="-128"/>
+                <a:cs typeface="Times New Roman" panose="02020603050405020304" pitchFamily="18" charset="0"/>
+              </a:rPr>
+              <a:t>và</a:t>
+            </a:r>
+            <a:r>
+              <a:rPr lang="en-US" sz="2800" dirty="0">
+                <a:latin typeface="Times New Roman" panose="02020603050405020304" pitchFamily="18" charset="0"/>
+                <a:ea typeface="MS Mincho" panose="02020609040205080304" pitchFamily="49" charset="-128"/>
+                <a:cs typeface="Times New Roman" panose="02020603050405020304" pitchFamily="18" charset="0"/>
+              </a:rPr>
+              <a:t> </a:t>
+            </a:r>
+            <a:r>
+              <a:rPr lang="en-US" sz="2800" dirty="0" err="1">
+                <a:latin typeface="Times New Roman" panose="02020603050405020304" pitchFamily="18" charset="0"/>
+                <a:ea typeface="MS Mincho" panose="02020609040205080304" pitchFamily="49" charset="-128"/>
+                <a:cs typeface="Times New Roman" panose="02020603050405020304" pitchFamily="18" charset="0"/>
+              </a:rPr>
+              <a:t>đồ</a:t>
+            </a:r>
+            <a:r>
+              <a:rPr lang="en-US" sz="2800" dirty="0">
+                <a:latin typeface="Times New Roman" panose="02020603050405020304" pitchFamily="18" charset="0"/>
+                <a:ea typeface="MS Mincho" panose="02020609040205080304" pitchFamily="49" charset="-128"/>
+                <a:cs typeface="Times New Roman" panose="02020603050405020304" pitchFamily="18" charset="0"/>
+              </a:rPr>
+              <a:t> </a:t>
+            </a:r>
+            <a:r>
+              <a:rPr lang="en-US" sz="2800" dirty="0" err="1">
+                <a:latin typeface="Times New Roman" panose="02020603050405020304" pitchFamily="18" charset="0"/>
+                <a:ea typeface="MS Mincho" panose="02020609040205080304" pitchFamily="49" charset="-128"/>
+                <a:cs typeface="Times New Roman" panose="02020603050405020304" pitchFamily="18" charset="0"/>
+              </a:rPr>
+              <a:t>vật</a:t>
+            </a:r>
+            <a:r>
+              <a:rPr lang="en-US" sz="2800" dirty="0">
+                <a:latin typeface="Times New Roman" panose="02020603050405020304" pitchFamily="18" charset="0"/>
+                <a:ea typeface="MS Mincho" panose="02020609040205080304" pitchFamily="49" charset="-128"/>
+                <a:cs typeface="Times New Roman" panose="02020603050405020304" pitchFamily="18" charset="0"/>
+              </a:rPr>
+              <a:t> </a:t>
+            </a:r>
+            <a:r>
+              <a:rPr lang="en-US" sz="2800" dirty="0" err="1">
+                <a:latin typeface="Times New Roman" panose="02020603050405020304" pitchFamily="18" charset="0"/>
+                <a:ea typeface="MS Mincho" panose="02020609040205080304" pitchFamily="49" charset="-128"/>
+                <a:cs typeface="Times New Roman" panose="02020603050405020304" pitchFamily="18" charset="0"/>
+              </a:rPr>
+              <a:t>được</a:t>
+            </a:r>
+            <a:r>
+              <a:rPr lang="en-US" sz="2800" dirty="0">
+                <a:latin typeface="Times New Roman" panose="02020603050405020304" pitchFamily="18" charset="0"/>
+                <a:ea typeface="MS Mincho" panose="02020609040205080304" pitchFamily="49" charset="-128"/>
+                <a:cs typeface="Times New Roman" panose="02020603050405020304" pitchFamily="18" charset="0"/>
+              </a:rPr>
+              <a:t> </a:t>
+            </a:r>
+            <a:r>
+              <a:rPr lang="en-US" sz="2800" dirty="0" err="1" smtClean="0">
+                <a:latin typeface="Times New Roman" panose="02020603050405020304" pitchFamily="18" charset="0"/>
+                <a:ea typeface="MS Mincho" panose="02020609040205080304" pitchFamily="49" charset="-128"/>
+                <a:cs typeface="Times New Roman" panose="02020603050405020304" pitchFamily="18" charset="0"/>
+              </a:rPr>
+              <a:t>chọn</a:t>
+            </a:r>
+            <a:endParaRPr lang="en-US" sz="2800" dirty="0" smtClean="0">
+              <a:latin typeface="Times New Roman" panose="02020603050405020304" pitchFamily="18" charset="0"/>
+              <a:ea typeface="MS Mincho" panose="02020609040205080304" pitchFamily="49" charset="-128"/>
+              <a:cs typeface="Times New Roman" panose="02020603050405020304" pitchFamily="18" charset="0"/>
+            </a:endParaRPr>
+          </a:p>
+          <a:p>
+            <a:pPr marL="914400" lvl="3" indent="0">
+              <a:spcBef>
+                <a:spcPts val="1000"/>
+              </a:spcBef>
+              <a:spcAft>
+                <a:spcPts val="800"/>
+              </a:spcAft>
+              <a:buNone/>
+            </a:pPr>
+            <a:endParaRPr lang="en-US" sz="2000" dirty="0">
+              <a:latin typeface="Calibri" panose="020F0502020204030204" pitchFamily="34" charset="0"/>
+              <a:ea typeface="MS Mincho" panose="02020609040205080304" pitchFamily="49" charset="-128"/>
+              <a:cs typeface="Times New Roman" panose="02020603050405020304" pitchFamily="18" charset="0"/>
+            </a:endParaRPr>
+          </a:p>
+          <a:p>
+            <a:pPr marL="914400" lvl="3" indent="0">
+              <a:spcBef>
+                <a:spcPts val="1000"/>
+              </a:spcBef>
+              <a:spcAft>
+                <a:spcPts val="800"/>
+              </a:spcAft>
+              <a:buNone/>
+            </a:pPr>
+            <a:endParaRPr lang="en-US" sz="2600" dirty="0" smtClean="0">
+              <a:latin typeface="Times New Roman" panose="02020603050405020304" pitchFamily="18" charset="0"/>
+              <a:ea typeface="MS Mincho" panose="02020609040205080304" pitchFamily="49" charset="-128"/>
+              <a:cs typeface="Times New Roman" panose="02020603050405020304" pitchFamily="18" charset="0"/>
+            </a:endParaRPr>
+          </a:p>
+          <a:p>
+            <a:pPr marL="1257300" lvl="3" indent="-342900">
+              <a:spcBef>
+                <a:spcPts val="1000"/>
+              </a:spcBef>
+              <a:spcAft>
+                <a:spcPts val="800"/>
+              </a:spcAft>
+              <a:buFont typeface="Wingdings" panose="05000000000000000000" pitchFamily="2" charset="2"/>
+              <a:buChar char="§"/>
+            </a:pPr>
+            <a:endParaRPr lang="en-US" sz="2600" dirty="0">
+              <a:latin typeface="Times New Roman" panose="02020603050405020304" pitchFamily="18" charset="0"/>
+              <a:ea typeface="MS Mincho" panose="02020609040205080304" pitchFamily="49" charset="-128"/>
+              <a:cs typeface="Times New Roman" panose="02020603050405020304" pitchFamily="18" charset="0"/>
+            </a:endParaRPr>
+          </a:p>
+          <a:p>
+            <a:pPr marL="1257300" lvl="3" indent="-342900">
+              <a:spcBef>
+                <a:spcPts val="1000"/>
+              </a:spcBef>
+              <a:spcAft>
+                <a:spcPts val="800"/>
+              </a:spcAft>
+              <a:buFont typeface="Wingdings" panose="05000000000000000000" pitchFamily="2" charset="2"/>
+              <a:buChar char="§"/>
+            </a:pPr>
+            <a:endParaRPr lang="en-US" sz="2600" dirty="0" smtClean="0">
+              <a:latin typeface="Times New Roman" panose="02020603050405020304" pitchFamily="18" charset="0"/>
+              <a:ea typeface="MS Mincho" panose="02020609040205080304" pitchFamily="49" charset="-128"/>
+              <a:cs typeface="Times New Roman" panose="02020603050405020304" pitchFamily="18" charset="0"/>
+            </a:endParaRPr>
+          </a:p>
+          <a:p>
+            <a:pPr marL="914400" lvl="3" indent="0">
+              <a:spcBef>
+                <a:spcPts val="1000"/>
+              </a:spcBef>
+              <a:spcAft>
+                <a:spcPts val="800"/>
+              </a:spcAft>
+              <a:buNone/>
+            </a:pPr>
+            <a:endParaRPr lang="en-US" sz="2600" dirty="0">
+              <a:latin typeface="Times New Roman" panose="02020603050405020304" pitchFamily="18" charset="0"/>
+              <a:ea typeface="MS Mincho" panose="02020609040205080304" pitchFamily="49" charset="-128"/>
+              <a:cs typeface="Times New Roman" panose="02020603050405020304" pitchFamily="18" charset="0"/>
+            </a:endParaRPr>
+          </a:p>
+          <a:p>
+            <a:pPr marL="800100" lvl="2" indent="-342900">
+              <a:spcBef>
+                <a:spcPts val="1000"/>
+              </a:spcBef>
+              <a:buFont typeface="Wingdings" panose="05000000000000000000" pitchFamily="2" charset="2"/>
+              <a:buChar char="§"/>
+            </a:pPr>
+            <a:endParaRPr lang="en-US" altLang="en-US" sz="2800" dirty="0" smtClean="0">
+              <a:latin typeface="Times New Roman" panose="02020603050405020304" pitchFamily="18" charset="0"/>
+              <a:ea typeface="MS Mincho" panose="02020609040205080304" pitchFamily="49" charset="-128"/>
+              <a:cs typeface="Times New Roman" panose="02020603050405020304" pitchFamily="18" charset="0"/>
+            </a:endParaRPr>
+          </a:p>
+          <a:p>
+            <a:pPr marL="457200" lvl="2" indent="0">
+              <a:spcBef>
+                <a:spcPts val="1000"/>
+              </a:spcBef>
+              <a:buNone/>
+            </a:pPr>
+            <a:endParaRPr lang="en-US" altLang="en-US" sz="2800" dirty="0">
+              <a:latin typeface="Times New Roman" panose="02020603050405020304" pitchFamily="18" charset="0"/>
+              <a:ea typeface="MS Mincho" panose="02020609040205080304" pitchFamily="49" charset="-128"/>
+              <a:cs typeface="Times New Roman" panose="02020603050405020304" pitchFamily="18" charset="0"/>
+            </a:endParaRPr>
+          </a:p>
+          <a:p>
+            <a:pPr marL="800100" lvl="2" indent="-342900">
+              <a:spcBef>
+                <a:spcPts val="1000"/>
+              </a:spcBef>
+              <a:buFont typeface="Wingdings" panose="05000000000000000000" pitchFamily="2" charset="2"/>
+              <a:buChar char="§"/>
+            </a:pPr>
+            <a:endParaRPr lang="en-US" altLang="en-US" sz="2000" dirty="0"/>
+          </a:p>
+          <a:p>
+            <a:pPr marL="457200" lvl="2" indent="0">
+              <a:spcBef>
+                <a:spcPts val="1000"/>
+              </a:spcBef>
+              <a:buNone/>
+            </a:pPr>
+            <a:endParaRPr lang="en-US" sz="2800" dirty="0">
+              <a:latin typeface="Arial" panose="020B0604020202020204" pitchFamily="34" charset="0"/>
+              <a:cs typeface="Arial" panose="020B0604020202020204" pitchFamily="34" charset="0"/>
+            </a:endParaRPr>
+          </a:p>
+        </p:txBody>
+      </p:sp>
+      <p:pic>
+        <p:nvPicPr>
+          <p:cNvPr id="2049" name="Picture 6"/>
+          <p:cNvPicPr>
+            <a:picLocks noChangeAspect="1" noChangeArrowheads="1"/>
+          </p:cNvPicPr>
+          <p:nvPr/>
+        </p:nvPicPr>
+        <p:blipFill>
+          <a:blip r:embed="rId2">
+            <a:extLst>
+              <a:ext uri="{28A0092B-C50C-407E-A947-70E740481C1C}">
+                <a14:useLocalDpi xmlns:a14="http://schemas.microsoft.com/office/drawing/2010/main" val="0"/>
+              </a:ext>
+            </a:extLst>
+          </a:blip>
+          <a:srcRect/>
+          <a:stretch>
+            <a:fillRect/>
+          </a:stretch>
+        </p:blipFill>
+        <p:spPr bwMode="auto">
+          <a:xfrm>
+            <a:off x="1765736" y="2024489"/>
+            <a:ext cx="5664867" cy="488932"/>
+          </a:xfrm>
+          <a:prstGeom prst="rect">
+            <a:avLst/>
+          </a:prstGeom>
+          <a:noFill/>
+          <a:extLst>
+            <a:ext uri="{909E8E84-426E-40DD-AFC4-6F175D3DCCD1}">
+              <a14:hiddenFill xmlns:a14="http://schemas.microsoft.com/office/drawing/2010/main">
+                <a:solidFill>
+                  <a:srgbClr val="FFFFFF"/>
+                </a:solidFill>
+              </a14:hiddenFill>
+            </a:ext>
+          </a:extLst>
+        </p:spPr>
+      </p:pic>
+      <p:sp>
+        <p:nvSpPr>
+          <p:cNvPr id="7" name="Rectangle 3"/>
+          <p:cNvSpPr>
+            <a:spLocks noChangeArrowheads="1"/>
+          </p:cNvSpPr>
+          <p:nvPr/>
+        </p:nvSpPr>
+        <p:spPr bwMode="auto">
+          <a:xfrm>
+            <a:off x="2577662" y="2846005"/>
+            <a:ext cx="12192000" cy="0"/>
+          </a:xfrm>
+          <a:prstGeom prst="rect">
+            <a:avLst/>
+          </a:prstGeom>
+          <a:noFill/>
+          <a:ln>
+            <a:noFill/>
+          </a:ln>
+          <a:effectLst/>
+          <a:extLst>
+            <a:ext uri="{909E8E84-426E-40DD-AFC4-6F175D3DCCD1}">
+              <a14:hiddenFill xmlns:a14="http://schemas.microsoft.com/office/drawing/2010/main">
+                <a:solidFill>
+                  <a:schemeClr val="accent1"/>
+                </a:solidFill>
+              </a14:hiddenFill>
+            </a:ext>
+            <a:ext uri="{91240B29-F687-4F45-9708-019B960494DF}">
+              <a14:hiddenLine xmlns:a14="http://schemas.microsoft.com/office/drawing/2010/main" w="9525">
+                <a:solidFill>
+                  <a:schemeClr val="tx1"/>
+                </a:solidFill>
+                <a:miter lim="800000"/>
+                <a:headEnd/>
+                <a:tailEnd/>
+              </a14:hiddenLine>
+            </a:ext>
+            <a:ext uri="{AF507438-7753-43E0-B8FC-AC1667EBCBE1}">
+              <a14:hiddenEffects xmlns:a14="http://schemas.microsoft.com/office/drawing/2010/main">
+                <a:effectLst>
+                  <a:outerShdw dist="35921" dir="2700000" algn="ctr" rotWithShape="0">
+                    <a:schemeClr val="bg2"/>
+                  </a:outerShdw>
+                </a:effectLst>
+              </a14:hiddenEffects>
+            </a:ext>
+          </a:extLst>
+        </p:spPr>
+        <p:txBody>
+          <a:bodyPr vert="horz" wrap="none" lIns="91440" tIns="45720" rIns="91440" bIns="45720" numCol="1" anchor="ctr" anchorCtr="0" compatLnSpc="1">
+            <a:prstTxWarp prst="textNoShape">
+              <a:avLst/>
+            </a:prstTxWarp>
+            <a:spAutoFit/>
+          </a:bodyPr>
+          <a:lstStyle/>
+          <a:p>
+            <a:endParaRPr lang="en-US"/>
+          </a:p>
+        </p:txBody>
+      </p:sp>
+      <p:pic>
+        <p:nvPicPr>
+          <p:cNvPr id="11" name="Picture 10"/>
+          <p:cNvPicPr/>
+          <p:nvPr/>
+        </p:nvPicPr>
+        <p:blipFill>
+          <a:blip r:embed="rId3"/>
+          <a:stretch>
+            <a:fillRect/>
+          </a:stretch>
+        </p:blipFill>
+        <p:spPr>
+          <a:xfrm>
+            <a:off x="1765736" y="3833495"/>
+            <a:ext cx="6779174" cy="780545"/>
+          </a:xfrm>
+          <a:prstGeom prst="rect">
+            <a:avLst/>
+          </a:prstGeom>
+        </p:spPr>
+      </p:pic>
+      <p:pic>
+        <p:nvPicPr>
+          <p:cNvPr id="14" name="Picture 13"/>
+          <p:cNvPicPr/>
+          <p:nvPr/>
+        </p:nvPicPr>
+        <p:blipFill>
+          <a:blip r:embed="rId4"/>
+          <a:stretch>
+            <a:fillRect/>
+          </a:stretch>
+        </p:blipFill>
+        <p:spPr>
+          <a:xfrm>
+            <a:off x="2306556" y="5737558"/>
+            <a:ext cx="2099440" cy="393112"/>
+          </a:xfrm>
+          <a:prstGeom prst="rect">
+            <a:avLst/>
+          </a:prstGeom>
+        </p:spPr>
+      </p:pic>
+      <p:sp>
+        <p:nvSpPr>
+          <p:cNvPr id="15" name="Title 1"/>
+          <p:cNvSpPr txBox="1">
+            <a:spLocks/>
+          </p:cNvSpPr>
+          <p:nvPr/>
+        </p:nvSpPr>
+        <p:spPr>
+          <a:xfrm>
+            <a:off x="987972" y="1037000"/>
+            <a:ext cx="2530755" cy="319901"/>
+          </a:xfrm>
+          <a:prstGeom prst="rect">
+            <a:avLst/>
+          </a:prstGeom>
+        </p:spPr>
+        <p:txBody>
+          <a:bodyPr vert="horz" lIns="91440" tIns="45720" rIns="91440" bIns="45720" rtlCol="0" anchor="ctr">
+            <a:normAutofit fontScale="85000" lnSpcReduction="20000"/>
+          </a:bodyPr>
+          <a:lstStyle>
+            <a:lvl1pPr algn="ctr" defTabSz="914400" rtl="0" eaLnBrk="1" latinLnBrk="0" hangingPunct="1">
+              <a:lnSpc>
+                <a:spcPct val="90000"/>
+              </a:lnSpc>
+              <a:spcBef>
+                <a:spcPct val="0"/>
+              </a:spcBef>
+              <a:buNone/>
+              <a:defRPr sz="3200" b="0" i="0" kern="1200" cap="all">
+                <a:solidFill>
+                  <a:schemeClr val="accent1"/>
+                </a:solidFill>
+                <a:effectLst/>
+                <a:latin typeface="+mj-lt"/>
+                <a:ea typeface="+mj-ea"/>
+                <a:cs typeface="+mj-cs"/>
+              </a:defRPr>
+            </a:lvl1pPr>
+          </a:lstStyle>
+          <a:p>
+            <a:r>
+              <a:rPr lang="en-US" sz="2400" u="sng" dirty="0" err="1" smtClean="0">
+                <a:latin typeface="Arial" panose="020B0604020202020204" pitchFamily="34" charset="0"/>
+                <a:cs typeface="Arial" panose="020B0604020202020204" pitchFamily="34" charset="0"/>
+              </a:rPr>
+              <a:t>Cách</a:t>
+            </a:r>
+            <a:r>
+              <a:rPr lang="en-US" sz="2400" u="sng" dirty="0" smtClean="0">
+                <a:latin typeface="Arial" panose="020B0604020202020204" pitchFamily="34" charset="0"/>
+                <a:cs typeface="Arial" panose="020B0604020202020204" pitchFamily="34" charset="0"/>
+              </a:rPr>
+              <a:t> </a:t>
+            </a:r>
+            <a:r>
+              <a:rPr lang="en-US" sz="2400" u="sng" dirty="0" err="1" smtClean="0">
+                <a:latin typeface="Arial" panose="020B0604020202020204" pitchFamily="34" charset="0"/>
+                <a:cs typeface="Arial" panose="020B0604020202020204" pitchFamily="34" charset="0"/>
+              </a:rPr>
+              <a:t>giải</a:t>
+            </a:r>
+            <a:endParaRPr lang="en-US" sz="2400" u="sng" dirty="0"/>
+          </a:p>
+        </p:txBody>
+      </p:sp>
+    </p:spTree>
+    <p:extLst>
+      <p:ext uri="{BB962C8B-B14F-4D97-AF65-F5344CB8AC3E}">
+        <p14:creationId xmlns:p14="http://schemas.microsoft.com/office/powerpoint/2010/main" val="171734422"/>
+      </p:ext>
+    </p:extLst>
+  </p:cSld>
+  <p:clrMapOvr>
+    <a:masterClrMapping/>
+  </p:clrMapOvr>
+  <p:timing>
+    <p:tnLst>
+      <p:par>
+        <p:cTn id="1" dur="indefinite" restart="never" nodeType="tmRoot"/>
+      </p:par>
+    </p:tnLst>
+  </p:timing>
+</p:sld>
+</file>
+
+<file path=ppt/slides/slide8.xml><?xml version="1.0" encoding="utf-8"?>
+<p:sld xmlns:a="http://schemas.openxmlformats.org/drawingml/2006/main" xmlns:r="http://schemas.openxmlformats.org/officeDocument/2006/relationships" xmlns:p="http://schemas.openxmlformats.org/presentationml/2006/main">
+  <p:cSld>
+    <p:spTree>
+      <p:nvGrpSpPr>
+        <p:cNvPr id="1" name=""/>
+        <p:cNvGrpSpPr/>
+        <p:nvPr/>
+      </p:nvGrpSpPr>
+      <p:grpSpPr>
+        <a:xfrm>
+          <a:off x="0" y="0"/>
+          <a:ext cx="0" cy="0"/>
+          <a:chOff x="0" y="0"/>
+          <a:chExt cx="0" cy="0"/>
+        </a:xfrm>
+      </p:grpSpPr>
+      <p:sp>
+        <p:nvSpPr>
+          <p:cNvPr id="2" name="Title 1"/>
+          <p:cNvSpPr>
+            <a:spLocks noGrp="1"/>
+          </p:cNvSpPr>
+          <p:nvPr>
+            <p:ph type="title"/>
+          </p:nvPr>
+        </p:nvSpPr>
+        <p:spPr>
+          <a:xfrm>
+            <a:off x="-630621" y="90475"/>
+            <a:ext cx="5982091" cy="947350"/>
+          </a:xfrm>
+        </p:spPr>
+        <p:txBody>
+          <a:bodyPr>
+            <a:normAutofit/>
+          </a:bodyPr>
+          <a:lstStyle/>
+          <a:p>
+            <a:r>
+              <a:rPr lang="en-US" sz="2400" dirty="0" err="1">
+                <a:latin typeface="Arial" panose="020B0604020202020204" pitchFamily="34" charset="0"/>
+                <a:cs typeface="Arial" panose="020B0604020202020204" pitchFamily="34" charset="0"/>
+              </a:rPr>
+              <a:t>Giải</a:t>
+            </a:r>
+            <a:r>
+              <a:rPr lang="en-US" sz="2400" dirty="0">
+                <a:latin typeface="Arial" panose="020B0604020202020204" pitchFamily="34" charset="0"/>
+                <a:cs typeface="Arial" panose="020B0604020202020204" pitchFamily="34" charset="0"/>
+              </a:rPr>
+              <a:t> </a:t>
+            </a:r>
+            <a:r>
+              <a:rPr lang="en-US" sz="2400" dirty="0" err="1">
+                <a:latin typeface="Arial" panose="020B0604020202020204" pitchFamily="34" charset="0"/>
+                <a:cs typeface="Arial" panose="020B0604020202020204" pitchFamily="34" charset="0"/>
+              </a:rPr>
+              <a:t>thuật</a:t>
+            </a:r>
+            <a:r>
+              <a:rPr lang="en-US" sz="2400" dirty="0">
+                <a:latin typeface="Arial" panose="020B0604020202020204" pitchFamily="34" charset="0"/>
+                <a:cs typeface="Arial" panose="020B0604020202020204" pitchFamily="34" charset="0"/>
+              </a:rPr>
+              <a:t> </a:t>
+            </a:r>
+            <a:r>
+              <a:rPr lang="en-US" sz="2400" dirty="0" err="1">
+                <a:latin typeface="Arial" panose="020B0604020202020204" pitchFamily="34" charset="0"/>
+                <a:cs typeface="Arial" panose="020B0604020202020204" pitchFamily="34" charset="0"/>
+              </a:rPr>
+              <a:t>tham</a:t>
+            </a:r>
+            <a:r>
+              <a:rPr lang="en-US" sz="2400" dirty="0">
+                <a:latin typeface="Arial" panose="020B0604020202020204" pitchFamily="34" charset="0"/>
+                <a:cs typeface="Arial" panose="020B0604020202020204" pitchFamily="34" charset="0"/>
+              </a:rPr>
+              <a:t> </a:t>
+            </a:r>
+            <a:r>
+              <a:rPr lang="en-US" sz="2400" dirty="0" err="1">
+                <a:latin typeface="Arial" panose="020B0604020202020204" pitchFamily="34" charset="0"/>
+                <a:cs typeface="Arial" panose="020B0604020202020204" pitchFamily="34" charset="0"/>
+              </a:rPr>
+              <a:t>ăn</a:t>
+            </a:r>
+            <a:endParaRPr lang="en-US" sz="2400" dirty="0"/>
+          </a:p>
+        </p:txBody>
+      </p:sp>
+      <p:sp>
+        <p:nvSpPr>
+          <p:cNvPr id="3" name="Content Placeholder 2"/>
+          <p:cNvSpPr>
+            <a:spLocks noGrp="1"/>
+          </p:cNvSpPr>
+          <p:nvPr>
+            <p:ph idx="1"/>
+          </p:nvPr>
+        </p:nvSpPr>
+        <p:spPr>
+          <a:xfrm>
+            <a:off x="1124607" y="922212"/>
+            <a:ext cx="9837682" cy="5215830"/>
+          </a:xfrm>
+        </p:spPr>
+        <p:txBody>
+          <a:bodyPr>
+            <a:noAutofit/>
+          </a:bodyPr>
+          <a:lstStyle/>
+          <a:p>
+            <a:pPr marL="914400" lvl="2" indent="-457200">
+              <a:spcBef>
+                <a:spcPts val="1000"/>
+              </a:spcBef>
+              <a:buFont typeface="Wingdings" panose="05000000000000000000" pitchFamily="2" charset="2"/>
+              <a:buChar char="Ø"/>
+            </a:pPr>
+            <a:r>
+              <a:rPr lang="en-US" sz="2800" dirty="0" err="1">
+                <a:latin typeface="Arial" panose="020B0604020202020204" pitchFamily="34" charset="0"/>
+                <a:cs typeface="Arial" panose="020B0604020202020204" pitchFamily="34" charset="0"/>
+              </a:rPr>
+              <a:t>Bài</a:t>
+            </a:r>
+            <a:r>
+              <a:rPr lang="en-US" sz="2800" dirty="0">
+                <a:latin typeface="Arial" panose="020B0604020202020204" pitchFamily="34" charset="0"/>
+                <a:cs typeface="Arial" panose="020B0604020202020204" pitchFamily="34" charset="0"/>
+              </a:rPr>
+              <a:t> </a:t>
+            </a:r>
+            <a:r>
+              <a:rPr lang="en-US" sz="2800" dirty="0" err="1">
+                <a:latin typeface="Arial" panose="020B0604020202020204" pitchFamily="34" charset="0"/>
+                <a:cs typeface="Arial" panose="020B0604020202020204" pitchFamily="34" charset="0"/>
+              </a:rPr>
+              <a:t>toán</a:t>
+            </a:r>
+            <a:r>
+              <a:rPr lang="en-US" sz="2800" dirty="0">
+                <a:latin typeface="Arial" panose="020B0604020202020204" pitchFamily="34" charset="0"/>
+                <a:cs typeface="Arial" panose="020B0604020202020204" pitchFamily="34" charset="0"/>
+              </a:rPr>
+              <a:t> </a:t>
+            </a:r>
+            <a:r>
+              <a:rPr lang="en-US" sz="2800" dirty="0" err="1">
+                <a:latin typeface="Arial" panose="020B0604020202020204" pitchFamily="34" charset="0"/>
+                <a:cs typeface="Arial" panose="020B0604020202020204" pitchFamily="34" charset="0"/>
+              </a:rPr>
+              <a:t>xếp</a:t>
+            </a:r>
+            <a:r>
+              <a:rPr lang="en-US" sz="2800" dirty="0">
+                <a:latin typeface="Arial" panose="020B0604020202020204" pitchFamily="34" charset="0"/>
+                <a:cs typeface="Arial" panose="020B0604020202020204" pitchFamily="34" charset="0"/>
+              </a:rPr>
+              <a:t> </a:t>
+            </a:r>
+            <a:r>
+              <a:rPr lang="en-US" sz="2800" dirty="0" err="1">
+                <a:latin typeface="Arial" panose="020B0604020202020204" pitchFamily="34" charset="0"/>
+                <a:cs typeface="Arial" panose="020B0604020202020204" pitchFamily="34" charset="0"/>
+              </a:rPr>
+              <a:t>balo</a:t>
+            </a:r>
+            <a:r>
+              <a:rPr lang="en-US" sz="2800" dirty="0">
+                <a:latin typeface="Arial" panose="020B0604020202020204" pitchFamily="34" charset="0"/>
+                <a:cs typeface="Arial" panose="020B0604020202020204" pitchFamily="34" charset="0"/>
+              </a:rPr>
+              <a:t> </a:t>
+            </a:r>
+            <a:r>
+              <a:rPr lang="en-US" sz="2800" dirty="0" err="1">
+                <a:latin typeface="Arial" panose="020B0604020202020204" pitchFamily="34" charset="0"/>
+                <a:cs typeface="Arial" panose="020B0604020202020204" pitchFamily="34" charset="0"/>
+              </a:rPr>
+              <a:t>với</a:t>
+            </a:r>
+            <a:r>
+              <a:rPr lang="en-US" sz="2800" dirty="0">
+                <a:latin typeface="Arial" panose="020B0604020202020204" pitchFamily="34" charset="0"/>
+                <a:cs typeface="Arial" panose="020B0604020202020204" pitchFamily="34" charset="0"/>
+              </a:rPr>
+              <a:t> </a:t>
+            </a:r>
+            <a:r>
+              <a:rPr lang="en-US" sz="2800" dirty="0" err="1">
+                <a:latin typeface="Arial" panose="020B0604020202020204" pitchFamily="34" charset="0"/>
+                <a:cs typeface="Arial" panose="020B0604020202020204" pitchFamily="34" charset="0"/>
+              </a:rPr>
+              <a:t>số</a:t>
+            </a:r>
+            <a:r>
+              <a:rPr lang="en-US" sz="2800" dirty="0">
+                <a:latin typeface="Arial" panose="020B0604020202020204" pitchFamily="34" charset="0"/>
+                <a:cs typeface="Arial" panose="020B0604020202020204" pitchFamily="34" charset="0"/>
+              </a:rPr>
+              <a:t> </a:t>
+            </a:r>
+            <a:r>
+              <a:rPr lang="en-US" sz="2800" dirty="0" err="1" smtClean="0">
+                <a:latin typeface="Arial" panose="020B0604020202020204" pitchFamily="34" charset="0"/>
+                <a:cs typeface="Arial" panose="020B0604020202020204" pitchFamily="34" charset="0"/>
+              </a:rPr>
+              <a:t>thực</a:t>
+            </a:r>
+            <a:endParaRPr lang="en-US" sz="2800" dirty="0" smtClean="0">
+              <a:latin typeface="Arial" panose="020B0604020202020204" pitchFamily="34" charset="0"/>
+              <a:cs typeface="Arial" panose="020B0604020202020204" pitchFamily="34" charset="0"/>
+            </a:endParaRPr>
+          </a:p>
+          <a:p>
+            <a:pPr marL="1257300" lvl="3" indent="-342900">
+              <a:spcBef>
+                <a:spcPts val="1000"/>
+              </a:spcBef>
+              <a:buFont typeface="Wingdings" panose="05000000000000000000" pitchFamily="2" charset="2"/>
+              <a:buChar char="§"/>
+            </a:pPr>
+            <a:r>
+              <a:rPr lang="vi-VN" sz="2800" dirty="0">
+                <a:latin typeface="Arial" panose="020B0604020202020204" pitchFamily="34" charset="0"/>
+                <a:cs typeface="Arial" panose="020B0604020202020204" pitchFamily="34" charset="0"/>
+              </a:rPr>
+              <a:t>Với mỗi loại, có thể chọn một phần của nó (ví dụ: 1Kg bơ có thể được cắt ra thành nhiều phần để bỏ vào ba lô)</a:t>
+            </a:r>
+            <a:endParaRPr lang="en-US" sz="2800" dirty="0">
+              <a:latin typeface="Arial" panose="020B0604020202020204" pitchFamily="34" charset="0"/>
+              <a:cs typeface="Arial" panose="020B0604020202020204" pitchFamily="34" charset="0"/>
+            </a:endParaRPr>
+          </a:p>
+          <a:p>
+            <a:pPr marL="457200" lvl="2" indent="0">
+              <a:spcBef>
+                <a:spcPts val="1000"/>
+              </a:spcBef>
+              <a:buNone/>
+            </a:pPr>
+            <a:r>
+              <a:rPr lang="en-US" sz="2800" dirty="0" err="1" smtClean="0">
+                <a:latin typeface="Arial" panose="020B0604020202020204" pitchFamily="34" charset="0"/>
+                <a:cs typeface="Arial" panose="020B0604020202020204" pitchFamily="34" charset="0"/>
+              </a:rPr>
+              <a:t>Ví</a:t>
+            </a:r>
+            <a:r>
+              <a:rPr lang="en-US" sz="2800" dirty="0" smtClean="0">
+                <a:latin typeface="Arial" panose="020B0604020202020204" pitchFamily="34" charset="0"/>
+                <a:cs typeface="Arial" panose="020B0604020202020204" pitchFamily="34" charset="0"/>
+              </a:rPr>
+              <a:t> </a:t>
+            </a:r>
+            <a:r>
+              <a:rPr lang="en-US" sz="2800" dirty="0" err="1">
+                <a:latin typeface="Arial" panose="020B0604020202020204" pitchFamily="34" charset="0"/>
+                <a:cs typeface="Arial" panose="020B0604020202020204" pitchFamily="34" charset="0"/>
+              </a:rPr>
+              <a:t>dụ</a:t>
+            </a:r>
+            <a:r>
+              <a:rPr lang="en-US" sz="2800" dirty="0">
+                <a:latin typeface="Arial" panose="020B0604020202020204" pitchFamily="34" charset="0"/>
+                <a:cs typeface="Arial" panose="020B0604020202020204" pitchFamily="34" charset="0"/>
+              </a:rPr>
+              <a:t> (</a:t>
+            </a:r>
+            <a:r>
+              <a:rPr lang="en-US" sz="2800" dirty="0" err="1">
+                <a:latin typeface="Arial" panose="020B0604020202020204" pitchFamily="34" charset="0"/>
+                <a:cs typeface="Arial" panose="020B0604020202020204" pitchFamily="34" charset="0"/>
+              </a:rPr>
+              <a:t>bài</a:t>
+            </a:r>
+            <a:r>
+              <a:rPr lang="en-US" sz="2800" dirty="0">
+                <a:latin typeface="Arial" panose="020B0604020202020204" pitchFamily="34" charset="0"/>
+                <a:cs typeface="Arial" panose="020B0604020202020204" pitchFamily="34" charset="0"/>
+              </a:rPr>
+              <a:t> 6 </a:t>
+            </a:r>
+            <a:r>
+              <a:rPr lang="en-US" sz="2800" dirty="0" err="1">
+                <a:latin typeface="Arial" panose="020B0604020202020204" pitchFamily="34" charset="0"/>
+                <a:cs typeface="Arial" panose="020B0604020202020204" pitchFamily="34" charset="0"/>
+              </a:rPr>
+              <a:t>trong</a:t>
+            </a:r>
+            <a:r>
+              <a:rPr lang="en-US" sz="2800" dirty="0">
+                <a:latin typeface="Arial" panose="020B0604020202020204" pitchFamily="34" charset="0"/>
+                <a:cs typeface="Arial" panose="020B0604020202020204" pitchFamily="34" charset="0"/>
+              </a:rPr>
+              <a:t> </a:t>
+            </a:r>
+            <a:r>
+              <a:rPr lang="en-US" sz="2800" dirty="0" err="1">
+                <a:latin typeface="Arial" panose="020B0604020202020204" pitchFamily="34" charset="0"/>
+                <a:cs typeface="Arial" panose="020B0604020202020204" pitchFamily="34" charset="0"/>
+              </a:rPr>
+              <a:t>bài</a:t>
+            </a:r>
+            <a:r>
+              <a:rPr lang="en-US" sz="2800" dirty="0">
+                <a:latin typeface="Arial" panose="020B0604020202020204" pitchFamily="34" charset="0"/>
+                <a:cs typeface="Arial" panose="020B0604020202020204" pitchFamily="34" charset="0"/>
+              </a:rPr>
+              <a:t> </a:t>
+            </a:r>
+            <a:r>
+              <a:rPr lang="en-US" sz="2800" dirty="0" err="1">
+                <a:latin typeface="Arial" panose="020B0604020202020204" pitchFamily="34" charset="0"/>
+                <a:cs typeface="Arial" panose="020B0604020202020204" pitchFamily="34" charset="0"/>
+              </a:rPr>
+              <a:t>tập</a:t>
+            </a:r>
+            <a:r>
+              <a:rPr lang="en-US" sz="2800" dirty="0" smtClean="0">
+                <a:latin typeface="Arial" panose="020B0604020202020204" pitchFamily="34" charset="0"/>
+                <a:cs typeface="Arial" panose="020B0604020202020204" pitchFamily="34" charset="0"/>
+              </a:rPr>
+              <a:t>):</a:t>
+            </a:r>
+          </a:p>
+          <a:p>
+            <a:pPr marL="457200" lvl="2" indent="0">
+              <a:spcBef>
+                <a:spcPts val="1000"/>
+              </a:spcBef>
+              <a:buNone/>
+            </a:pPr>
+            <a:r>
+              <a:rPr lang="en-US" sz="2800" dirty="0" smtClean="0">
+                <a:latin typeface="Times New Roman" panose="02020603050405020304" pitchFamily="18" charset="0"/>
+                <a:ea typeface="MS Mincho" panose="02020609040205080304" pitchFamily="49" charset="-128"/>
+              </a:rPr>
+              <a:t>	</a:t>
+            </a:r>
+            <a:r>
+              <a:rPr lang="en-US" sz="2800" dirty="0" err="1" smtClean="0">
+                <a:latin typeface="Times New Roman" panose="02020603050405020304" pitchFamily="18" charset="0"/>
+                <a:ea typeface="MS Mincho" panose="02020609040205080304" pitchFamily="49" charset="-128"/>
+              </a:rPr>
+              <a:t>Tính</a:t>
+            </a:r>
+            <a:r>
+              <a:rPr lang="en-US" sz="2800" dirty="0" smtClean="0">
+                <a:latin typeface="Times New Roman" panose="02020603050405020304" pitchFamily="18" charset="0"/>
+                <a:ea typeface="MS Mincho" panose="02020609040205080304" pitchFamily="49" charset="-128"/>
+              </a:rPr>
+              <a:t> </a:t>
+            </a:r>
+            <a:r>
+              <a:rPr lang="en-US" sz="2800" dirty="0" err="1">
+                <a:latin typeface="Times New Roman" panose="02020603050405020304" pitchFamily="18" charset="0"/>
+                <a:ea typeface="MS Mincho" panose="02020609040205080304" pitchFamily="49" charset="-128"/>
+              </a:rPr>
+              <a:t>tỉ</a:t>
+            </a:r>
+            <a:r>
+              <a:rPr lang="en-US" sz="2800" dirty="0">
+                <a:latin typeface="Times New Roman" panose="02020603050405020304" pitchFamily="18" charset="0"/>
+                <a:ea typeface="MS Mincho" panose="02020609040205080304" pitchFamily="49" charset="-128"/>
+              </a:rPr>
+              <a:t> </a:t>
+            </a:r>
+            <a:r>
+              <a:rPr lang="en-US" sz="2800" dirty="0" err="1" smtClean="0">
+                <a:latin typeface="Times New Roman" panose="02020603050405020304" pitchFamily="18" charset="0"/>
+                <a:ea typeface="MS Mincho" panose="02020609040205080304" pitchFamily="49" charset="-128"/>
+              </a:rPr>
+              <a:t>lệ</a:t>
+            </a:r>
+            <a:r>
+              <a:rPr lang="en-US" sz="2800" dirty="0" smtClean="0">
+                <a:latin typeface="Times New Roman" panose="02020603050405020304" pitchFamily="18" charset="0"/>
+                <a:ea typeface="MS Mincho" panose="02020609040205080304" pitchFamily="49" charset="-128"/>
+              </a:rPr>
+              <a:t> </a:t>
+            </a:r>
+            <a:r>
+              <a:rPr lang="en-US" sz="2800" dirty="0">
+                <a:latin typeface="Times New Roman" panose="02020603050405020304" pitchFamily="18" charset="0"/>
+                <a:ea typeface="MS Mincho" panose="02020609040205080304" pitchFamily="49" charset="-128"/>
+              </a:rPr>
+              <a:t>(</a:t>
+            </a:r>
+            <a:r>
+              <a:rPr lang="en-US" sz="2800" dirty="0" smtClean="0">
+                <a:latin typeface="Times New Roman" panose="02020603050405020304" pitchFamily="18" charset="0"/>
+                <a:ea typeface="MS Mincho" panose="02020609040205080304" pitchFamily="49" charset="-128"/>
+              </a:rPr>
+              <a:t>ratio)</a:t>
+            </a:r>
+          </a:p>
+          <a:p>
+            <a:pPr marL="457200" lvl="2" indent="0">
+              <a:spcBef>
+                <a:spcPts val="1000"/>
+              </a:spcBef>
+              <a:buNone/>
+            </a:pPr>
+            <a:endParaRPr lang="en-US" sz="2800" dirty="0">
+              <a:latin typeface="Times New Roman" panose="02020603050405020304" pitchFamily="18" charset="0"/>
+              <a:ea typeface="MS Mincho" panose="02020609040205080304" pitchFamily="49" charset="-128"/>
+            </a:endParaRPr>
+          </a:p>
+          <a:p>
+            <a:pPr marL="457200" lvl="2" indent="0">
+              <a:spcBef>
+                <a:spcPts val="1000"/>
+              </a:spcBef>
+              <a:buNone/>
+            </a:pPr>
+            <a:r>
+              <a:rPr lang="en-US" sz="2800" dirty="0" smtClean="0">
+                <a:latin typeface="Times New Roman" panose="02020603050405020304" pitchFamily="18" charset="0"/>
+                <a:ea typeface="MS Mincho" panose="02020609040205080304" pitchFamily="49" charset="-128"/>
+              </a:rPr>
+              <a:t>	Output:</a:t>
+            </a:r>
+            <a:endParaRPr lang="en-US" sz="2800" dirty="0"/>
+          </a:p>
+          <a:p>
+            <a:pPr marL="457200" lvl="2" indent="0">
+              <a:spcBef>
+                <a:spcPts val="1000"/>
+              </a:spcBef>
+              <a:buNone/>
+            </a:pPr>
+            <a:endParaRPr lang="en-US" sz="2800" dirty="0" smtClean="0">
+              <a:latin typeface="Arial" panose="020B0604020202020204" pitchFamily="34" charset="0"/>
+              <a:cs typeface="Arial" panose="020B0604020202020204" pitchFamily="34" charset="0"/>
+            </a:endParaRPr>
+          </a:p>
+          <a:p>
+            <a:pPr marL="457200" lvl="2" indent="0">
+              <a:spcBef>
+                <a:spcPts val="1000"/>
+              </a:spcBef>
+              <a:buNone/>
+            </a:pPr>
+            <a:endParaRPr lang="en-US" sz="2800" dirty="0">
+              <a:latin typeface="Arial" panose="020B0604020202020204" pitchFamily="34" charset="0"/>
+              <a:cs typeface="Arial" panose="020B0604020202020204" pitchFamily="34" charset="0"/>
+            </a:endParaRPr>
+          </a:p>
+          <a:p>
+            <a:pPr marL="457200" lvl="2" indent="0">
+              <a:spcBef>
+                <a:spcPts val="1000"/>
+              </a:spcBef>
+              <a:buNone/>
+            </a:pPr>
+            <a:endParaRPr lang="en-US" sz="2800" dirty="0">
+              <a:latin typeface="Arial" panose="020B0604020202020204" pitchFamily="34" charset="0"/>
+              <a:cs typeface="Arial" panose="020B0604020202020204" pitchFamily="34" charset="0"/>
+            </a:endParaRPr>
+          </a:p>
+        </p:txBody>
+      </p:sp>
+      <p:pic>
+        <p:nvPicPr>
+          <p:cNvPr id="5" name="Picture 4"/>
+          <p:cNvPicPr/>
+          <p:nvPr/>
+        </p:nvPicPr>
+        <p:blipFill>
+          <a:blip r:embed="rId2"/>
+          <a:stretch>
+            <a:fillRect/>
+          </a:stretch>
+        </p:blipFill>
+        <p:spPr>
+          <a:xfrm>
+            <a:off x="1933903" y="4455262"/>
+            <a:ext cx="5390001" cy="589703"/>
+          </a:xfrm>
+          <a:prstGeom prst="rect">
+            <a:avLst/>
+          </a:prstGeom>
+        </p:spPr>
+      </p:pic>
+      <p:pic>
+        <p:nvPicPr>
+          <p:cNvPr id="8" name="Picture 7"/>
+          <p:cNvPicPr/>
+          <p:nvPr/>
+        </p:nvPicPr>
+        <p:blipFill>
+          <a:blip r:embed="rId3"/>
+          <a:stretch>
+            <a:fillRect/>
+          </a:stretch>
+        </p:blipFill>
+        <p:spPr>
+          <a:xfrm>
+            <a:off x="1933903" y="5777406"/>
+            <a:ext cx="6058685" cy="360636"/>
+          </a:xfrm>
+          <a:prstGeom prst="rect">
+            <a:avLst/>
+          </a:prstGeom>
+        </p:spPr>
+      </p:pic>
+    </p:spTree>
+    <p:extLst>
+      <p:ext uri="{BB962C8B-B14F-4D97-AF65-F5344CB8AC3E}">
+        <p14:creationId xmlns:p14="http://schemas.microsoft.com/office/powerpoint/2010/main" val="29200945"/>
+      </p:ext>
+    </p:extLst>
+  </p:cSld>
+  <p:clrMapOvr>
+    <a:masterClrMapping/>
+  </p:clrMapOvr>
+  <p:timing>
+    <p:tnLst>
+      <p:par>
+        <p:cTn id="1" dur="indefinite" restart="never" nodeType="tmRoot"/>
+      </p:par>
+    </p:tnLst>
+  </p:timing>
+</p:sld>
+</file>
+
+<file path=ppt/slides/slide9.xml><?xml version="1.0" encoding="utf-8"?>
+<p:sld xmlns:a="http://schemas.openxmlformats.org/drawingml/2006/main" xmlns:r="http://schemas.openxmlformats.org/officeDocument/2006/relationships" xmlns:p="http://schemas.openxmlformats.org/presentationml/2006/main">
+  <p:cSld>
+    <p:spTree>
+      <p:nvGrpSpPr>
+        <p:cNvPr id="1" name=""/>
+        <p:cNvGrpSpPr/>
+        <p:nvPr/>
+      </p:nvGrpSpPr>
+      <p:grpSpPr>
+        <a:xfrm>
+          <a:off x="0" y="0"/>
+          <a:ext cx="0" cy="0"/>
+          <a:chOff x="0" y="0"/>
+          <a:chExt cx="0" cy="0"/>
+        </a:xfrm>
+      </p:grpSpPr>
+      <p:sp>
+        <p:nvSpPr>
+          <p:cNvPr id="2" name="Title 1"/>
+          <p:cNvSpPr>
+            <a:spLocks noGrp="1"/>
+          </p:cNvSpPr>
+          <p:nvPr>
+            <p:ph type="title"/>
+          </p:nvPr>
+        </p:nvSpPr>
+        <p:spPr>
+          <a:xfrm>
+            <a:off x="-630621" y="90475"/>
+            <a:ext cx="5982091" cy="947350"/>
+          </a:xfrm>
+        </p:spPr>
+        <p:txBody>
+          <a:bodyPr>
+            <a:normAutofit/>
+          </a:bodyPr>
+          <a:lstStyle/>
+          <a:p>
+            <a:r>
+              <a:rPr lang="en-US" sz="2400" dirty="0" err="1">
+                <a:latin typeface="Arial" panose="020B0604020202020204" pitchFamily="34" charset="0"/>
+                <a:cs typeface="Arial" panose="020B0604020202020204" pitchFamily="34" charset="0"/>
+              </a:rPr>
+              <a:t>Giải</a:t>
+            </a:r>
+            <a:r>
+              <a:rPr lang="en-US" sz="2400" dirty="0">
+                <a:latin typeface="Arial" panose="020B0604020202020204" pitchFamily="34" charset="0"/>
+                <a:cs typeface="Arial" panose="020B0604020202020204" pitchFamily="34" charset="0"/>
+              </a:rPr>
+              <a:t> </a:t>
+            </a:r>
+            <a:r>
+              <a:rPr lang="en-US" sz="2400" dirty="0" err="1">
+                <a:latin typeface="Arial" panose="020B0604020202020204" pitchFamily="34" charset="0"/>
+                <a:cs typeface="Arial" panose="020B0604020202020204" pitchFamily="34" charset="0"/>
+              </a:rPr>
+              <a:t>thuật</a:t>
+            </a:r>
+            <a:r>
+              <a:rPr lang="en-US" sz="2400" dirty="0">
+                <a:latin typeface="Arial" panose="020B0604020202020204" pitchFamily="34" charset="0"/>
+                <a:cs typeface="Arial" panose="020B0604020202020204" pitchFamily="34" charset="0"/>
+              </a:rPr>
+              <a:t> </a:t>
+            </a:r>
+            <a:r>
+              <a:rPr lang="en-US" sz="2400" dirty="0" err="1">
+                <a:latin typeface="Arial" panose="020B0604020202020204" pitchFamily="34" charset="0"/>
+                <a:cs typeface="Arial" panose="020B0604020202020204" pitchFamily="34" charset="0"/>
+              </a:rPr>
+              <a:t>tham</a:t>
+            </a:r>
+            <a:r>
+              <a:rPr lang="en-US" sz="2400" dirty="0">
+                <a:latin typeface="Arial" panose="020B0604020202020204" pitchFamily="34" charset="0"/>
+                <a:cs typeface="Arial" panose="020B0604020202020204" pitchFamily="34" charset="0"/>
+              </a:rPr>
+              <a:t> </a:t>
+            </a:r>
+            <a:r>
+              <a:rPr lang="en-US" sz="2400" dirty="0" err="1">
+                <a:latin typeface="Arial" panose="020B0604020202020204" pitchFamily="34" charset="0"/>
+                <a:cs typeface="Arial" panose="020B0604020202020204" pitchFamily="34" charset="0"/>
+              </a:rPr>
+              <a:t>ăn</a:t>
+            </a:r>
+            <a:endParaRPr lang="en-US" sz="2400" dirty="0"/>
+          </a:p>
+        </p:txBody>
+      </p:sp>
+      <p:sp>
+        <p:nvSpPr>
+          <p:cNvPr id="3" name="Content Placeholder 2"/>
+          <p:cNvSpPr>
+            <a:spLocks noGrp="1"/>
+          </p:cNvSpPr>
+          <p:nvPr>
+            <p:ph idx="1"/>
+          </p:nvPr>
+        </p:nvSpPr>
+        <p:spPr>
+          <a:xfrm>
+            <a:off x="1124607" y="922212"/>
+            <a:ext cx="9837682" cy="5215830"/>
+          </a:xfrm>
+        </p:spPr>
+        <p:txBody>
+          <a:bodyPr>
+            <a:noAutofit/>
+          </a:bodyPr>
+          <a:lstStyle/>
+          <a:p>
+            <a:pPr marL="342900" marR="0" lvl="0" indent="-342900">
+              <a:lnSpc>
+                <a:spcPct val="107000"/>
+              </a:lnSpc>
+              <a:spcBef>
+                <a:spcPts val="0"/>
+              </a:spcBef>
+              <a:spcAft>
+                <a:spcPts val="800"/>
+              </a:spcAft>
+              <a:buFont typeface="Times New Roman" panose="02020603050405020304" pitchFamily="18" charset="0"/>
+              <a:buChar char="-"/>
+            </a:pPr>
+            <a:r>
+              <a:rPr lang="en-US" sz="2800" dirty="0" err="1">
+                <a:latin typeface="Arial" panose="020B0604020202020204" pitchFamily="34" charset="0"/>
+                <a:ea typeface="MS Mincho" panose="02020609040205080304" pitchFamily="49" charset="-128"/>
+                <a:cs typeface="Arial" panose="020B0604020202020204" pitchFamily="34" charset="0"/>
+              </a:rPr>
+              <a:t>Tính</a:t>
+            </a:r>
+            <a:r>
+              <a:rPr lang="en-US" sz="2800" dirty="0">
+                <a:latin typeface="Arial" panose="020B0604020202020204" pitchFamily="34" charset="0"/>
+                <a:ea typeface="MS Mincho" panose="02020609040205080304" pitchFamily="49" charset="-128"/>
+                <a:cs typeface="Arial" panose="020B0604020202020204" pitchFamily="34" charset="0"/>
+              </a:rPr>
+              <a:t> </a:t>
+            </a:r>
+            <a:r>
+              <a:rPr lang="en-US" sz="2800" dirty="0" err="1">
+                <a:latin typeface="Arial" panose="020B0604020202020204" pitchFamily="34" charset="0"/>
+                <a:ea typeface="MS Mincho" panose="02020609040205080304" pitchFamily="49" charset="-128"/>
+                <a:cs typeface="Arial" panose="020B0604020202020204" pitchFamily="34" charset="0"/>
+              </a:rPr>
+              <a:t>số</a:t>
+            </a:r>
+            <a:r>
+              <a:rPr lang="en-US" sz="2800" dirty="0">
+                <a:latin typeface="Arial" panose="020B0604020202020204" pitchFamily="34" charset="0"/>
+                <a:ea typeface="MS Mincho" panose="02020609040205080304" pitchFamily="49" charset="-128"/>
+                <a:cs typeface="Arial" panose="020B0604020202020204" pitchFamily="34" charset="0"/>
+              </a:rPr>
+              <a:t> </a:t>
+            </a:r>
+            <a:r>
+              <a:rPr lang="en-US" sz="2800" dirty="0" err="1">
+                <a:latin typeface="Arial" panose="020B0604020202020204" pitchFamily="34" charset="0"/>
+                <a:ea typeface="MS Mincho" panose="02020609040205080304" pitchFamily="49" charset="-128"/>
+                <a:cs typeface="Arial" panose="020B0604020202020204" pitchFamily="34" charset="0"/>
+              </a:rPr>
+              <a:t>đồ</a:t>
+            </a:r>
+            <a:r>
+              <a:rPr lang="en-US" sz="2800" dirty="0">
+                <a:latin typeface="Arial" panose="020B0604020202020204" pitchFamily="34" charset="0"/>
+                <a:ea typeface="MS Mincho" panose="02020609040205080304" pitchFamily="49" charset="-128"/>
+                <a:cs typeface="Arial" panose="020B0604020202020204" pitchFamily="34" charset="0"/>
+              </a:rPr>
+              <a:t> </a:t>
+            </a:r>
+            <a:r>
+              <a:rPr lang="en-US" sz="2800" dirty="0" err="1">
+                <a:latin typeface="Arial" panose="020B0604020202020204" pitchFamily="34" charset="0"/>
+                <a:ea typeface="MS Mincho" panose="02020609040205080304" pitchFamily="49" charset="-128"/>
+                <a:cs typeface="Arial" panose="020B0604020202020204" pitchFamily="34" charset="0"/>
+              </a:rPr>
+              <a:t>vật</a:t>
+            </a:r>
+            <a:r>
+              <a:rPr lang="en-US" sz="2800" dirty="0">
+                <a:latin typeface="Arial" panose="020B0604020202020204" pitchFamily="34" charset="0"/>
+                <a:ea typeface="MS Mincho" panose="02020609040205080304" pitchFamily="49" charset="-128"/>
+                <a:cs typeface="Arial" panose="020B0604020202020204" pitchFamily="34" charset="0"/>
+              </a:rPr>
+              <a:t> </a:t>
+            </a:r>
+            <a:r>
+              <a:rPr lang="en-US" sz="2800" dirty="0" err="1">
+                <a:latin typeface="Arial" panose="020B0604020202020204" pitchFamily="34" charset="0"/>
+                <a:ea typeface="MS Mincho" panose="02020609040205080304" pitchFamily="49" charset="-128"/>
+                <a:cs typeface="Arial" panose="020B0604020202020204" pitchFamily="34" charset="0"/>
+              </a:rPr>
+              <a:t>được</a:t>
+            </a:r>
+            <a:r>
+              <a:rPr lang="en-US" sz="2800" dirty="0">
+                <a:latin typeface="Arial" panose="020B0604020202020204" pitchFamily="34" charset="0"/>
+                <a:ea typeface="MS Mincho" panose="02020609040205080304" pitchFamily="49" charset="-128"/>
+                <a:cs typeface="Arial" panose="020B0604020202020204" pitchFamily="34" charset="0"/>
+              </a:rPr>
+              <a:t> </a:t>
+            </a:r>
+            <a:r>
+              <a:rPr lang="en-US" sz="2800" dirty="0" err="1">
+                <a:latin typeface="Arial" panose="020B0604020202020204" pitchFamily="34" charset="0"/>
+                <a:ea typeface="MS Mincho" panose="02020609040205080304" pitchFamily="49" charset="-128"/>
+                <a:cs typeface="Arial" panose="020B0604020202020204" pitchFamily="34" charset="0"/>
+              </a:rPr>
+              <a:t>chọn</a:t>
+            </a:r>
+            <a:r>
+              <a:rPr lang="en-US" sz="2800" dirty="0">
+                <a:latin typeface="Arial" panose="020B0604020202020204" pitchFamily="34" charset="0"/>
+                <a:ea typeface="MS Mincho" panose="02020609040205080304" pitchFamily="49" charset="-128"/>
+                <a:cs typeface="Arial" panose="020B0604020202020204" pitchFamily="34" charset="0"/>
+              </a:rPr>
+              <a:t> ( </a:t>
+            </a:r>
+            <a:r>
+              <a:rPr lang="en-US" sz="2800" dirty="0" err="1">
+                <a:latin typeface="Arial" panose="020B0604020202020204" pitchFamily="34" charset="0"/>
+                <a:ea typeface="MS Mincho" panose="02020609040205080304" pitchFamily="49" charset="-128"/>
+                <a:cs typeface="Arial" panose="020B0604020202020204" pitchFamily="34" charset="0"/>
+              </a:rPr>
+              <a:t>không</a:t>
+            </a:r>
+            <a:r>
+              <a:rPr lang="en-US" sz="2800" dirty="0">
+                <a:latin typeface="Arial" panose="020B0604020202020204" pitchFamily="34" charset="0"/>
+                <a:ea typeface="MS Mincho" panose="02020609040205080304" pitchFamily="49" charset="-128"/>
+                <a:cs typeface="Arial" panose="020B0604020202020204" pitchFamily="34" charset="0"/>
+              </a:rPr>
+              <a:t> </a:t>
+            </a:r>
+            <a:r>
+              <a:rPr lang="en-US" sz="2800" dirty="0" err="1">
+                <a:latin typeface="Arial" panose="020B0604020202020204" pitchFamily="34" charset="0"/>
+                <a:ea typeface="MS Mincho" panose="02020609040205080304" pitchFamily="49" charset="-128"/>
+                <a:cs typeface="Arial" panose="020B0604020202020204" pitchFamily="34" charset="0"/>
+              </a:rPr>
+              <a:t>nguyên</a:t>
+            </a:r>
+            <a:r>
+              <a:rPr lang="en-US" sz="2800" dirty="0">
+                <a:latin typeface="Arial" panose="020B0604020202020204" pitchFamily="34" charset="0"/>
+                <a:ea typeface="MS Mincho" panose="02020609040205080304" pitchFamily="49" charset="-128"/>
+                <a:cs typeface="Arial" panose="020B0604020202020204" pitchFamily="34" charset="0"/>
+              </a:rPr>
+              <a:t>)</a:t>
+            </a:r>
+          </a:p>
+          <a:p>
+            <a:pPr marL="685800" marR="0">
+              <a:lnSpc>
+                <a:spcPct val="107000"/>
+              </a:lnSpc>
+              <a:spcBef>
+                <a:spcPts val="0"/>
+              </a:spcBef>
+              <a:spcAft>
+                <a:spcPts val="800"/>
+              </a:spcAft>
+            </a:pPr>
+            <a:r>
+              <a:rPr lang="en-US" sz="2800" dirty="0" err="1" smtClean="0">
+                <a:latin typeface="Arial" panose="020B0604020202020204" pitchFamily="34" charset="0"/>
+                <a:ea typeface="MS Mincho" panose="02020609040205080304" pitchFamily="49" charset="-128"/>
+                <a:cs typeface="Arial" panose="020B0604020202020204" pitchFamily="34" charset="0"/>
+              </a:rPr>
+              <a:t>Nếu</a:t>
+            </a:r>
+            <a:r>
+              <a:rPr lang="en-US" sz="2800" dirty="0" smtClean="0">
+                <a:latin typeface="Arial" panose="020B0604020202020204" pitchFamily="34" charset="0"/>
+                <a:ea typeface="MS Mincho" panose="02020609040205080304" pitchFamily="49" charset="-128"/>
+                <a:cs typeface="Arial" panose="020B0604020202020204" pitchFamily="34" charset="0"/>
+              </a:rPr>
+              <a:t> </a:t>
+            </a:r>
+            <a:r>
+              <a:rPr lang="en-US" sz="2800" dirty="0" err="1">
+                <a:latin typeface="Arial" panose="020B0604020202020204" pitchFamily="34" charset="0"/>
+                <a:ea typeface="MS Mincho" panose="02020609040205080304" pitchFamily="49" charset="-128"/>
+                <a:cs typeface="Arial" panose="020B0604020202020204" pitchFamily="34" charset="0"/>
+              </a:rPr>
+              <a:t>trọng</a:t>
+            </a:r>
+            <a:r>
+              <a:rPr lang="en-US" sz="2800" dirty="0">
+                <a:latin typeface="Arial" panose="020B0604020202020204" pitchFamily="34" charset="0"/>
+                <a:ea typeface="MS Mincho" panose="02020609040205080304" pitchFamily="49" charset="-128"/>
+                <a:cs typeface="Arial" panose="020B0604020202020204" pitchFamily="34" charset="0"/>
+              </a:rPr>
+              <a:t> </a:t>
+            </a:r>
+            <a:r>
+              <a:rPr lang="en-US" sz="2800" dirty="0" err="1">
+                <a:latin typeface="Arial" panose="020B0604020202020204" pitchFamily="34" charset="0"/>
+                <a:ea typeface="MS Mincho" panose="02020609040205080304" pitchFamily="49" charset="-128"/>
+                <a:cs typeface="Arial" panose="020B0604020202020204" pitchFamily="34" charset="0"/>
+              </a:rPr>
+              <a:t>lượng</a:t>
+            </a:r>
+            <a:r>
+              <a:rPr lang="en-US" sz="2800" dirty="0">
+                <a:latin typeface="Arial" panose="020B0604020202020204" pitchFamily="34" charset="0"/>
+                <a:ea typeface="MS Mincho" panose="02020609040205080304" pitchFamily="49" charset="-128"/>
+                <a:cs typeface="Arial" panose="020B0604020202020204" pitchFamily="34" charset="0"/>
+              </a:rPr>
+              <a:t> </a:t>
+            </a:r>
+            <a:r>
+              <a:rPr lang="en-US" sz="2800" dirty="0" err="1">
+                <a:latin typeface="Arial" panose="020B0604020202020204" pitchFamily="34" charset="0"/>
+                <a:ea typeface="MS Mincho" panose="02020609040205080304" pitchFamily="49" charset="-128"/>
+                <a:cs typeface="Arial" panose="020B0604020202020204" pitchFamily="34" charset="0"/>
+              </a:rPr>
+              <a:t>của</a:t>
+            </a:r>
+            <a:r>
+              <a:rPr lang="en-US" sz="2800" dirty="0">
+                <a:latin typeface="Arial" panose="020B0604020202020204" pitchFamily="34" charset="0"/>
+                <a:ea typeface="MS Mincho" panose="02020609040205080304" pitchFamily="49" charset="-128"/>
+                <a:cs typeface="Arial" panose="020B0604020202020204" pitchFamily="34" charset="0"/>
+              </a:rPr>
+              <a:t> </a:t>
+            </a:r>
+            <a:r>
+              <a:rPr lang="en-US" sz="2800" dirty="0" err="1">
+                <a:latin typeface="Arial" panose="020B0604020202020204" pitchFamily="34" charset="0"/>
+                <a:ea typeface="MS Mincho" panose="02020609040205080304" pitchFamily="49" charset="-128"/>
+                <a:cs typeface="Arial" panose="020B0604020202020204" pitchFamily="34" charset="0"/>
+              </a:rPr>
+              <a:t>vật</a:t>
+            </a:r>
+            <a:r>
+              <a:rPr lang="en-US" sz="2800" dirty="0">
+                <a:latin typeface="Arial" panose="020B0604020202020204" pitchFamily="34" charset="0"/>
+                <a:ea typeface="MS Mincho" panose="02020609040205080304" pitchFamily="49" charset="-128"/>
+                <a:cs typeface="Arial" panose="020B0604020202020204" pitchFamily="34" charset="0"/>
+              </a:rPr>
+              <a:t> </a:t>
+            </a:r>
+            <a:r>
+              <a:rPr lang="en-US" sz="2800" dirty="0" err="1">
+                <a:latin typeface="Arial" panose="020B0604020202020204" pitchFamily="34" charset="0"/>
+                <a:ea typeface="MS Mincho" panose="02020609040205080304" pitchFamily="49" charset="-128"/>
+                <a:cs typeface="Arial" panose="020B0604020202020204" pitchFamily="34" charset="0"/>
+              </a:rPr>
+              <a:t>thứ</a:t>
+            </a:r>
+            <a:r>
+              <a:rPr lang="en-US" sz="2800" dirty="0">
+                <a:latin typeface="Arial" panose="020B0604020202020204" pitchFamily="34" charset="0"/>
+                <a:ea typeface="MS Mincho" panose="02020609040205080304" pitchFamily="49" charset="-128"/>
+                <a:cs typeface="Arial" panose="020B0604020202020204" pitchFamily="34" charset="0"/>
+              </a:rPr>
+              <a:t> </a:t>
+            </a:r>
+            <a:r>
+              <a:rPr lang="en-US" sz="2800" dirty="0" err="1">
+                <a:latin typeface="Arial" panose="020B0604020202020204" pitchFamily="34" charset="0"/>
+                <a:ea typeface="MS Mincho" panose="02020609040205080304" pitchFamily="49" charset="-128"/>
+                <a:cs typeface="Arial" panose="020B0604020202020204" pitchFamily="34" charset="0"/>
+              </a:rPr>
+              <a:t>i</a:t>
+            </a:r>
+            <a:r>
+              <a:rPr lang="en-US" sz="2800" dirty="0">
+                <a:latin typeface="Arial" panose="020B0604020202020204" pitchFamily="34" charset="0"/>
+                <a:ea typeface="MS Mincho" panose="02020609040205080304" pitchFamily="49" charset="-128"/>
+                <a:cs typeface="Arial" panose="020B0604020202020204" pitchFamily="34" charset="0"/>
+              </a:rPr>
+              <a:t> &lt; = </a:t>
+            </a:r>
+            <a:r>
+              <a:rPr lang="en-US" sz="2800" dirty="0" err="1">
+                <a:latin typeface="Arial" panose="020B0604020202020204" pitchFamily="34" charset="0"/>
+                <a:ea typeface="MS Mincho" panose="02020609040205080304" pitchFamily="49" charset="-128"/>
+                <a:cs typeface="Arial" panose="020B0604020202020204" pitchFamily="34" charset="0"/>
+              </a:rPr>
+              <a:t>trọng</a:t>
+            </a:r>
+            <a:r>
+              <a:rPr lang="en-US" sz="2800" dirty="0">
+                <a:latin typeface="Arial" panose="020B0604020202020204" pitchFamily="34" charset="0"/>
+                <a:ea typeface="MS Mincho" panose="02020609040205080304" pitchFamily="49" charset="-128"/>
+                <a:cs typeface="Arial" panose="020B0604020202020204" pitchFamily="34" charset="0"/>
+              </a:rPr>
+              <a:t> </a:t>
+            </a:r>
+            <a:r>
+              <a:rPr lang="en-US" sz="2800" dirty="0" err="1">
+                <a:latin typeface="Arial" panose="020B0604020202020204" pitchFamily="34" charset="0"/>
+                <a:ea typeface="MS Mincho" panose="02020609040205080304" pitchFamily="49" charset="-128"/>
+                <a:cs typeface="Arial" panose="020B0604020202020204" pitchFamily="34" charset="0"/>
+              </a:rPr>
+              <a:t>lượng</a:t>
+            </a:r>
+            <a:r>
+              <a:rPr lang="en-US" sz="2800" dirty="0">
+                <a:latin typeface="Arial" panose="020B0604020202020204" pitchFamily="34" charset="0"/>
+                <a:ea typeface="MS Mincho" panose="02020609040205080304" pitchFamily="49" charset="-128"/>
+                <a:cs typeface="Arial" panose="020B0604020202020204" pitchFamily="34" charset="0"/>
+              </a:rPr>
+              <a:t> Max </a:t>
+            </a:r>
+            <a:r>
+              <a:rPr lang="en-US" sz="2800" dirty="0" err="1">
+                <a:latin typeface="Arial" panose="020B0604020202020204" pitchFamily="34" charset="0"/>
+                <a:ea typeface="MS Mincho" panose="02020609040205080304" pitchFamily="49" charset="-128"/>
+                <a:cs typeface="Arial" panose="020B0604020202020204" pitchFamily="34" charset="0"/>
+              </a:rPr>
+              <a:t>thì</a:t>
+            </a:r>
+            <a:r>
+              <a:rPr lang="en-US" sz="2800" dirty="0">
+                <a:latin typeface="Arial" panose="020B0604020202020204" pitchFamily="34" charset="0"/>
+                <a:ea typeface="MS Mincho" panose="02020609040205080304" pitchFamily="49" charset="-128"/>
+                <a:cs typeface="Arial" panose="020B0604020202020204" pitchFamily="34" charset="0"/>
+              </a:rPr>
+              <a:t> </a:t>
+            </a:r>
+            <a:r>
+              <a:rPr lang="en-US" sz="2800" dirty="0" err="1">
+                <a:latin typeface="Arial" panose="020B0604020202020204" pitchFamily="34" charset="0"/>
+                <a:ea typeface="MS Mincho" panose="02020609040205080304" pitchFamily="49" charset="-128"/>
+                <a:cs typeface="Arial" panose="020B0604020202020204" pitchFamily="34" charset="0"/>
+              </a:rPr>
+              <a:t>đồ</a:t>
+            </a:r>
+            <a:r>
+              <a:rPr lang="en-US" sz="2800" dirty="0">
+                <a:latin typeface="Arial" panose="020B0604020202020204" pitchFamily="34" charset="0"/>
+                <a:ea typeface="MS Mincho" panose="02020609040205080304" pitchFamily="49" charset="-128"/>
+                <a:cs typeface="Arial" panose="020B0604020202020204" pitchFamily="34" charset="0"/>
+              </a:rPr>
+              <a:t> </a:t>
+            </a:r>
+            <a:r>
+              <a:rPr lang="en-US" sz="2800" dirty="0" err="1">
+                <a:latin typeface="Arial" panose="020B0604020202020204" pitchFamily="34" charset="0"/>
+                <a:ea typeface="MS Mincho" panose="02020609040205080304" pitchFamily="49" charset="-128"/>
+                <a:cs typeface="Arial" panose="020B0604020202020204" pitchFamily="34" charset="0"/>
+              </a:rPr>
+              <a:t>vật</a:t>
+            </a:r>
+            <a:r>
+              <a:rPr lang="en-US" sz="2800" dirty="0">
+                <a:latin typeface="Arial" panose="020B0604020202020204" pitchFamily="34" charset="0"/>
+                <a:ea typeface="MS Mincho" panose="02020609040205080304" pitchFamily="49" charset="-128"/>
+                <a:cs typeface="Arial" panose="020B0604020202020204" pitchFamily="34" charset="0"/>
+              </a:rPr>
+              <a:t> dc </a:t>
+            </a:r>
+            <a:r>
+              <a:rPr lang="en-US" sz="2800" dirty="0" err="1">
+                <a:latin typeface="Arial" panose="020B0604020202020204" pitchFamily="34" charset="0"/>
+                <a:ea typeface="MS Mincho" panose="02020609040205080304" pitchFamily="49" charset="-128"/>
+                <a:cs typeface="Arial" panose="020B0604020202020204" pitchFamily="34" charset="0"/>
+              </a:rPr>
+              <a:t>chọn</a:t>
+            </a:r>
+            <a:r>
+              <a:rPr lang="en-US" sz="2800" dirty="0">
+                <a:latin typeface="Arial" panose="020B0604020202020204" pitchFamily="34" charset="0"/>
+                <a:ea typeface="MS Mincho" panose="02020609040205080304" pitchFamily="49" charset="-128"/>
+                <a:cs typeface="Arial" panose="020B0604020202020204" pitchFamily="34" charset="0"/>
+              </a:rPr>
+              <a:t>  fractions[</a:t>
+            </a:r>
+            <a:r>
+              <a:rPr lang="en-US" sz="2800" dirty="0" err="1">
+                <a:latin typeface="Arial" panose="020B0604020202020204" pitchFamily="34" charset="0"/>
+                <a:ea typeface="MS Mincho" panose="02020609040205080304" pitchFamily="49" charset="-128"/>
+                <a:cs typeface="Arial" panose="020B0604020202020204" pitchFamily="34" charset="0"/>
+              </a:rPr>
+              <a:t>i</a:t>
+            </a:r>
+            <a:r>
+              <a:rPr lang="en-US" sz="2800" dirty="0">
+                <a:latin typeface="Arial" panose="020B0604020202020204" pitchFamily="34" charset="0"/>
+                <a:ea typeface="MS Mincho" panose="02020609040205080304" pitchFamily="49" charset="-128"/>
+                <a:cs typeface="Arial" panose="020B0604020202020204" pitchFamily="34" charset="0"/>
+              </a:rPr>
+              <a:t>] = 1, </a:t>
+            </a:r>
+            <a:r>
+              <a:rPr lang="en-US" sz="2800" dirty="0" err="1">
+                <a:latin typeface="Arial" panose="020B0604020202020204" pitchFamily="34" charset="0"/>
+                <a:ea typeface="MS Mincho" panose="02020609040205080304" pitchFamily="49" charset="-128"/>
+                <a:cs typeface="Arial" panose="020B0604020202020204" pitchFamily="34" charset="0"/>
+              </a:rPr>
+              <a:t>giảm</a:t>
+            </a:r>
+            <a:r>
+              <a:rPr lang="en-US" sz="2800" dirty="0">
+                <a:latin typeface="Arial" panose="020B0604020202020204" pitchFamily="34" charset="0"/>
+                <a:ea typeface="MS Mincho" panose="02020609040205080304" pitchFamily="49" charset="-128"/>
+                <a:cs typeface="Arial" panose="020B0604020202020204" pitchFamily="34" charset="0"/>
+              </a:rPr>
+              <a:t> </a:t>
+            </a:r>
+            <a:r>
+              <a:rPr lang="en-US" sz="2800" dirty="0" err="1">
+                <a:latin typeface="Arial" panose="020B0604020202020204" pitchFamily="34" charset="0"/>
+                <a:ea typeface="MS Mincho" panose="02020609040205080304" pitchFamily="49" charset="-128"/>
+                <a:cs typeface="Arial" panose="020B0604020202020204" pitchFamily="34" charset="0"/>
+              </a:rPr>
+              <a:t>trọng</a:t>
+            </a:r>
+            <a:r>
+              <a:rPr lang="en-US" sz="2800" dirty="0">
+                <a:latin typeface="Arial" panose="020B0604020202020204" pitchFamily="34" charset="0"/>
+                <a:ea typeface="MS Mincho" panose="02020609040205080304" pitchFamily="49" charset="-128"/>
+                <a:cs typeface="Arial" panose="020B0604020202020204" pitchFamily="34" charset="0"/>
+              </a:rPr>
+              <a:t> </a:t>
+            </a:r>
+            <a:r>
+              <a:rPr lang="en-US" sz="2800" dirty="0" err="1">
+                <a:latin typeface="Arial" panose="020B0604020202020204" pitchFamily="34" charset="0"/>
+                <a:ea typeface="MS Mincho" panose="02020609040205080304" pitchFamily="49" charset="-128"/>
+                <a:cs typeface="Arial" panose="020B0604020202020204" pitchFamily="34" charset="0"/>
+              </a:rPr>
+              <a:t>lượng</a:t>
+            </a:r>
+            <a:r>
+              <a:rPr lang="en-US" sz="2800" dirty="0">
+                <a:latin typeface="Arial" panose="020B0604020202020204" pitchFamily="34" charset="0"/>
+                <a:ea typeface="MS Mincho" panose="02020609040205080304" pitchFamily="49" charset="-128"/>
+                <a:cs typeface="Arial" panose="020B0604020202020204" pitchFamily="34" charset="0"/>
+              </a:rPr>
+              <a:t> Max </a:t>
+            </a:r>
+            <a:r>
+              <a:rPr lang="en-US" sz="2800" dirty="0" err="1">
+                <a:latin typeface="Arial" panose="020B0604020202020204" pitchFamily="34" charset="0"/>
+                <a:ea typeface="MS Mincho" panose="02020609040205080304" pitchFamily="49" charset="-128"/>
+                <a:cs typeface="Arial" panose="020B0604020202020204" pitchFamily="34" charset="0"/>
+              </a:rPr>
+              <a:t>xuống</a:t>
+            </a:r>
+            <a:r>
+              <a:rPr lang="en-US" sz="2800" dirty="0">
+                <a:latin typeface="Arial" panose="020B0604020202020204" pitchFamily="34" charset="0"/>
+                <a:ea typeface="MS Mincho" panose="02020609040205080304" pitchFamily="49" charset="-128"/>
+                <a:cs typeface="Arial" panose="020B0604020202020204" pitchFamily="34" charset="0"/>
+              </a:rPr>
+              <a:t>, </a:t>
+            </a:r>
+            <a:r>
+              <a:rPr lang="en-US" sz="2800" dirty="0" err="1">
+                <a:latin typeface="Arial" panose="020B0604020202020204" pitchFamily="34" charset="0"/>
+                <a:ea typeface="MS Mincho" panose="02020609040205080304" pitchFamily="49" charset="-128"/>
+                <a:cs typeface="Arial" panose="020B0604020202020204" pitchFamily="34" charset="0"/>
+              </a:rPr>
+              <a:t>tổng</a:t>
+            </a:r>
+            <a:r>
+              <a:rPr lang="en-US" sz="2800" dirty="0">
+                <a:latin typeface="Arial" panose="020B0604020202020204" pitchFamily="34" charset="0"/>
+                <a:ea typeface="MS Mincho" panose="02020609040205080304" pitchFamily="49" charset="-128"/>
+                <a:cs typeface="Arial" panose="020B0604020202020204" pitchFamily="34" charset="0"/>
+              </a:rPr>
+              <a:t> </a:t>
+            </a:r>
+            <a:r>
+              <a:rPr lang="en-US" sz="2800" dirty="0" err="1">
+                <a:latin typeface="Arial" panose="020B0604020202020204" pitchFamily="34" charset="0"/>
+                <a:ea typeface="MS Mincho" panose="02020609040205080304" pitchFamily="49" charset="-128"/>
+                <a:cs typeface="Arial" panose="020B0604020202020204" pitchFamily="34" charset="0"/>
+              </a:rPr>
+              <a:t>giá</a:t>
+            </a:r>
+            <a:r>
+              <a:rPr lang="en-US" sz="2800" dirty="0">
+                <a:latin typeface="Arial" panose="020B0604020202020204" pitchFamily="34" charset="0"/>
+                <a:ea typeface="MS Mincho" panose="02020609040205080304" pitchFamily="49" charset="-128"/>
+                <a:cs typeface="Arial" panose="020B0604020202020204" pitchFamily="34" charset="0"/>
+              </a:rPr>
+              <a:t> </a:t>
+            </a:r>
+            <a:r>
+              <a:rPr lang="en-US" sz="2800" dirty="0" err="1">
+                <a:latin typeface="Arial" panose="020B0604020202020204" pitchFamily="34" charset="0"/>
+                <a:ea typeface="MS Mincho" panose="02020609040205080304" pitchFamily="49" charset="-128"/>
+                <a:cs typeface="Arial" panose="020B0604020202020204" pitchFamily="34" charset="0"/>
+              </a:rPr>
+              <a:t>trị</a:t>
+            </a:r>
+            <a:r>
+              <a:rPr lang="en-US" sz="2800" dirty="0">
+                <a:latin typeface="Arial" panose="020B0604020202020204" pitchFamily="34" charset="0"/>
+                <a:ea typeface="MS Mincho" panose="02020609040205080304" pitchFamily="49" charset="-128"/>
+                <a:cs typeface="Arial" panose="020B0604020202020204" pitchFamily="34" charset="0"/>
+              </a:rPr>
+              <a:t> + </a:t>
+            </a:r>
+            <a:r>
+              <a:rPr lang="en-US" sz="2800" dirty="0" err="1">
+                <a:latin typeface="Arial" panose="020B0604020202020204" pitchFamily="34" charset="0"/>
+                <a:ea typeface="MS Mincho" panose="02020609040205080304" pitchFamily="49" charset="-128"/>
+                <a:cs typeface="Arial" panose="020B0604020202020204" pitchFamily="34" charset="0"/>
+              </a:rPr>
+              <a:t>thêm</a:t>
+            </a:r>
+            <a:r>
+              <a:rPr lang="en-US" sz="2800" dirty="0">
+                <a:latin typeface="Arial" panose="020B0604020202020204" pitchFamily="34" charset="0"/>
+                <a:ea typeface="MS Mincho" panose="02020609040205080304" pitchFamily="49" charset="-128"/>
+                <a:cs typeface="Arial" panose="020B0604020202020204" pitchFamily="34" charset="0"/>
+              </a:rPr>
+              <a:t> </a:t>
+            </a:r>
+            <a:r>
+              <a:rPr lang="en-US" sz="2800" dirty="0" err="1">
+                <a:latin typeface="Arial" panose="020B0604020202020204" pitchFamily="34" charset="0"/>
+                <a:ea typeface="MS Mincho" panose="02020609040205080304" pitchFamily="49" charset="-128"/>
+                <a:cs typeface="Arial" panose="020B0604020202020204" pitchFamily="34" charset="0"/>
+              </a:rPr>
+              <a:t>giá</a:t>
+            </a:r>
+            <a:r>
+              <a:rPr lang="en-US" sz="2800" dirty="0">
+                <a:latin typeface="Arial" panose="020B0604020202020204" pitchFamily="34" charset="0"/>
+                <a:ea typeface="MS Mincho" panose="02020609040205080304" pitchFamily="49" charset="-128"/>
+                <a:cs typeface="Arial" panose="020B0604020202020204" pitchFamily="34" charset="0"/>
+              </a:rPr>
+              <a:t> </a:t>
+            </a:r>
+            <a:r>
+              <a:rPr lang="en-US" sz="2800" dirty="0" err="1">
+                <a:latin typeface="Arial" panose="020B0604020202020204" pitchFamily="34" charset="0"/>
+                <a:ea typeface="MS Mincho" panose="02020609040205080304" pitchFamily="49" charset="-128"/>
+                <a:cs typeface="Arial" panose="020B0604020202020204" pitchFamily="34" charset="0"/>
+              </a:rPr>
+              <a:t>trị</a:t>
+            </a:r>
+            <a:r>
+              <a:rPr lang="en-US" sz="2800" dirty="0">
+                <a:latin typeface="Arial" panose="020B0604020202020204" pitchFamily="34" charset="0"/>
+                <a:ea typeface="MS Mincho" panose="02020609040205080304" pitchFamily="49" charset="-128"/>
+                <a:cs typeface="Arial" panose="020B0604020202020204" pitchFamily="34" charset="0"/>
+              </a:rPr>
+              <a:t> </a:t>
+            </a:r>
+            <a:r>
+              <a:rPr lang="en-US" sz="2800" dirty="0" err="1">
+                <a:latin typeface="Arial" panose="020B0604020202020204" pitchFamily="34" charset="0"/>
+                <a:ea typeface="MS Mincho" panose="02020609040205080304" pitchFamily="49" charset="-128"/>
+                <a:cs typeface="Arial" panose="020B0604020202020204" pitchFamily="34" charset="0"/>
+              </a:rPr>
+              <a:t>đồ</a:t>
+            </a:r>
+            <a:r>
+              <a:rPr lang="en-US" sz="2800" dirty="0">
+                <a:latin typeface="Arial" panose="020B0604020202020204" pitchFamily="34" charset="0"/>
+                <a:ea typeface="MS Mincho" panose="02020609040205080304" pitchFamily="49" charset="-128"/>
+                <a:cs typeface="Arial" panose="020B0604020202020204" pitchFamily="34" charset="0"/>
+              </a:rPr>
+              <a:t> </a:t>
+            </a:r>
+            <a:r>
+              <a:rPr lang="en-US" sz="2800" dirty="0" err="1">
+                <a:latin typeface="Arial" panose="020B0604020202020204" pitchFamily="34" charset="0"/>
+                <a:ea typeface="MS Mincho" panose="02020609040205080304" pitchFamily="49" charset="-128"/>
+                <a:cs typeface="Arial" panose="020B0604020202020204" pitchFamily="34" charset="0"/>
+              </a:rPr>
+              <a:t>vật</a:t>
+            </a:r>
+            <a:r>
+              <a:rPr lang="en-US" sz="2800" dirty="0">
+                <a:latin typeface="Arial" panose="020B0604020202020204" pitchFamily="34" charset="0"/>
+                <a:ea typeface="MS Mincho" panose="02020609040205080304" pitchFamily="49" charset="-128"/>
+                <a:cs typeface="Arial" panose="020B0604020202020204" pitchFamily="34" charset="0"/>
+              </a:rPr>
+              <a:t> </a:t>
+            </a:r>
+            <a:r>
+              <a:rPr lang="en-US" sz="2800" dirty="0" err="1">
+                <a:latin typeface="Arial" panose="020B0604020202020204" pitchFamily="34" charset="0"/>
+                <a:ea typeface="MS Mincho" panose="02020609040205080304" pitchFamily="49" charset="-128"/>
+                <a:cs typeface="Arial" panose="020B0604020202020204" pitchFamily="34" charset="0"/>
+              </a:rPr>
+              <a:t>được</a:t>
+            </a:r>
+            <a:r>
+              <a:rPr lang="en-US" sz="2800" dirty="0">
+                <a:latin typeface="Arial" panose="020B0604020202020204" pitchFamily="34" charset="0"/>
+                <a:ea typeface="MS Mincho" panose="02020609040205080304" pitchFamily="49" charset="-128"/>
+                <a:cs typeface="Arial" panose="020B0604020202020204" pitchFamily="34" charset="0"/>
+              </a:rPr>
+              <a:t> </a:t>
+            </a:r>
+            <a:r>
+              <a:rPr lang="en-US" sz="2800" dirty="0" err="1">
+                <a:latin typeface="Arial" panose="020B0604020202020204" pitchFamily="34" charset="0"/>
+                <a:ea typeface="MS Mincho" panose="02020609040205080304" pitchFamily="49" charset="-128"/>
+                <a:cs typeface="Arial" panose="020B0604020202020204" pitchFamily="34" charset="0"/>
+              </a:rPr>
+              <a:t>chọn</a:t>
+            </a:r>
+            <a:r>
+              <a:rPr lang="en-US" sz="2800" dirty="0">
+                <a:latin typeface="Arial" panose="020B0604020202020204" pitchFamily="34" charset="0"/>
+                <a:ea typeface="MS Mincho" panose="02020609040205080304" pitchFamily="49" charset="-128"/>
+                <a:cs typeface="Arial" panose="020B0604020202020204" pitchFamily="34" charset="0"/>
+              </a:rPr>
+              <a:t>.</a:t>
+            </a:r>
+          </a:p>
+          <a:p>
+            <a:pPr marL="685800" marR="0">
+              <a:lnSpc>
+                <a:spcPct val="107000"/>
+              </a:lnSpc>
+              <a:spcBef>
+                <a:spcPts val="0"/>
+              </a:spcBef>
+              <a:spcAft>
+                <a:spcPts val="800"/>
+              </a:spcAft>
+            </a:pPr>
+            <a:r>
+              <a:rPr lang="en-US" sz="2800" dirty="0" err="1" smtClean="0">
+                <a:latin typeface="Arial" panose="020B0604020202020204" pitchFamily="34" charset="0"/>
+                <a:ea typeface="MS Mincho" panose="02020609040205080304" pitchFamily="49" charset="-128"/>
+                <a:cs typeface="Arial" panose="020B0604020202020204" pitchFamily="34" charset="0"/>
+              </a:rPr>
+              <a:t>Ngược</a:t>
+            </a:r>
+            <a:r>
+              <a:rPr lang="en-US" sz="2800" dirty="0" smtClean="0">
+                <a:latin typeface="Arial" panose="020B0604020202020204" pitchFamily="34" charset="0"/>
+                <a:ea typeface="MS Mincho" panose="02020609040205080304" pitchFamily="49" charset="-128"/>
+                <a:cs typeface="Arial" panose="020B0604020202020204" pitchFamily="34" charset="0"/>
+              </a:rPr>
+              <a:t> </a:t>
+            </a:r>
+            <a:r>
+              <a:rPr lang="en-US" sz="2800" dirty="0" err="1">
+                <a:latin typeface="Arial" panose="020B0604020202020204" pitchFamily="34" charset="0"/>
+                <a:ea typeface="MS Mincho" panose="02020609040205080304" pitchFamily="49" charset="-128"/>
+                <a:cs typeface="Arial" panose="020B0604020202020204" pitchFamily="34" charset="0"/>
+              </a:rPr>
+              <a:t>lại</a:t>
+            </a:r>
+            <a:r>
+              <a:rPr lang="en-US" sz="2800" dirty="0">
+                <a:latin typeface="Arial" panose="020B0604020202020204" pitchFamily="34" charset="0"/>
+                <a:ea typeface="MS Mincho" panose="02020609040205080304" pitchFamily="49" charset="-128"/>
+                <a:cs typeface="Arial" panose="020B0604020202020204" pitchFamily="34" charset="0"/>
+              </a:rPr>
+              <a:t> fractions[</a:t>
+            </a:r>
+            <a:r>
+              <a:rPr lang="en-US" sz="2800" dirty="0" err="1">
+                <a:latin typeface="Arial" panose="020B0604020202020204" pitchFamily="34" charset="0"/>
+                <a:ea typeface="MS Mincho" panose="02020609040205080304" pitchFamily="49" charset="-128"/>
+                <a:cs typeface="Arial" panose="020B0604020202020204" pitchFamily="34" charset="0"/>
+              </a:rPr>
+              <a:t>i</a:t>
+            </a:r>
+            <a:r>
+              <a:rPr lang="en-US" sz="2800" dirty="0">
+                <a:latin typeface="Arial" panose="020B0604020202020204" pitchFamily="34" charset="0"/>
+                <a:ea typeface="MS Mincho" panose="02020609040205080304" pitchFamily="49" charset="-128"/>
+                <a:cs typeface="Arial" panose="020B0604020202020204" pitchFamily="34" charset="0"/>
+              </a:rPr>
+              <a:t>] = </a:t>
+            </a:r>
+            <a:r>
+              <a:rPr lang="en-US" sz="2800" dirty="0" err="1">
+                <a:latin typeface="Arial" panose="020B0604020202020204" pitchFamily="34" charset="0"/>
+                <a:ea typeface="MS Mincho" panose="02020609040205080304" pitchFamily="49" charset="-128"/>
+                <a:cs typeface="Arial" panose="020B0604020202020204" pitchFamily="34" charset="0"/>
+              </a:rPr>
+              <a:t>trọng</a:t>
+            </a:r>
+            <a:r>
+              <a:rPr lang="en-US" sz="2800" dirty="0">
+                <a:latin typeface="Arial" panose="020B0604020202020204" pitchFamily="34" charset="0"/>
+                <a:ea typeface="MS Mincho" panose="02020609040205080304" pitchFamily="49" charset="-128"/>
+                <a:cs typeface="Arial" panose="020B0604020202020204" pitchFamily="34" charset="0"/>
+              </a:rPr>
+              <a:t> </a:t>
+            </a:r>
+            <a:r>
+              <a:rPr lang="en-US" sz="2800" dirty="0" err="1">
+                <a:latin typeface="Arial" panose="020B0604020202020204" pitchFamily="34" charset="0"/>
+                <a:ea typeface="MS Mincho" panose="02020609040205080304" pitchFamily="49" charset="-128"/>
+                <a:cs typeface="Arial" panose="020B0604020202020204" pitchFamily="34" charset="0"/>
+              </a:rPr>
+              <a:t>lượng</a:t>
+            </a:r>
+            <a:r>
+              <a:rPr lang="en-US" sz="2800" dirty="0">
+                <a:latin typeface="Arial" panose="020B0604020202020204" pitchFamily="34" charset="0"/>
+                <a:ea typeface="MS Mincho" panose="02020609040205080304" pitchFamily="49" charset="-128"/>
+                <a:cs typeface="Arial" panose="020B0604020202020204" pitchFamily="34" charset="0"/>
+              </a:rPr>
+              <a:t> Max / </a:t>
+            </a:r>
+            <a:r>
+              <a:rPr lang="en-US" sz="2800" dirty="0" err="1">
+                <a:latin typeface="Arial" panose="020B0604020202020204" pitchFamily="34" charset="0"/>
+                <a:ea typeface="MS Mincho" panose="02020609040205080304" pitchFamily="49" charset="-128"/>
+                <a:cs typeface="Arial" panose="020B0604020202020204" pitchFamily="34" charset="0"/>
+              </a:rPr>
+              <a:t>trọng</a:t>
+            </a:r>
+            <a:r>
+              <a:rPr lang="en-US" sz="2800" dirty="0">
+                <a:latin typeface="Arial" panose="020B0604020202020204" pitchFamily="34" charset="0"/>
+                <a:ea typeface="MS Mincho" panose="02020609040205080304" pitchFamily="49" charset="-128"/>
+                <a:cs typeface="Arial" panose="020B0604020202020204" pitchFamily="34" charset="0"/>
+              </a:rPr>
+              <a:t> </a:t>
+            </a:r>
+            <a:r>
+              <a:rPr lang="en-US" sz="2800" dirty="0" err="1">
+                <a:latin typeface="Arial" panose="020B0604020202020204" pitchFamily="34" charset="0"/>
+                <a:ea typeface="MS Mincho" panose="02020609040205080304" pitchFamily="49" charset="-128"/>
+                <a:cs typeface="Arial" panose="020B0604020202020204" pitchFamily="34" charset="0"/>
+              </a:rPr>
+              <a:t>lượng</a:t>
+            </a:r>
+            <a:r>
+              <a:rPr lang="en-US" sz="2800" dirty="0">
+                <a:latin typeface="Arial" panose="020B0604020202020204" pitchFamily="34" charset="0"/>
+                <a:ea typeface="MS Mincho" panose="02020609040205080304" pitchFamily="49" charset="-128"/>
+                <a:cs typeface="Arial" panose="020B0604020202020204" pitchFamily="34" charset="0"/>
+              </a:rPr>
+              <a:t> </a:t>
+            </a:r>
+            <a:r>
+              <a:rPr lang="en-US" sz="2800" dirty="0" err="1">
+                <a:latin typeface="Arial" panose="020B0604020202020204" pitchFamily="34" charset="0"/>
+                <a:ea typeface="MS Mincho" panose="02020609040205080304" pitchFamily="49" charset="-128"/>
+                <a:cs typeface="Arial" panose="020B0604020202020204" pitchFamily="34" charset="0"/>
+              </a:rPr>
+              <a:t>đồ</a:t>
+            </a:r>
+            <a:r>
+              <a:rPr lang="en-US" sz="2800" dirty="0">
+                <a:latin typeface="Arial" panose="020B0604020202020204" pitchFamily="34" charset="0"/>
+                <a:ea typeface="MS Mincho" panose="02020609040205080304" pitchFamily="49" charset="-128"/>
+                <a:cs typeface="Arial" panose="020B0604020202020204" pitchFamily="34" charset="0"/>
+              </a:rPr>
+              <a:t> </a:t>
+            </a:r>
+            <a:r>
+              <a:rPr lang="en-US" sz="2800" dirty="0" err="1">
+                <a:latin typeface="Arial" panose="020B0604020202020204" pitchFamily="34" charset="0"/>
+                <a:ea typeface="MS Mincho" panose="02020609040205080304" pitchFamily="49" charset="-128"/>
+                <a:cs typeface="Arial" panose="020B0604020202020204" pitchFamily="34" charset="0"/>
+              </a:rPr>
+              <a:t>vật</a:t>
+            </a:r>
+            <a:r>
+              <a:rPr lang="en-US" sz="2800" dirty="0">
+                <a:latin typeface="Arial" panose="020B0604020202020204" pitchFamily="34" charset="0"/>
+                <a:ea typeface="MS Mincho" panose="02020609040205080304" pitchFamily="49" charset="-128"/>
+                <a:cs typeface="Arial" panose="020B0604020202020204" pitchFamily="34" charset="0"/>
+              </a:rPr>
+              <a:t> </a:t>
+            </a:r>
+            <a:r>
+              <a:rPr lang="en-US" sz="2800" dirty="0" err="1">
+                <a:latin typeface="Arial" panose="020B0604020202020204" pitchFamily="34" charset="0"/>
+                <a:ea typeface="MS Mincho" panose="02020609040205080304" pitchFamily="49" charset="-128"/>
+                <a:cs typeface="Arial" panose="020B0604020202020204" pitchFamily="34" charset="0"/>
+              </a:rPr>
+              <a:t>thứ</a:t>
+            </a:r>
+            <a:r>
+              <a:rPr lang="en-US" sz="2800" dirty="0">
+                <a:latin typeface="Arial" panose="020B0604020202020204" pitchFamily="34" charset="0"/>
+                <a:ea typeface="MS Mincho" panose="02020609040205080304" pitchFamily="49" charset="-128"/>
+                <a:cs typeface="Arial" panose="020B0604020202020204" pitchFamily="34" charset="0"/>
+              </a:rPr>
+              <a:t> </a:t>
+            </a:r>
+            <a:r>
+              <a:rPr lang="en-US" sz="2800" dirty="0" err="1">
+                <a:latin typeface="Arial" panose="020B0604020202020204" pitchFamily="34" charset="0"/>
+                <a:ea typeface="MS Mincho" panose="02020609040205080304" pitchFamily="49" charset="-128"/>
+                <a:cs typeface="Arial" panose="020B0604020202020204" pitchFamily="34" charset="0"/>
+              </a:rPr>
+              <a:t>i</a:t>
+            </a:r>
+            <a:r>
+              <a:rPr lang="en-US" sz="2800" dirty="0">
+                <a:latin typeface="Arial" panose="020B0604020202020204" pitchFamily="34" charset="0"/>
+                <a:ea typeface="MS Mincho" panose="02020609040205080304" pitchFamily="49" charset="-128"/>
+                <a:cs typeface="Arial" panose="020B0604020202020204" pitchFamily="34" charset="0"/>
+              </a:rPr>
+              <a:t>, </a:t>
+            </a:r>
+            <a:r>
+              <a:rPr lang="en-US" sz="2800" dirty="0" err="1">
+                <a:latin typeface="Arial" panose="020B0604020202020204" pitchFamily="34" charset="0"/>
+                <a:ea typeface="MS Mincho" panose="02020609040205080304" pitchFamily="49" charset="-128"/>
+                <a:cs typeface="Arial" panose="020B0604020202020204" pitchFamily="34" charset="0"/>
+              </a:rPr>
+              <a:t>tổng</a:t>
+            </a:r>
+            <a:r>
+              <a:rPr lang="en-US" sz="2800" dirty="0">
+                <a:latin typeface="Arial" panose="020B0604020202020204" pitchFamily="34" charset="0"/>
+                <a:ea typeface="MS Mincho" panose="02020609040205080304" pitchFamily="49" charset="-128"/>
+                <a:cs typeface="Arial" panose="020B0604020202020204" pitchFamily="34" charset="0"/>
+              </a:rPr>
+              <a:t> </a:t>
+            </a:r>
+            <a:r>
+              <a:rPr lang="en-US" sz="2800" dirty="0" err="1">
+                <a:latin typeface="Arial" panose="020B0604020202020204" pitchFamily="34" charset="0"/>
+                <a:ea typeface="MS Mincho" panose="02020609040205080304" pitchFamily="49" charset="-128"/>
+                <a:cs typeface="Arial" panose="020B0604020202020204" pitchFamily="34" charset="0"/>
+              </a:rPr>
+              <a:t>giá</a:t>
+            </a:r>
+            <a:r>
+              <a:rPr lang="en-US" sz="2800" dirty="0">
+                <a:latin typeface="Arial" panose="020B0604020202020204" pitchFamily="34" charset="0"/>
+                <a:ea typeface="MS Mincho" panose="02020609040205080304" pitchFamily="49" charset="-128"/>
+                <a:cs typeface="Arial" panose="020B0604020202020204" pitchFamily="34" charset="0"/>
+              </a:rPr>
+              <a:t> </a:t>
+            </a:r>
+            <a:r>
+              <a:rPr lang="en-US" sz="2800" dirty="0" err="1">
+                <a:latin typeface="Arial" panose="020B0604020202020204" pitchFamily="34" charset="0"/>
+                <a:ea typeface="MS Mincho" panose="02020609040205080304" pitchFamily="49" charset="-128"/>
+                <a:cs typeface="Arial" panose="020B0604020202020204" pitchFamily="34" charset="0"/>
+              </a:rPr>
+              <a:t>trị</a:t>
+            </a:r>
+            <a:r>
+              <a:rPr lang="en-US" sz="2800" dirty="0">
+                <a:latin typeface="Arial" panose="020B0604020202020204" pitchFamily="34" charset="0"/>
+                <a:ea typeface="MS Mincho" panose="02020609040205080304" pitchFamily="49" charset="-128"/>
+                <a:cs typeface="Arial" panose="020B0604020202020204" pitchFamily="34" charset="0"/>
+              </a:rPr>
+              <a:t> = </a:t>
+            </a:r>
+            <a:r>
+              <a:rPr lang="en-US" sz="2800" dirty="0" err="1">
+                <a:latin typeface="Arial" panose="020B0604020202020204" pitchFamily="34" charset="0"/>
+                <a:ea typeface="MS Mincho" panose="02020609040205080304" pitchFamily="49" charset="-128"/>
+                <a:cs typeface="Arial" panose="020B0604020202020204" pitchFamily="34" charset="0"/>
+              </a:rPr>
+              <a:t>giá</a:t>
+            </a:r>
+            <a:r>
+              <a:rPr lang="en-US" sz="2800" dirty="0">
+                <a:latin typeface="Arial" panose="020B0604020202020204" pitchFamily="34" charset="0"/>
+                <a:ea typeface="MS Mincho" panose="02020609040205080304" pitchFamily="49" charset="-128"/>
+                <a:cs typeface="Arial" panose="020B0604020202020204" pitchFamily="34" charset="0"/>
+              </a:rPr>
+              <a:t> </a:t>
+            </a:r>
+            <a:r>
+              <a:rPr lang="en-US" sz="2800" dirty="0" err="1">
+                <a:latin typeface="Arial" panose="020B0604020202020204" pitchFamily="34" charset="0"/>
+                <a:ea typeface="MS Mincho" panose="02020609040205080304" pitchFamily="49" charset="-128"/>
+                <a:cs typeface="Arial" panose="020B0604020202020204" pitchFamily="34" charset="0"/>
+              </a:rPr>
+              <a:t>trị</a:t>
+            </a:r>
+            <a:r>
+              <a:rPr lang="en-US" sz="2800" dirty="0">
+                <a:latin typeface="Arial" panose="020B0604020202020204" pitchFamily="34" charset="0"/>
+                <a:ea typeface="MS Mincho" panose="02020609040205080304" pitchFamily="49" charset="-128"/>
+                <a:cs typeface="Arial" panose="020B0604020202020204" pitchFamily="34" charset="0"/>
+              </a:rPr>
+              <a:t> </a:t>
+            </a:r>
+            <a:r>
+              <a:rPr lang="en-US" sz="2800" dirty="0" err="1">
+                <a:latin typeface="Arial" panose="020B0604020202020204" pitchFamily="34" charset="0"/>
+                <a:ea typeface="MS Mincho" panose="02020609040205080304" pitchFamily="49" charset="-128"/>
+                <a:cs typeface="Arial" panose="020B0604020202020204" pitchFamily="34" charset="0"/>
+              </a:rPr>
+              <a:t>đồ</a:t>
+            </a:r>
+            <a:r>
+              <a:rPr lang="en-US" sz="2800" dirty="0">
+                <a:latin typeface="Arial" panose="020B0604020202020204" pitchFamily="34" charset="0"/>
+                <a:ea typeface="MS Mincho" panose="02020609040205080304" pitchFamily="49" charset="-128"/>
+                <a:cs typeface="Arial" panose="020B0604020202020204" pitchFamily="34" charset="0"/>
+              </a:rPr>
+              <a:t> </a:t>
+            </a:r>
+            <a:r>
+              <a:rPr lang="en-US" sz="2800" dirty="0" err="1">
+                <a:latin typeface="Arial" panose="020B0604020202020204" pitchFamily="34" charset="0"/>
+                <a:ea typeface="MS Mincho" panose="02020609040205080304" pitchFamily="49" charset="-128"/>
+                <a:cs typeface="Arial" panose="020B0604020202020204" pitchFamily="34" charset="0"/>
+              </a:rPr>
+              <a:t>vật</a:t>
+            </a:r>
+            <a:r>
+              <a:rPr lang="en-US" sz="2800" dirty="0">
+                <a:latin typeface="Arial" panose="020B0604020202020204" pitchFamily="34" charset="0"/>
+                <a:ea typeface="MS Mincho" panose="02020609040205080304" pitchFamily="49" charset="-128"/>
+                <a:cs typeface="Arial" panose="020B0604020202020204" pitchFamily="34" charset="0"/>
+              </a:rPr>
+              <a:t> </a:t>
+            </a:r>
+            <a:r>
+              <a:rPr lang="en-US" sz="2800" dirty="0" err="1">
+                <a:latin typeface="Arial" panose="020B0604020202020204" pitchFamily="34" charset="0"/>
+                <a:ea typeface="MS Mincho" panose="02020609040205080304" pitchFamily="49" charset="-128"/>
+                <a:cs typeface="Arial" panose="020B0604020202020204" pitchFamily="34" charset="0"/>
+              </a:rPr>
+              <a:t>thứ</a:t>
+            </a:r>
+            <a:r>
+              <a:rPr lang="en-US" sz="2800" dirty="0">
+                <a:latin typeface="Arial" panose="020B0604020202020204" pitchFamily="34" charset="0"/>
+                <a:ea typeface="MS Mincho" panose="02020609040205080304" pitchFamily="49" charset="-128"/>
+                <a:cs typeface="Arial" panose="020B0604020202020204" pitchFamily="34" charset="0"/>
+              </a:rPr>
+              <a:t> I * </a:t>
+            </a:r>
+            <a:r>
+              <a:rPr lang="en-US" sz="2800" dirty="0" err="1">
+                <a:latin typeface="Arial" panose="020B0604020202020204" pitchFamily="34" charset="0"/>
+                <a:ea typeface="MS Mincho" panose="02020609040205080304" pitchFamily="49" charset="-128"/>
+                <a:cs typeface="Arial" panose="020B0604020202020204" pitchFamily="34" charset="0"/>
+              </a:rPr>
+              <a:t>trọng</a:t>
+            </a:r>
+            <a:r>
+              <a:rPr lang="en-US" sz="2800" dirty="0">
+                <a:latin typeface="Arial" panose="020B0604020202020204" pitchFamily="34" charset="0"/>
+                <a:ea typeface="MS Mincho" panose="02020609040205080304" pitchFamily="49" charset="-128"/>
+                <a:cs typeface="Arial" panose="020B0604020202020204" pitchFamily="34" charset="0"/>
+              </a:rPr>
+              <a:t> </a:t>
+            </a:r>
+            <a:r>
+              <a:rPr lang="en-US" sz="2800" dirty="0" err="1">
+                <a:latin typeface="Arial" panose="020B0604020202020204" pitchFamily="34" charset="0"/>
+                <a:ea typeface="MS Mincho" panose="02020609040205080304" pitchFamily="49" charset="-128"/>
+                <a:cs typeface="Arial" panose="020B0604020202020204" pitchFamily="34" charset="0"/>
+              </a:rPr>
+              <a:t>lượng</a:t>
+            </a:r>
+            <a:r>
+              <a:rPr lang="en-US" sz="2800" dirty="0">
+                <a:latin typeface="Arial" panose="020B0604020202020204" pitchFamily="34" charset="0"/>
+                <a:ea typeface="MS Mincho" panose="02020609040205080304" pitchFamily="49" charset="-128"/>
+                <a:cs typeface="Arial" panose="020B0604020202020204" pitchFamily="34" charset="0"/>
+              </a:rPr>
+              <a:t> max/ </a:t>
+            </a:r>
+            <a:r>
+              <a:rPr lang="en-US" sz="2800" dirty="0" err="1">
+                <a:latin typeface="Arial" panose="020B0604020202020204" pitchFamily="34" charset="0"/>
+                <a:ea typeface="MS Mincho" panose="02020609040205080304" pitchFamily="49" charset="-128"/>
+                <a:cs typeface="Arial" panose="020B0604020202020204" pitchFamily="34" charset="0"/>
+              </a:rPr>
+              <a:t>trọng</a:t>
+            </a:r>
+            <a:r>
+              <a:rPr lang="en-US" sz="2800" dirty="0">
+                <a:latin typeface="Arial" panose="020B0604020202020204" pitchFamily="34" charset="0"/>
+                <a:ea typeface="MS Mincho" panose="02020609040205080304" pitchFamily="49" charset="-128"/>
+                <a:cs typeface="Arial" panose="020B0604020202020204" pitchFamily="34" charset="0"/>
+              </a:rPr>
+              <a:t> </a:t>
+            </a:r>
+            <a:r>
+              <a:rPr lang="en-US" sz="2800" dirty="0" err="1">
+                <a:latin typeface="Arial" panose="020B0604020202020204" pitchFamily="34" charset="0"/>
+                <a:ea typeface="MS Mincho" panose="02020609040205080304" pitchFamily="49" charset="-128"/>
+                <a:cs typeface="Arial" panose="020B0604020202020204" pitchFamily="34" charset="0"/>
+              </a:rPr>
+              <a:t>lượng</a:t>
+            </a:r>
+            <a:r>
+              <a:rPr lang="en-US" sz="2800" dirty="0">
+                <a:latin typeface="Arial" panose="020B0604020202020204" pitchFamily="34" charset="0"/>
+                <a:ea typeface="MS Mincho" panose="02020609040205080304" pitchFamily="49" charset="-128"/>
+                <a:cs typeface="Arial" panose="020B0604020202020204" pitchFamily="34" charset="0"/>
+              </a:rPr>
+              <a:t> </a:t>
+            </a:r>
+            <a:r>
+              <a:rPr lang="en-US" sz="2800" dirty="0" err="1">
+                <a:latin typeface="Arial" panose="020B0604020202020204" pitchFamily="34" charset="0"/>
+                <a:ea typeface="MS Mincho" panose="02020609040205080304" pitchFamily="49" charset="-128"/>
+                <a:cs typeface="Arial" panose="020B0604020202020204" pitchFamily="34" charset="0"/>
+              </a:rPr>
+              <a:t>vật</a:t>
+            </a:r>
+            <a:r>
+              <a:rPr lang="en-US" sz="2800" dirty="0">
+                <a:latin typeface="Arial" panose="020B0604020202020204" pitchFamily="34" charset="0"/>
+                <a:ea typeface="MS Mincho" panose="02020609040205080304" pitchFamily="49" charset="-128"/>
+                <a:cs typeface="Arial" panose="020B0604020202020204" pitchFamily="34" charset="0"/>
+              </a:rPr>
+              <a:t> </a:t>
+            </a:r>
+            <a:r>
+              <a:rPr lang="en-US" sz="2800" dirty="0" err="1">
+                <a:latin typeface="Arial" panose="020B0604020202020204" pitchFamily="34" charset="0"/>
+                <a:ea typeface="MS Mincho" panose="02020609040205080304" pitchFamily="49" charset="-128"/>
+                <a:cs typeface="Arial" panose="020B0604020202020204" pitchFamily="34" charset="0"/>
+              </a:rPr>
+              <a:t>i</a:t>
+            </a:r>
+            <a:r>
+              <a:rPr lang="en-US" sz="2800" dirty="0" smtClean="0">
+                <a:latin typeface="Arial" panose="020B0604020202020204" pitchFamily="34" charset="0"/>
+                <a:ea typeface="MS Mincho" panose="02020609040205080304" pitchFamily="49" charset="-128"/>
+                <a:cs typeface="Arial" panose="020B0604020202020204" pitchFamily="34" charset="0"/>
+              </a:rPr>
+              <a:t>.</a:t>
+            </a:r>
+          </a:p>
+          <a:p>
+            <a:pPr marL="685800">
+              <a:lnSpc>
+                <a:spcPct val="107000"/>
+              </a:lnSpc>
+              <a:spcBef>
+                <a:spcPts val="0"/>
+              </a:spcBef>
+              <a:spcAft>
+                <a:spcPts val="800"/>
+              </a:spcAft>
+            </a:pPr>
+            <a:r>
+              <a:rPr lang="en-US" sz="2800" dirty="0">
+                <a:latin typeface="Times New Roman" panose="02020603050405020304" pitchFamily="18" charset="0"/>
+                <a:ea typeface="MS Mincho" panose="02020609040205080304" pitchFamily="49" charset="-128"/>
+                <a:cs typeface="Times New Roman" panose="02020603050405020304" pitchFamily="18" charset="0"/>
+              </a:rPr>
+              <a:t>Output: </a:t>
+            </a:r>
+            <a:r>
+              <a:rPr lang="en-US" sz="2800" dirty="0" err="1">
+                <a:latin typeface="Times New Roman" panose="02020603050405020304" pitchFamily="18" charset="0"/>
+                <a:ea typeface="MS Mincho" panose="02020609040205080304" pitchFamily="49" charset="-128"/>
+                <a:cs typeface="Times New Roman" panose="02020603050405020304" pitchFamily="18" charset="0"/>
+              </a:rPr>
+              <a:t>số</a:t>
+            </a:r>
+            <a:r>
+              <a:rPr lang="en-US" sz="2800" dirty="0">
+                <a:latin typeface="Times New Roman" panose="02020603050405020304" pitchFamily="18" charset="0"/>
+                <a:ea typeface="MS Mincho" panose="02020609040205080304" pitchFamily="49" charset="-128"/>
+                <a:cs typeface="Times New Roman" panose="02020603050405020304" pitchFamily="18" charset="0"/>
+              </a:rPr>
+              <a:t> </a:t>
+            </a:r>
+            <a:r>
+              <a:rPr lang="en-US" sz="2800" dirty="0" err="1">
+                <a:latin typeface="Times New Roman" panose="02020603050405020304" pitchFamily="18" charset="0"/>
+                <a:ea typeface="MS Mincho" panose="02020609040205080304" pitchFamily="49" charset="-128"/>
+                <a:cs typeface="Times New Roman" panose="02020603050405020304" pitchFamily="18" charset="0"/>
+              </a:rPr>
+              <a:t>đồ</a:t>
+            </a:r>
+            <a:r>
+              <a:rPr lang="en-US" sz="2800" dirty="0">
+                <a:latin typeface="Times New Roman" panose="02020603050405020304" pitchFamily="18" charset="0"/>
+                <a:ea typeface="MS Mincho" panose="02020609040205080304" pitchFamily="49" charset="-128"/>
+                <a:cs typeface="Times New Roman" panose="02020603050405020304" pitchFamily="18" charset="0"/>
+              </a:rPr>
+              <a:t> </a:t>
+            </a:r>
+            <a:r>
+              <a:rPr lang="en-US" sz="2800" dirty="0" err="1">
+                <a:latin typeface="Times New Roman" panose="02020603050405020304" pitchFamily="18" charset="0"/>
+                <a:ea typeface="MS Mincho" panose="02020609040205080304" pitchFamily="49" charset="-128"/>
+                <a:cs typeface="Times New Roman" panose="02020603050405020304" pitchFamily="18" charset="0"/>
+              </a:rPr>
+              <a:t>vật</a:t>
+            </a:r>
+            <a:r>
+              <a:rPr lang="en-US" sz="2800" dirty="0">
+                <a:latin typeface="Times New Roman" panose="02020603050405020304" pitchFamily="18" charset="0"/>
+                <a:ea typeface="MS Mincho" panose="02020609040205080304" pitchFamily="49" charset="-128"/>
+                <a:cs typeface="Times New Roman" panose="02020603050405020304" pitchFamily="18" charset="0"/>
+              </a:rPr>
+              <a:t> </a:t>
+            </a:r>
+            <a:r>
+              <a:rPr lang="en-US" sz="2800" dirty="0" err="1">
+                <a:latin typeface="Times New Roman" panose="02020603050405020304" pitchFamily="18" charset="0"/>
+                <a:ea typeface="MS Mincho" panose="02020609040205080304" pitchFamily="49" charset="-128"/>
+                <a:cs typeface="Times New Roman" panose="02020603050405020304" pitchFamily="18" charset="0"/>
+              </a:rPr>
+              <a:t>được</a:t>
+            </a:r>
+            <a:r>
+              <a:rPr lang="en-US" sz="2800" dirty="0">
+                <a:latin typeface="Times New Roman" panose="02020603050405020304" pitchFamily="18" charset="0"/>
+                <a:ea typeface="MS Mincho" panose="02020609040205080304" pitchFamily="49" charset="-128"/>
+                <a:cs typeface="Times New Roman" panose="02020603050405020304" pitchFamily="18" charset="0"/>
+              </a:rPr>
+              <a:t> </a:t>
+            </a:r>
+            <a:r>
+              <a:rPr lang="en-US" sz="2800" dirty="0" err="1">
+                <a:latin typeface="Times New Roman" panose="02020603050405020304" pitchFamily="18" charset="0"/>
+                <a:ea typeface="MS Mincho" panose="02020609040205080304" pitchFamily="49" charset="-128"/>
+                <a:cs typeface="Times New Roman" panose="02020603050405020304" pitchFamily="18" charset="0"/>
+              </a:rPr>
+              <a:t>chọn</a:t>
+            </a:r>
+            <a:r>
+              <a:rPr lang="en-US" sz="2800" dirty="0">
+                <a:latin typeface="Times New Roman" panose="02020603050405020304" pitchFamily="18" charset="0"/>
+                <a:ea typeface="MS Mincho" panose="02020609040205080304" pitchFamily="49" charset="-128"/>
+                <a:cs typeface="Times New Roman" panose="02020603050405020304" pitchFamily="18" charset="0"/>
+              </a:rPr>
+              <a:t>, </a:t>
+            </a:r>
+            <a:r>
+              <a:rPr lang="en-US" sz="2800" dirty="0" err="1">
+                <a:latin typeface="Times New Roman" panose="02020603050405020304" pitchFamily="18" charset="0"/>
+                <a:ea typeface="MS Mincho" panose="02020609040205080304" pitchFamily="49" charset="-128"/>
+                <a:cs typeface="Times New Roman" panose="02020603050405020304" pitchFamily="18" charset="0"/>
+              </a:rPr>
+              <a:t>tổng</a:t>
+            </a:r>
+            <a:r>
+              <a:rPr lang="en-US" sz="2800" dirty="0">
+                <a:latin typeface="Times New Roman" panose="02020603050405020304" pitchFamily="18" charset="0"/>
+                <a:ea typeface="MS Mincho" panose="02020609040205080304" pitchFamily="49" charset="-128"/>
+                <a:cs typeface="Times New Roman" panose="02020603050405020304" pitchFamily="18" charset="0"/>
+              </a:rPr>
+              <a:t> </a:t>
+            </a:r>
+            <a:r>
+              <a:rPr lang="en-US" sz="2800" dirty="0" err="1">
+                <a:latin typeface="Times New Roman" panose="02020603050405020304" pitchFamily="18" charset="0"/>
+                <a:ea typeface="MS Mincho" panose="02020609040205080304" pitchFamily="49" charset="-128"/>
+                <a:cs typeface="Times New Roman" panose="02020603050405020304" pitchFamily="18" charset="0"/>
+              </a:rPr>
+              <a:t>giá</a:t>
+            </a:r>
+            <a:r>
+              <a:rPr lang="en-US" sz="2800" dirty="0">
+                <a:latin typeface="Times New Roman" panose="02020603050405020304" pitchFamily="18" charset="0"/>
+                <a:ea typeface="MS Mincho" panose="02020609040205080304" pitchFamily="49" charset="-128"/>
+                <a:cs typeface="Times New Roman" panose="02020603050405020304" pitchFamily="18" charset="0"/>
+              </a:rPr>
+              <a:t> </a:t>
+            </a:r>
+            <a:r>
+              <a:rPr lang="en-US" sz="2800" dirty="0" err="1">
+                <a:latin typeface="Times New Roman" panose="02020603050405020304" pitchFamily="18" charset="0"/>
+                <a:ea typeface="MS Mincho" panose="02020609040205080304" pitchFamily="49" charset="-128"/>
+                <a:cs typeface="Times New Roman" panose="02020603050405020304" pitchFamily="18" charset="0"/>
+              </a:rPr>
+              <a:t>trị</a:t>
+            </a:r>
+            <a:endParaRPr lang="en-US" dirty="0">
+              <a:latin typeface="Calibri" panose="020F0502020204030204" pitchFamily="34" charset="0"/>
+              <a:ea typeface="MS Mincho" panose="02020609040205080304" pitchFamily="49" charset="-128"/>
+              <a:cs typeface="Times New Roman" panose="02020603050405020304" pitchFamily="18" charset="0"/>
+            </a:endParaRPr>
+          </a:p>
+          <a:p>
+            <a:pPr marL="457200" marR="0" indent="0">
+              <a:lnSpc>
+                <a:spcPct val="107000"/>
+              </a:lnSpc>
+              <a:spcBef>
+                <a:spcPts val="0"/>
+              </a:spcBef>
+              <a:spcAft>
+                <a:spcPts val="800"/>
+              </a:spcAft>
+              <a:buNone/>
+            </a:pPr>
+            <a:endParaRPr lang="en-US" sz="2800" dirty="0">
+              <a:latin typeface="Arial" panose="020B0604020202020204" pitchFamily="34" charset="0"/>
+              <a:ea typeface="MS Mincho" panose="02020609040205080304" pitchFamily="49" charset="-128"/>
+              <a:cs typeface="Arial" panose="020B0604020202020204" pitchFamily="34" charset="0"/>
+            </a:endParaRPr>
+          </a:p>
+        </p:txBody>
+      </p:sp>
+      <p:pic>
+        <p:nvPicPr>
+          <p:cNvPr id="10" name="Picture 9"/>
+          <p:cNvPicPr/>
+          <p:nvPr/>
+        </p:nvPicPr>
+        <p:blipFill>
+          <a:blip r:embed="rId2"/>
+          <a:stretch>
+            <a:fillRect/>
+          </a:stretch>
+        </p:blipFill>
+        <p:spPr>
+          <a:xfrm>
+            <a:off x="1924898" y="5033307"/>
+            <a:ext cx="5629413" cy="820956"/>
+          </a:xfrm>
+          <a:prstGeom prst="rect">
+            <a:avLst/>
+          </a:prstGeom>
+        </p:spPr>
+      </p:pic>
+    </p:spTree>
+    <p:extLst>
+      <p:ext uri="{BB962C8B-B14F-4D97-AF65-F5344CB8AC3E}">
+        <p14:creationId xmlns:p14="http://schemas.microsoft.com/office/powerpoint/2010/main" val="2126350628"/>
       </p:ext>
     </p:extLst>
   </p:cSld>
